--- a/総合制作実習.pptx
+++ b/総合制作実習.pptx
@@ -17,7 +17,8 @@
     <p:sldId id="266" r:id="rId11"/>
     <p:sldId id="267" r:id="rId12"/>
     <p:sldId id="268" r:id="rId13"/>
-    <p:sldId id="263" r:id="rId14"/>
+    <p:sldId id="269" r:id="rId14"/>
+    <p:sldId id="263" r:id="rId15"/>
   </p:sldIdLst>
   <p:sldSz cx="12192000" cy="6858000"/>
   <p:notesSz cx="6858000" cy="9144000"/>
@@ -116,6 +117,11 @@
       </a:defRPr>
     </a:lvl9pPr>
   </p:defaultTextStyle>
+  <p:extLst>
+    <p:ext uri="{EFAFB233-063F-42B5-8137-9DF3F51BA10A}">
+      <p15:sldGuideLst xmlns:p15="http://schemas.microsoft.com/office/powerpoint/2012/main"/>
+    </p:ext>
+  </p:extLst>
 </p:presentation>
 </file>
 
@@ -270,7 +276,7 @@
           <a:p>
             <a:fld id="{C128FA71-3A18-48C0-980F-4B68F7F63042}" type="datetime1">
               <a:rPr lang="en-US" smtClean="0"/>
-              <a:t>1/23/2026</a:t>
+              <a:t>2/3/2026</a:t>
             </a:fld>
             <a:endParaRPr lang="en-US"/>
           </a:p>
@@ -509,7 +515,7 @@
           <a:p>
             <a:fld id="{67F45AC6-C491-4585-A584-9CE2AF7D5500}" type="datetime1">
               <a:rPr lang="en-US" smtClean="0"/>
-              <a:t>1/23/2026</a:t>
+              <a:t>2/3/2026</a:t>
             </a:fld>
             <a:endParaRPr lang="en-US"/>
           </a:p>
@@ -2632,8 +2638,8 @@
         </p:nvSpPr>
         <p:spPr>
           <a:xfrm>
-            <a:off x="1156186" y="2448589"/>
-            <a:ext cx="9879628" cy="523220"/>
+            <a:off x="1156186" y="2508604"/>
+            <a:ext cx="8404673" cy="1077218"/>
           </a:xfrm>
           <a:prstGeom prst="rect">
             <a:avLst/>
@@ -2641,14 +2647,13 @@
           <a:noFill/>
         </p:spPr>
         <p:txBody>
-          <a:bodyPr wrap="none" rtlCol="0">
+          <a:bodyPr wrap="square" rtlCol="0">
             <a:spAutoFit/>
           </a:bodyPr>
           <a:lstStyle/>
           <a:p>
-            <a:pPr algn="ctr"/>
             <a:r>
-              <a:rPr kumimoji="1" lang="ja-JP" altLang="en-US" sz="2800" b="1" dirty="0">
+              <a:rPr kumimoji="1" lang="ja-JP" altLang="en-US" sz="3200" b="1" dirty="0">
                 <a:ln>
                   <a:solidFill>
                     <a:schemeClr val="tx2"/>
@@ -2656,13 +2661,13 @@
                 </a:ln>
                 <a:solidFill>
                   <a:schemeClr val="bg2">
-                    <a:lumMod val="50000"/>
+                    <a:lumMod val="75000"/>
                   </a:schemeClr>
                 </a:solidFill>
               </a:rPr>
               <a:t>開発途中で追加すべき処理が次々に判明し、調整に手間取る</a:t>
             </a:r>
-            <a:endParaRPr kumimoji="1" lang="en-US" altLang="ja-JP" sz="2800" b="1" dirty="0">
+            <a:endParaRPr kumimoji="1" lang="en-US" altLang="ja-JP" sz="3200" b="1" dirty="0">
               <a:ln>
                 <a:solidFill>
                   <a:schemeClr val="tx2"/>
@@ -2670,7 +2675,7 @@
               </a:ln>
               <a:solidFill>
                 <a:schemeClr val="bg2">
-                  <a:lumMod val="50000"/>
+                  <a:lumMod val="75000"/>
                 </a:schemeClr>
               </a:solidFill>
             </a:endParaRPr>
@@ -2757,8 +2762,8 @@
         </p:nvSpPr>
         <p:spPr>
           <a:xfrm>
-            <a:off x="1156186" y="4788376"/>
-            <a:ext cx="10212854" cy="954107"/>
+            <a:off x="1156185" y="4788376"/>
+            <a:ext cx="10529309" cy="1077218"/>
           </a:xfrm>
           <a:prstGeom prst="rect">
             <a:avLst/>
@@ -2772,7 +2777,7 @@
           <a:lstStyle/>
           <a:p>
             <a:r>
-              <a:rPr kumimoji="1" lang="ja-JP" altLang="en-US" sz="2800" b="1" dirty="0">
+              <a:rPr kumimoji="1" lang="ja-JP" altLang="en-US" sz="3200" b="1" dirty="0">
                 <a:ln>
                   <a:solidFill>
                     <a:schemeClr val="tx2"/>
@@ -2780,14 +2785,28 @@
                 </a:ln>
                 <a:solidFill>
                   <a:schemeClr val="bg2">
-                    <a:lumMod val="50000"/>
+                    <a:lumMod val="75000"/>
                   </a:schemeClr>
                 </a:solidFill>
               </a:rPr>
-              <a:t>当初は問題ないと思っていた集計方法も、動作要件の整理不足により後から複数案が生じ、</a:t>
+              <a:t>当初は問題ないと思っていた集計方法も、動作要件の</a:t>
             </a:r>
+            <a:endParaRPr kumimoji="1" lang="en-US" altLang="ja-JP" sz="3200" b="1" dirty="0">
+              <a:ln>
+                <a:solidFill>
+                  <a:schemeClr val="tx2"/>
+                </a:solidFill>
+              </a:ln>
+              <a:solidFill>
+                <a:schemeClr val="bg2">
+                  <a:lumMod val="75000"/>
+                </a:schemeClr>
+              </a:solidFill>
+            </a:endParaRPr>
+          </a:p>
+          <a:p>
             <a:r>
-              <a:rPr lang="ja-JP" altLang="en-US" sz="2800" b="1" dirty="0">
+              <a:rPr kumimoji="1" lang="ja-JP" altLang="en-US" sz="3200" b="1" dirty="0">
                 <a:ln>
                   <a:solidFill>
                     <a:schemeClr val="tx2"/>
@@ -2795,13 +2814,28 @@
                 </a:ln>
                 <a:solidFill>
                   <a:schemeClr val="bg2">
-                    <a:lumMod val="50000"/>
+                    <a:lumMod val="75000"/>
+                  </a:schemeClr>
+                </a:solidFill>
+              </a:rPr>
+              <a:t>整理不足により後から複数案が生じ、</a:t>
+            </a:r>
+            <a:r>
+              <a:rPr lang="ja-JP" altLang="en-US" sz="3200" b="1" dirty="0">
+                <a:ln>
+                  <a:solidFill>
+                    <a:schemeClr val="tx2"/>
+                  </a:solidFill>
+                </a:ln>
+                <a:solidFill>
+                  <a:schemeClr val="bg2">
+                    <a:lumMod val="75000"/>
                   </a:schemeClr>
                 </a:solidFill>
               </a:rPr>
               <a:t>選定に手間取った</a:t>
             </a:r>
-            <a:endParaRPr kumimoji="1" lang="en-US" altLang="ja-JP" sz="2800" b="1" dirty="0">
+            <a:endParaRPr kumimoji="1" lang="en-US" altLang="ja-JP" sz="3200" b="1" dirty="0">
               <a:ln>
                 <a:solidFill>
                   <a:schemeClr val="tx2"/>
@@ -2809,7 +2843,7 @@
               </a:ln>
               <a:solidFill>
                 <a:schemeClr val="bg2">
-                  <a:lumMod val="50000"/>
+                  <a:lumMod val="75000"/>
                 </a:schemeClr>
               </a:solidFill>
             </a:endParaRPr>
@@ -2830,6 +2864,131 @@
 </file>
 
 <file path=ppt/slides/slide13.xml><?xml version="1.0" encoding="utf-8"?>
+<p:sld xmlns:a="http://schemas.openxmlformats.org/drawingml/2006/main" xmlns:r="http://schemas.openxmlformats.org/officeDocument/2006/relationships" xmlns:p="http://schemas.openxmlformats.org/presentationml/2006/main">
+  <p:cSld>
+    <p:spTree>
+      <p:nvGrpSpPr>
+        <p:cNvPr id="1" name="">
+          <a:extLst>
+            <a:ext uri="{FF2B5EF4-FFF2-40B4-BE49-F238E27FC236}">
+              <a16:creationId xmlns:a16="http://schemas.microsoft.com/office/drawing/2014/main" id="{0AB457BA-A526-C633-1B06-D8415314E43A}"/>
+            </a:ext>
+          </a:extLst>
+        </p:cNvPr>
+        <p:cNvGrpSpPr/>
+        <p:nvPr/>
+      </p:nvGrpSpPr>
+      <p:grpSpPr>
+        <a:xfrm>
+          <a:off x="0" y="0"/>
+          <a:ext cx="0" cy="0"/>
+          <a:chOff x="0" y="0"/>
+          <a:chExt cx="0" cy="0"/>
+        </a:xfrm>
+      </p:grpSpPr>
+      <p:pic>
+        <p:nvPicPr>
+          <p:cNvPr id="4" name="Picture 3" descr="三角形を形成するように整列されたネオン レーザー光">
+            <a:extLst>
+              <a:ext uri="{FF2B5EF4-FFF2-40B4-BE49-F238E27FC236}">
+                <a16:creationId xmlns:a16="http://schemas.microsoft.com/office/drawing/2014/main" id="{3965A3B9-F29B-B437-AA13-1F95CFB06ECF}"/>
+              </a:ext>
+            </a:extLst>
+          </p:cNvPr>
+          <p:cNvPicPr>
+            <a:picLocks noChangeAspect="1"/>
+          </p:cNvPicPr>
+          <p:nvPr/>
+        </p:nvPicPr>
+        <p:blipFill>
+          <a:blip r:embed="rId2"/>
+          <a:srcRect l="9091" t="12399" b="5783"/>
+          <a:stretch>
+            <a:fillRect/>
+          </a:stretch>
+        </p:blipFill>
+        <p:spPr>
+          <a:xfrm>
+            <a:off x="20" y="10"/>
+            <a:ext cx="12191980" cy="6857990"/>
+          </a:xfrm>
+          <a:prstGeom prst="rect">
+            <a:avLst/>
+          </a:prstGeom>
+        </p:spPr>
+      </p:pic>
+      <p:sp>
+        <p:nvSpPr>
+          <p:cNvPr id="6" name="タイトル 5">
+            <a:extLst>
+              <a:ext uri="{FF2B5EF4-FFF2-40B4-BE49-F238E27FC236}">
+                <a16:creationId xmlns:a16="http://schemas.microsoft.com/office/drawing/2014/main" id="{2190B33C-84A8-9137-212D-43BD26BFEB9A}"/>
+              </a:ext>
+            </a:extLst>
+          </p:cNvPr>
+          <p:cNvSpPr>
+            <a:spLocks noGrp="1"/>
+          </p:cNvSpPr>
+          <p:nvPr>
+            <p:ph type="ctrTitle"/>
+          </p:nvPr>
+        </p:nvSpPr>
+        <p:spPr>
+          <a:xfrm>
+            <a:off x="3151826" y="2781357"/>
+            <a:ext cx="5888348" cy="1295285"/>
+          </a:xfrm>
+        </p:spPr>
+        <p:txBody>
+          <a:bodyPr>
+            <a:noAutofit/>
+          </a:bodyPr>
+          <a:lstStyle/>
+          <a:p>
+            <a:r>
+              <a:rPr lang="ja-JP" altLang="en-US" sz="9600" dirty="0">
+                <a:ln w="9525">
+                  <a:solidFill>
+                    <a:schemeClr val="tx1">
+                      <a:lumMod val="95000"/>
+                      <a:lumOff val="5000"/>
+                    </a:schemeClr>
+                  </a:solidFill>
+                  <a:prstDash val="solid"/>
+                </a:ln>
+                <a:solidFill>
+                  <a:schemeClr val="accent1">
+                    <a:lumMod val="60000"/>
+                    <a:lumOff val="40000"/>
+                  </a:schemeClr>
+                </a:solidFill>
+                <a:effectLst>
+                  <a:outerShdw blurRad="12700" dist="38100" dir="2700000" algn="tl" rotWithShape="0">
+                    <a:schemeClr val="bg1">
+                      <a:lumMod val="50000"/>
+                    </a:schemeClr>
+                  </a:outerShdw>
+                </a:effectLst>
+              </a:rPr>
+              <a:t>まとめ</a:t>
+            </a:r>
+          </a:p>
+        </p:txBody>
+      </p:sp>
+    </p:spTree>
+    <p:extLst>
+      <p:ext uri="{BB962C8B-B14F-4D97-AF65-F5344CB8AC3E}">
+        <p14:creationId xmlns:p14="http://schemas.microsoft.com/office/powerpoint/2010/main" val="388117266"/>
+      </p:ext>
+    </p:extLst>
+  </p:cSld>
+  <p:clrMapOvr>
+    <a:masterClrMapping/>
+  </p:clrMapOvr>
+</p:sld>
+</file>
+
+<file path=ppt/slides/slide14.xml><?xml version="1.0" encoding="utf-8"?>
 <p:sld xmlns:a="http://schemas.openxmlformats.org/drawingml/2006/main" xmlns:r="http://schemas.openxmlformats.org/officeDocument/2006/relationships" xmlns:p="http://schemas.openxmlformats.org/presentationml/2006/main">
   <p:cSld>
     <p:spTree>
@@ -2918,220 +3077,50 @@
                   <a:schemeClr val="bg1"/>
                 </a:solidFill>
               </a:rPr>
-              <a:t>開発環境</a:t>
+              <a:t>まとめ</a:t>
             </a:r>
           </a:p>
         </p:txBody>
       </p:sp>
-      <p:graphicFrame>
-        <p:nvGraphicFramePr>
-          <p:cNvPr id="2" name="表 1">
-            <a:extLst>
-              <a:ext uri="{FF2B5EF4-FFF2-40B4-BE49-F238E27FC236}">
-                <a16:creationId xmlns:a16="http://schemas.microsoft.com/office/drawing/2014/main" id="{3D552540-D103-E241-004B-5A91FEAC38C4}"/>
-              </a:ext>
-            </a:extLst>
-          </p:cNvPr>
-          <p:cNvGraphicFramePr>
-            <a:graphicFrameLocks noGrp="1"/>
-          </p:cNvGraphicFramePr>
+      <p:sp>
+        <p:nvSpPr>
+          <p:cNvPr id="3" name="テキスト ボックス 2">
+            <a:extLst>
+              <a:ext uri="{FF2B5EF4-FFF2-40B4-BE49-F238E27FC236}">
+                <a16:creationId xmlns:a16="http://schemas.microsoft.com/office/drawing/2014/main" id="{6C9DCBAC-F345-3872-F7A6-0D0A33D4E0B6}"/>
+              </a:ext>
+            </a:extLst>
+          </p:cNvPr>
+          <p:cNvSpPr txBox="1"/>
           <p:nvPr/>
-        </p:nvGraphicFramePr>
-        <p:xfrm>
-          <a:off x="2032000" y="2316480"/>
-          <a:ext cx="8128000" cy="2225040"/>
-        </p:xfrm>
-        <a:graphic>
-          <a:graphicData uri="http://schemas.openxmlformats.org/drawingml/2006/table">
-            <a:tbl>
-              <a:tblPr firstRow="1" bandRow="1">
-                <a:tableStyleId>{073A0DAA-6AF3-43AB-8588-CEC1D06C72B9}</a:tableStyleId>
-              </a:tblPr>
-              <a:tblGrid>
-                <a:gridCol w="4064000">
-                  <a:extLst>
-                    <a:ext uri="{9D8B030D-6E8A-4147-A177-3AD203B41FA5}">
-                      <a16:colId xmlns:a16="http://schemas.microsoft.com/office/drawing/2014/main" val="3238888070"/>
-                    </a:ext>
-                  </a:extLst>
-                </a:gridCol>
-                <a:gridCol w="4064000">
-                  <a:extLst>
-                    <a:ext uri="{9D8B030D-6E8A-4147-A177-3AD203B41FA5}">
-                      <a16:colId xmlns:a16="http://schemas.microsoft.com/office/drawing/2014/main" val="3362673850"/>
-                    </a:ext>
-                  </a:extLst>
-                </a:gridCol>
-              </a:tblGrid>
-              <a:tr h="370840">
-                <a:tc>
-                  <a:txBody>
-                    <a:bodyPr/>
-                    <a:lstStyle/>
-                    <a:p>
-                      <a:r>
-                        <a:rPr kumimoji="1" lang="ja-JP" altLang="en-US" dirty="0"/>
-                        <a:t>項目</a:t>
-                      </a:r>
-                    </a:p>
-                  </a:txBody>
-                  <a:tcPr/>
-                </a:tc>
-                <a:tc>
-                  <a:txBody>
-                    <a:bodyPr/>
-                    <a:lstStyle/>
-                    <a:p>
-                      <a:endParaRPr kumimoji="1" lang="ja-JP" altLang="en-US" dirty="0"/>
-                    </a:p>
-                  </a:txBody>
-                  <a:tcPr/>
-                </a:tc>
-                <a:extLst>
-                  <a:ext uri="{0D108BD9-81ED-4DB2-BD59-A6C34878D82A}">
-                    <a16:rowId xmlns:a16="http://schemas.microsoft.com/office/drawing/2014/main" val="853207639"/>
-                  </a:ext>
-                </a:extLst>
-              </a:tr>
-              <a:tr h="370840">
-                <a:tc>
-                  <a:txBody>
-                    <a:bodyPr/>
-                    <a:lstStyle/>
-                    <a:p>
-                      <a:endParaRPr kumimoji="1" lang="ja-JP" altLang="en-US" dirty="0"/>
-                    </a:p>
-                  </a:txBody>
-                  <a:tcPr/>
-                </a:tc>
-                <a:tc>
-                  <a:txBody>
-                    <a:bodyPr/>
-                    <a:lstStyle/>
-                    <a:p>
-                      <a:endParaRPr kumimoji="1" lang="ja-JP" altLang="en-US"/>
-                    </a:p>
-                  </a:txBody>
-                  <a:tcPr/>
-                </a:tc>
-                <a:extLst>
-                  <a:ext uri="{0D108BD9-81ED-4DB2-BD59-A6C34878D82A}">
-                    <a16:rowId xmlns:a16="http://schemas.microsoft.com/office/drawing/2014/main" val="3414639436"/>
-                  </a:ext>
-                </a:extLst>
-              </a:tr>
-              <a:tr h="370840">
-                <a:tc>
-                  <a:txBody>
-                    <a:bodyPr/>
-                    <a:lstStyle/>
-                    <a:p>
-                      <a:endParaRPr kumimoji="1" lang="ja-JP" altLang="en-US" dirty="0"/>
-                    </a:p>
-                  </a:txBody>
-                  <a:tcPr/>
-                </a:tc>
-                <a:tc>
-                  <a:txBody>
-                    <a:bodyPr/>
-                    <a:lstStyle/>
-                    <a:p>
-                      <a:endParaRPr kumimoji="1" lang="ja-JP" altLang="en-US"/>
-                    </a:p>
-                  </a:txBody>
-                  <a:tcPr/>
-                </a:tc>
-                <a:extLst>
-                  <a:ext uri="{0D108BD9-81ED-4DB2-BD59-A6C34878D82A}">
-                    <a16:rowId xmlns:a16="http://schemas.microsoft.com/office/drawing/2014/main" val="3328787629"/>
-                  </a:ext>
-                </a:extLst>
-              </a:tr>
-              <a:tr h="370840">
-                <a:tc>
-                  <a:txBody>
-                    <a:bodyPr/>
-                    <a:lstStyle/>
-                    <a:p>
-                      <a:endParaRPr kumimoji="1" lang="ja-JP" altLang="en-US"/>
-                    </a:p>
-                  </a:txBody>
-                  <a:tcPr/>
-                </a:tc>
-                <a:tc>
-                  <a:txBody>
-                    <a:bodyPr/>
-                    <a:lstStyle/>
-                    <a:p>
-                      <a:endParaRPr kumimoji="1" lang="ja-JP" altLang="en-US"/>
-                    </a:p>
-                  </a:txBody>
-                  <a:tcPr/>
-                </a:tc>
-                <a:extLst>
-                  <a:ext uri="{0D108BD9-81ED-4DB2-BD59-A6C34878D82A}">
-                    <a16:rowId xmlns:a16="http://schemas.microsoft.com/office/drawing/2014/main" val="1370935876"/>
-                  </a:ext>
-                </a:extLst>
-              </a:tr>
-              <a:tr h="370840">
-                <a:tc>
-                  <a:txBody>
-                    <a:bodyPr/>
-                    <a:lstStyle/>
-                    <a:p>
-                      <a:endParaRPr kumimoji="1" lang="ja-JP" altLang="en-US"/>
-                    </a:p>
-                  </a:txBody>
-                  <a:tcPr/>
-                </a:tc>
-                <a:tc>
-                  <a:txBody>
-                    <a:bodyPr/>
-                    <a:lstStyle/>
-                    <a:p>
-                      <a:endParaRPr kumimoji="1" lang="ja-JP" altLang="en-US"/>
-                    </a:p>
-                  </a:txBody>
-                  <a:tcPr/>
-                </a:tc>
-                <a:extLst>
-                  <a:ext uri="{0D108BD9-81ED-4DB2-BD59-A6C34878D82A}">
-                    <a16:rowId xmlns:a16="http://schemas.microsoft.com/office/drawing/2014/main" val="1421682902"/>
-                  </a:ext>
-                </a:extLst>
-              </a:tr>
-              <a:tr h="370840">
-                <a:tc>
-                  <a:txBody>
-                    <a:bodyPr/>
-                    <a:lstStyle/>
-                    <a:p>
-                      <a:endParaRPr kumimoji="1" lang="ja-JP" altLang="en-US"/>
-                    </a:p>
-                  </a:txBody>
-                  <a:tcPr/>
-                </a:tc>
-                <a:tc>
-                  <a:txBody>
-                    <a:bodyPr/>
-                    <a:lstStyle/>
-                    <a:p>
-                      <a:endParaRPr kumimoji="1" lang="ja-JP" altLang="en-US" dirty="0"/>
-                    </a:p>
-                  </a:txBody>
-                  <a:tcPr/>
-                </a:tc>
-                <a:extLst>
-                  <a:ext uri="{0D108BD9-81ED-4DB2-BD59-A6C34878D82A}">
-                    <a16:rowId xmlns:a16="http://schemas.microsoft.com/office/drawing/2014/main" val="1784188919"/>
-                  </a:ext>
-                </a:extLst>
-              </a:tr>
-            </a:tbl>
-          </a:graphicData>
-        </a:graphic>
-      </p:graphicFrame>
+        </p:nvSpPr>
+        <p:spPr>
+          <a:xfrm>
+            <a:off x="2213811" y="1636295"/>
+            <a:ext cx="2492990" cy="369332"/>
+          </a:xfrm>
+          <a:prstGeom prst="rect">
+            <a:avLst/>
+          </a:prstGeom>
+          <a:noFill/>
+        </p:spPr>
+        <p:txBody>
+          <a:bodyPr wrap="none" rtlCol="0">
+            <a:spAutoFit/>
+          </a:bodyPr>
+          <a:lstStyle/>
+          <a:p>
+            <a:r>
+              <a:rPr kumimoji="1" lang="ja-JP" altLang="en-US" dirty="0">
+                <a:solidFill>
+                  <a:srgbClr val="FF0000"/>
+                </a:solidFill>
+              </a:rPr>
+              <a:t>ショップ機能、未実装</a:t>
+            </a:r>
+          </a:p>
+        </p:txBody>
+      </p:sp>
     </p:spTree>
     <p:extLst>
       <p:ext uri="{BB962C8B-B14F-4D97-AF65-F5344CB8AC3E}">
@@ -3254,8 +3243,8 @@
         </p:nvSpPr>
         <p:spPr>
           <a:xfrm>
-            <a:off x="589937" y="1506341"/>
-            <a:ext cx="2202426" cy="2202426"/>
+            <a:off x="382308" y="1375602"/>
+            <a:ext cx="2675694" cy="2675694"/>
           </a:xfrm>
           <a:prstGeom prst="ellipse">
             <a:avLst/>
@@ -3282,23 +3271,23 @@
           <a:p>
             <a:pPr algn="ctr"/>
             <a:r>
-              <a:rPr kumimoji="1" lang="ja-JP" altLang="en-US" sz="3200" dirty="0"/>
+              <a:rPr kumimoji="1" lang="ja-JP" altLang="en-US" sz="4800" dirty="0"/>
               <a:t>背景</a:t>
             </a:r>
-            <a:endParaRPr kumimoji="1" lang="en-US" altLang="ja-JP" sz="3200" dirty="0"/>
+            <a:endParaRPr kumimoji="1" lang="en-US" altLang="ja-JP" sz="4800" dirty="0"/>
           </a:p>
           <a:p>
             <a:pPr algn="ctr"/>
             <a:r>
-              <a:rPr kumimoji="1" lang="ja-JP" altLang="en-US" sz="3200" dirty="0"/>
+              <a:rPr kumimoji="1" lang="ja-JP" altLang="en-US" sz="4800" dirty="0"/>
               <a:t>・</a:t>
             </a:r>
-            <a:endParaRPr kumimoji="1" lang="en-US" altLang="ja-JP" sz="3200" dirty="0"/>
+            <a:endParaRPr kumimoji="1" lang="en-US" altLang="ja-JP" sz="4800" dirty="0"/>
           </a:p>
           <a:p>
             <a:pPr algn="ctr"/>
             <a:r>
-              <a:rPr kumimoji="1" lang="ja-JP" altLang="en-US" sz="3200" dirty="0"/>
+              <a:rPr kumimoji="1" lang="ja-JP" altLang="en-US" sz="4800" dirty="0"/>
               <a:t>目的</a:t>
             </a:r>
           </a:p>
@@ -3318,8 +3307,8 @@
         </p:nvSpPr>
         <p:spPr>
           <a:xfrm>
-            <a:off x="2792363" y="3895580"/>
-            <a:ext cx="2202426" cy="2202426"/>
+            <a:off x="2465172" y="3815605"/>
+            <a:ext cx="2675693" cy="2675693"/>
           </a:xfrm>
           <a:prstGeom prst="ellipse">
             <a:avLst/>
@@ -3359,7 +3348,7 @@
           <a:p>
             <a:pPr algn="ctr"/>
             <a:r>
-              <a:rPr kumimoji="1" lang="ja-JP" altLang="en-US" sz="3200" dirty="0"/>
+              <a:rPr kumimoji="1" lang="ja-JP" altLang="en-US" sz="4800" dirty="0"/>
               <a:t>概要</a:t>
             </a:r>
           </a:p>
@@ -3379,8 +3368,8 @@
         </p:nvSpPr>
         <p:spPr>
           <a:xfrm>
-            <a:off x="7197213" y="3895580"/>
-            <a:ext cx="2202426" cy="2202426"/>
+            <a:off x="7051137" y="3815605"/>
+            <a:ext cx="2675423" cy="2675423"/>
           </a:xfrm>
           <a:prstGeom prst="ellipse">
             <a:avLst/>
@@ -3420,10 +3409,10 @@
           <a:p>
             <a:pPr algn="ctr"/>
             <a:r>
-              <a:rPr kumimoji="1" lang="ja-JP" altLang="en-US" sz="3200" dirty="0"/>
+              <a:rPr kumimoji="1" lang="ja-JP" altLang="en-US" sz="4800" dirty="0"/>
               <a:t>苦労</a:t>
             </a:r>
-            <a:endParaRPr kumimoji="1" lang="en-US" altLang="ja-JP" sz="3200" dirty="0"/>
+            <a:endParaRPr kumimoji="1" lang="en-US" altLang="ja-JP" sz="4800" dirty="0"/>
           </a:p>
         </p:txBody>
       </p:sp>
@@ -3441,8 +3430,8 @@
         </p:nvSpPr>
         <p:spPr>
           <a:xfrm>
-            <a:off x="4994787" y="1506341"/>
-            <a:ext cx="2202426" cy="2202426"/>
+            <a:off x="4758288" y="1337722"/>
+            <a:ext cx="2675424" cy="2675424"/>
           </a:xfrm>
           <a:prstGeom prst="ellipse">
             <a:avLst/>
@@ -3469,7 +3458,7 @@
           <a:p>
             <a:pPr algn="ctr"/>
             <a:r>
-              <a:rPr kumimoji="1" lang="ja-JP" altLang="en-US" sz="3200" dirty="0"/>
+              <a:rPr kumimoji="1" lang="ja-JP" altLang="en-US" sz="4800" dirty="0"/>
               <a:t>実演</a:t>
             </a:r>
           </a:p>
@@ -3489,8 +3478,8 @@
         </p:nvSpPr>
         <p:spPr>
           <a:xfrm>
-            <a:off x="9399637" y="1506341"/>
-            <a:ext cx="2202426" cy="2202426"/>
+            <a:off x="9134000" y="1337722"/>
+            <a:ext cx="2675424" cy="2675424"/>
           </a:xfrm>
           <a:prstGeom prst="ellipse">
             <a:avLst/>
@@ -3528,7 +3517,7 @@
           <a:p>
             <a:pPr algn="ctr"/>
             <a:r>
-              <a:rPr kumimoji="1" lang="ja-JP" altLang="en-US" sz="3200" dirty="0"/>
+              <a:rPr kumimoji="1" lang="ja-JP" altLang="en-US" sz="4400" dirty="0"/>
               <a:t>まとめ</a:t>
             </a:r>
           </a:p>
@@ -4277,8 +4266,8 @@
               <a:rPr lang="ja-JP" altLang="en-US" sz="3200" dirty="0">
                 <a:solidFill>
                   <a:schemeClr val="accent1">
-                    <a:lumMod val="40000"/>
-                    <a:lumOff val="60000"/>
+                    <a:lumMod val="20000"/>
+                    <a:lumOff val="80000"/>
                   </a:schemeClr>
                 </a:solidFill>
                 <a:latin typeface="Arial" panose="020B0604020202020204" pitchFamily="34" charset="0"/>
@@ -4289,8 +4278,8 @@
             <a:endParaRPr lang="en-US" altLang="ja-JP" sz="3200" dirty="0">
               <a:solidFill>
                 <a:schemeClr val="accent1">
-                  <a:lumMod val="40000"/>
-                  <a:lumOff val="60000"/>
+                  <a:lumMod val="20000"/>
+                  <a:lumOff val="80000"/>
                 </a:schemeClr>
               </a:solidFill>
               <a:latin typeface="Arial" panose="020B0604020202020204" pitchFamily="34" charset="0"/>
@@ -4302,8 +4291,8 @@
               <a:rPr lang="ja-JP" altLang="en-US" sz="3200" dirty="0">
                 <a:solidFill>
                   <a:schemeClr val="accent1">
-                    <a:lumMod val="40000"/>
-                    <a:lumOff val="60000"/>
+                    <a:lumMod val="20000"/>
+                    <a:lumOff val="80000"/>
                   </a:schemeClr>
                 </a:solidFill>
                 <a:latin typeface="Arial" panose="020B0604020202020204" pitchFamily="34" charset="0"/>
@@ -4365,8 +4354,8 @@
               <a:rPr lang="ja-JP" altLang="en-US" sz="3200" dirty="0">
                 <a:solidFill>
                   <a:schemeClr val="accent1">
-                    <a:lumMod val="40000"/>
-                    <a:lumOff val="60000"/>
+                    <a:lumMod val="20000"/>
+                    <a:lumOff val="80000"/>
                   </a:schemeClr>
                 </a:solidFill>
                 <a:latin typeface="Arial" panose="020B0604020202020204" pitchFamily="34" charset="0"/>
@@ -4378,8 +4367,8 @@
               <a:rPr lang="en-US" altLang="ja-JP" sz="3200" dirty="0">
                 <a:solidFill>
                   <a:schemeClr val="accent1">
-                    <a:lumMod val="40000"/>
-                    <a:lumOff val="60000"/>
+                    <a:lumMod val="20000"/>
+                    <a:lumOff val="80000"/>
                   </a:schemeClr>
                 </a:solidFill>
                 <a:latin typeface="Arial" panose="020B0604020202020204" pitchFamily="34" charset="0"/>
@@ -4391,8 +4380,8 @@
               <a:rPr lang="ja-JP" altLang="en-US" sz="3200" dirty="0">
                 <a:solidFill>
                   <a:schemeClr val="accent1">
-                    <a:lumMod val="40000"/>
-                    <a:lumOff val="60000"/>
+                    <a:lumMod val="20000"/>
+                    <a:lumOff val="80000"/>
                   </a:schemeClr>
                 </a:solidFill>
                 <a:latin typeface="Arial" panose="020B0604020202020204" pitchFamily="34" charset="0"/>
@@ -4403,8 +4392,8 @@
             <a:endParaRPr lang="en-US" altLang="ja-JP" sz="3200" dirty="0">
               <a:solidFill>
                 <a:schemeClr val="accent1">
-                  <a:lumMod val="40000"/>
-                  <a:lumOff val="60000"/>
+                  <a:lumMod val="20000"/>
+                  <a:lumOff val="80000"/>
                 </a:schemeClr>
               </a:solidFill>
               <a:latin typeface="Arial" panose="020B0604020202020204" pitchFamily="34" charset="0"/>
@@ -4416,8 +4405,8 @@
               <a:rPr lang="ja-JP" altLang="en-US" sz="3200" dirty="0">
                 <a:solidFill>
                   <a:schemeClr val="accent1">
-                    <a:lumMod val="40000"/>
-                    <a:lumOff val="60000"/>
+                    <a:lumMod val="20000"/>
+                    <a:lumOff val="80000"/>
                   </a:schemeClr>
                 </a:solidFill>
                 <a:latin typeface="Arial" panose="020B0604020202020204" pitchFamily="34" charset="0"/>
@@ -4428,8 +4417,8 @@
             <a:endParaRPr lang="en-US" altLang="ja-JP" sz="3200" dirty="0">
               <a:solidFill>
                 <a:schemeClr val="accent1">
-                  <a:lumMod val="40000"/>
-                  <a:lumOff val="60000"/>
+                  <a:lumMod val="20000"/>
+                  <a:lumOff val="80000"/>
                 </a:schemeClr>
               </a:solidFill>
               <a:latin typeface="Arial" panose="020B0604020202020204" pitchFamily="34" charset="0"/>
@@ -4441,8 +4430,8 @@
               <a:rPr lang="ja-JP" altLang="en-US" sz="3200" dirty="0">
                 <a:solidFill>
                   <a:schemeClr val="accent1">
-                    <a:lumMod val="40000"/>
-                    <a:lumOff val="60000"/>
+                    <a:lumMod val="20000"/>
+                    <a:lumOff val="80000"/>
                   </a:schemeClr>
                 </a:solidFill>
                 <a:latin typeface="Arial" panose="020B0604020202020204" pitchFamily="34" charset="0"/>
@@ -4453,8 +4442,8 @@
             <a:endParaRPr lang="en-US" altLang="ja-JP" sz="3200" dirty="0">
               <a:solidFill>
                 <a:schemeClr val="accent1">
-                  <a:lumMod val="40000"/>
-                  <a:lumOff val="60000"/>
+                  <a:lumMod val="20000"/>
+                  <a:lumOff val="80000"/>
                 </a:schemeClr>
               </a:solidFill>
               <a:latin typeface="Arial" panose="020B0604020202020204" pitchFamily="34" charset="0"/>
@@ -4710,14 +4699,14 @@
           <p:nvPr>
             <p:extLst>
               <p:ext uri="{D42A27DB-BD31-4B8C-83A1-F6EECF244321}">
-                <p14:modId xmlns:p14="http://schemas.microsoft.com/office/powerpoint/2010/main" val="2768822297"/>
+                <p14:modId xmlns:p14="http://schemas.microsoft.com/office/powerpoint/2010/main" val="4116662485"/>
               </p:ext>
             </p:extLst>
           </p:nvPr>
         </p:nvGraphicFramePr>
         <p:xfrm>
-          <a:off x="2032000" y="2316480"/>
-          <a:ext cx="8128000" cy="2225040"/>
+          <a:off x="986117" y="1324772"/>
+          <a:ext cx="10219766" cy="4733365"/>
         </p:xfrm>
         <a:graphic>
           <a:graphicData uri="http://schemas.openxmlformats.org/drawingml/2006/table">
@@ -4726,14 +4715,14 @@
                 <a:tableStyleId>{073A0DAA-6AF3-43AB-8588-CEC1D06C72B9}</a:tableStyleId>
               </a:tblPr>
               <a:tblGrid>
-                <a:gridCol w="4064000">
+                <a:gridCol w="3370730">
                   <a:extLst>
                     <a:ext uri="{9D8B030D-6E8A-4147-A177-3AD203B41FA5}">
                       <a16:colId xmlns:a16="http://schemas.microsoft.com/office/drawing/2014/main" val="3238888070"/>
                     </a:ext>
                   </a:extLst>
                 </a:gridCol>
-                <a:gridCol w="4064000">
+                <a:gridCol w="6849036">
                   <a:extLst>
                     <a:ext uri="{9D8B030D-6E8A-4147-A177-3AD203B41FA5}">
                       <a16:colId xmlns:a16="http://schemas.microsoft.com/office/drawing/2014/main" val="3362673850"/>
@@ -4741,29 +4730,34 @@
                   </a:extLst>
                 </a:gridCol>
               </a:tblGrid>
-              <a:tr h="370840">
+              <a:tr h="946673">
                 <a:tc>
                   <a:txBody>
                     <a:bodyPr/>
                     <a:lstStyle/>
                     <a:p>
                       <a:r>
-                        <a:rPr kumimoji="1" lang="ja-JP" altLang="en-US" dirty="0"/>
-                        <a:t>項目</a:t>
+                        <a:rPr kumimoji="1" lang="en-US" altLang="ja-JP" sz="3200" dirty="0"/>
+                        <a:t>OS</a:t>
                       </a:r>
+                      <a:endParaRPr kumimoji="1" lang="ja-JP" altLang="en-US" sz="3200" dirty="0"/>
                     </a:p>
                   </a:txBody>
-                  <a:tcPr/>
+                  <a:tcPr anchor="ctr"/>
                 </a:tc>
                 <a:tc>
                   <a:txBody>
                     <a:bodyPr/>
                     <a:lstStyle/>
                     <a:p>
-                      <a:endParaRPr kumimoji="1" lang="ja-JP" altLang="en-US" dirty="0"/>
+                      <a:r>
+                        <a:rPr kumimoji="1" lang="en-US" altLang="ja-JP" sz="3200" dirty="0"/>
+                        <a:t>Windows11</a:t>
+                      </a:r>
+                      <a:endParaRPr kumimoji="1" lang="ja-JP" altLang="en-US" sz="3200" dirty="0"/>
                     </a:p>
                   </a:txBody>
-                  <a:tcPr/>
+                  <a:tcPr anchor="ctr"/>
                 </a:tc>
                 <a:extLst>
                   <a:ext uri="{0D108BD9-81ED-4DB2-BD59-A6C34878D82A}">
@@ -4771,26 +4765,49 @@
                   </a:ext>
                 </a:extLst>
               </a:tr>
-              <a:tr h="370840">
+              <a:tr h="946673">
                 <a:tc>
                   <a:txBody>
                     <a:bodyPr/>
                     <a:lstStyle/>
                     <a:p>
-                      <a:endParaRPr kumimoji="1" lang="ja-JP" altLang="en-US" dirty="0"/>
+                      <a:r>
+                        <a:rPr kumimoji="1" lang="ja-JP" altLang="en-US" sz="3200" dirty="0"/>
+                        <a:t>プログラム言語</a:t>
+                      </a:r>
                     </a:p>
                   </a:txBody>
-                  <a:tcPr/>
+                  <a:tcPr anchor="ctr"/>
                 </a:tc>
                 <a:tc>
                   <a:txBody>
                     <a:bodyPr/>
                     <a:lstStyle/>
                     <a:p>
-                      <a:endParaRPr kumimoji="1" lang="ja-JP" altLang="en-US"/>
+                      <a:r>
+                        <a:rPr kumimoji="1" lang="en-US" altLang="ja-JP" sz="3200" dirty="0"/>
+                        <a:t>Java</a:t>
+                      </a:r>
+                      <a:r>
+                        <a:rPr kumimoji="1" lang="ja-JP" altLang="en-US" sz="3200" dirty="0"/>
+                        <a:t>、</a:t>
+                      </a:r>
+                      <a:r>
+                        <a:rPr kumimoji="1" lang="en-US" altLang="ja-JP" sz="3200" dirty="0"/>
+                        <a:t>JavaScript</a:t>
+                      </a:r>
+                      <a:r>
+                        <a:rPr kumimoji="1" lang="ja-JP" altLang="en-US" sz="3200" dirty="0"/>
+                        <a:t>、</a:t>
+                      </a:r>
+                      <a:r>
+                        <a:rPr kumimoji="1" lang="en-US" altLang="ja-JP" sz="3200" dirty="0"/>
+                        <a:t>Spring Boot</a:t>
+                      </a:r>
+                      <a:endParaRPr kumimoji="1" lang="ja-JP" altLang="en-US" sz="3200" dirty="0"/>
                     </a:p>
                   </a:txBody>
-                  <a:tcPr/>
+                  <a:tcPr anchor="ctr"/>
                 </a:tc>
                 <a:extLst>
                   <a:ext uri="{0D108BD9-81ED-4DB2-BD59-A6C34878D82A}">
@@ -4798,26 +4815,33 @@
                   </a:ext>
                 </a:extLst>
               </a:tr>
-              <a:tr h="370840">
+              <a:tr h="946673">
                 <a:tc>
                   <a:txBody>
                     <a:bodyPr/>
                     <a:lstStyle/>
                     <a:p>
-                      <a:endParaRPr kumimoji="1" lang="ja-JP" altLang="en-US" dirty="0"/>
+                      <a:r>
+                        <a:rPr kumimoji="1" lang="ja-JP" altLang="en-US" sz="3200" dirty="0"/>
+                        <a:t>データベース</a:t>
+                      </a:r>
                     </a:p>
                   </a:txBody>
-                  <a:tcPr/>
+                  <a:tcPr anchor="ctr"/>
                 </a:tc>
                 <a:tc>
                   <a:txBody>
                     <a:bodyPr/>
                     <a:lstStyle/>
                     <a:p>
-                      <a:endParaRPr kumimoji="1" lang="ja-JP" altLang="en-US"/>
+                      <a:r>
+                        <a:rPr kumimoji="1" lang="en-US" altLang="ja-JP" sz="3200" dirty="0"/>
+                        <a:t>PostgreSQL</a:t>
+                      </a:r>
+                      <a:endParaRPr kumimoji="1" lang="ja-JP" altLang="en-US" sz="3200" dirty="0"/>
                     </a:p>
                   </a:txBody>
-                  <a:tcPr/>
+                  <a:tcPr anchor="ctr"/>
                 </a:tc>
                 <a:extLst>
                   <a:ext uri="{0D108BD9-81ED-4DB2-BD59-A6C34878D82A}">
@@ -4825,26 +4849,41 @@
                   </a:ext>
                 </a:extLst>
               </a:tr>
-              <a:tr h="370840">
+              <a:tr h="946673">
                 <a:tc>
                   <a:txBody>
                     <a:bodyPr/>
                     <a:lstStyle/>
                     <a:p>
-                      <a:endParaRPr kumimoji="1" lang="ja-JP" altLang="en-US"/>
+                      <a:r>
+                        <a:rPr kumimoji="1" lang="ja-JP" altLang="en-US" sz="3200" dirty="0"/>
+                        <a:t>フロントエンド</a:t>
+                      </a:r>
                     </a:p>
                   </a:txBody>
-                  <a:tcPr/>
+                  <a:tcPr anchor="ctr"/>
                 </a:tc>
                 <a:tc>
                   <a:txBody>
                     <a:bodyPr/>
                     <a:lstStyle/>
                     <a:p>
-                      <a:endParaRPr kumimoji="1" lang="ja-JP" altLang="en-US"/>
+                      <a:r>
+                        <a:rPr kumimoji="1" lang="en-US" altLang="ja-JP" sz="3200" dirty="0"/>
+                        <a:t>HTML</a:t>
+                      </a:r>
+                      <a:r>
+                        <a:rPr kumimoji="1" lang="ja-JP" altLang="en-US" sz="3200" dirty="0"/>
+                        <a:t>、</a:t>
+                      </a:r>
+                      <a:r>
+                        <a:rPr kumimoji="1" lang="en-US" altLang="ja-JP" sz="3200" dirty="0"/>
+                        <a:t>CSS</a:t>
+                      </a:r>
+                      <a:endParaRPr kumimoji="1" lang="ja-JP" altLang="en-US" sz="3200" dirty="0"/>
                     </a:p>
                   </a:txBody>
-                  <a:tcPr/>
+                  <a:tcPr anchor="ctr"/>
                 </a:tc>
                 <a:extLst>
                   <a:ext uri="{0D108BD9-81ED-4DB2-BD59-A6C34878D82A}">
@@ -4852,57 +4891,45 @@
                   </a:ext>
                 </a:extLst>
               </a:tr>
-              <a:tr h="370840">
+              <a:tr h="946673">
                 <a:tc>
                   <a:txBody>
                     <a:bodyPr/>
                     <a:lstStyle/>
                     <a:p>
-                      <a:endParaRPr kumimoji="1" lang="ja-JP" altLang="en-US"/>
+                      <a:r>
+                        <a:rPr kumimoji="1" lang="ja-JP" altLang="en-US" sz="3200" dirty="0"/>
+                        <a:t>統合開発環境</a:t>
+                      </a:r>
                     </a:p>
                   </a:txBody>
-                  <a:tcPr/>
+                  <a:tcPr anchor="ctr"/>
                 </a:tc>
                 <a:tc>
                   <a:txBody>
                     <a:bodyPr/>
                     <a:lstStyle/>
                     <a:p>
-                      <a:endParaRPr kumimoji="1" lang="ja-JP" altLang="en-US"/>
+                      <a:r>
+                        <a:rPr kumimoji="1" lang="en-US" altLang="ja-JP" sz="3200" dirty="0"/>
+                        <a:t>Eclipse</a:t>
+                      </a:r>
+                      <a:r>
+                        <a:rPr kumimoji="1" lang="ja-JP" altLang="en-US" sz="3200" dirty="0"/>
+                        <a:t>、</a:t>
+                      </a:r>
+                      <a:r>
+                        <a:rPr kumimoji="1" lang="en-US" altLang="ja-JP" sz="3200" dirty="0"/>
+                        <a:t>Gradle</a:t>
+                      </a:r>
+                      <a:endParaRPr kumimoji="1" lang="ja-JP" altLang="en-US" sz="3200" dirty="0"/>
                     </a:p>
                   </a:txBody>
-                  <a:tcPr/>
+                  <a:tcPr anchor="ctr"/>
                 </a:tc>
                 <a:extLst>
                   <a:ext uri="{0D108BD9-81ED-4DB2-BD59-A6C34878D82A}">
                     <a16:rowId xmlns:a16="http://schemas.microsoft.com/office/drawing/2014/main" val="1421682902"/>
-                  </a:ext>
-                </a:extLst>
-              </a:tr>
-              <a:tr h="370840">
-                <a:tc>
-                  <a:txBody>
-                    <a:bodyPr/>
-                    <a:lstStyle/>
-                    <a:p>
-                      <a:endParaRPr kumimoji="1" lang="ja-JP" altLang="en-US"/>
-                    </a:p>
-                  </a:txBody>
-                  <a:tcPr/>
-                </a:tc>
-                <a:tc>
-                  <a:txBody>
-                    <a:bodyPr/>
-                    <a:lstStyle/>
-                    <a:p>
-                      <a:endParaRPr kumimoji="1" lang="ja-JP" altLang="en-US" dirty="0"/>
-                    </a:p>
-                  </a:txBody>
-                  <a:tcPr/>
-                </a:tc>
-                <a:extLst>
-                  <a:ext uri="{0D108BD9-81ED-4DB2-BD59-A6C34878D82A}">
-                    <a16:rowId xmlns:a16="http://schemas.microsoft.com/office/drawing/2014/main" val="1784188919"/>
                   </a:ext>
                 </a:extLst>
               </a:tr>

--- a/総合制作実習.pptx
+++ b/総合制作実習.pptx
@@ -4,6 +4,9 @@
   <p:sldMasterIdLst>
     <p:sldMasterId id="2147483711" r:id="rId1"/>
   </p:sldMasterIdLst>
+  <p:notesMasterIdLst>
+    <p:notesMasterId r:id="rId17"/>
+  </p:notesMasterIdLst>
   <p:sldIdLst>
     <p:sldId id="256" r:id="rId2"/>
     <p:sldId id="257" r:id="rId3"/>
@@ -19,6 +22,7 @@
     <p:sldId id="268" r:id="rId13"/>
     <p:sldId id="269" r:id="rId14"/>
     <p:sldId id="263" r:id="rId15"/>
+    <p:sldId id="270" r:id="rId16"/>
   </p:sldIdLst>
   <p:sldSz cx="12192000" cy="6858000"/>
   <p:notesSz cx="6858000" cy="9144000"/>
@@ -125,6 +129,1990 @@
 </p:presentation>
 </file>
 
+<file path=ppt/notesMasters/notesMaster1.xml><?xml version="1.0" encoding="utf-8"?>
+<p:notesMaster xmlns:a="http://schemas.openxmlformats.org/drawingml/2006/main" xmlns:r="http://schemas.openxmlformats.org/officeDocument/2006/relationships" xmlns:p="http://schemas.openxmlformats.org/presentationml/2006/main">
+  <p:cSld>
+    <p:bg>
+      <p:bgRef idx="1001">
+        <a:schemeClr val="bg1"/>
+      </p:bgRef>
+    </p:bg>
+    <p:spTree>
+      <p:nvGrpSpPr>
+        <p:cNvPr id="1" name=""/>
+        <p:cNvGrpSpPr/>
+        <p:nvPr/>
+      </p:nvGrpSpPr>
+      <p:grpSpPr>
+        <a:xfrm>
+          <a:off x="0" y="0"/>
+          <a:ext cx="0" cy="0"/>
+          <a:chOff x="0" y="0"/>
+          <a:chExt cx="0" cy="0"/>
+        </a:xfrm>
+      </p:grpSpPr>
+      <p:sp>
+        <p:nvSpPr>
+          <p:cNvPr id="2" name="ヘッダー プレースホルダー 1"/>
+          <p:cNvSpPr>
+            <a:spLocks noGrp="1"/>
+          </p:cNvSpPr>
+          <p:nvPr>
+            <p:ph type="hdr" sz="quarter"/>
+          </p:nvPr>
+        </p:nvSpPr>
+        <p:spPr>
+          <a:xfrm>
+            <a:off x="0" y="0"/>
+            <a:ext cx="2971800" cy="458788"/>
+          </a:xfrm>
+          <a:prstGeom prst="rect">
+            <a:avLst/>
+          </a:prstGeom>
+        </p:spPr>
+        <p:txBody>
+          <a:bodyPr vert="horz" lIns="91440" tIns="45720" rIns="91440" bIns="45720" rtlCol="0"/>
+          <a:lstStyle>
+            <a:lvl1pPr algn="l">
+              <a:defRPr sz="1200"/>
+            </a:lvl1pPr>
+          </a:lstStyle>
+          <a:p>
+            <a:endParaRPr kumimoji="1" lang="ja-JP" altLang="en-US"/>
+          </a:p>
+        </p:txBody>
+      </p:sp>
+      <p:sp>
+        <p:nvSpPr>
+          <p:cNvPr id="3" name="日付プレースホルダー 2"/>
+          <p:cNvSpPr>
+            <a:spLocks noGrp="1"/>
+          </p:cNvSpPr>
+          <p:nvPr>
+            <p:ph type="dt" idx="1"/>
+          </p:nvPr>
+        </p:nvSpPr>
+        <p:spPr>
+          <a:xfrm>
+            <a:off x="3884613" y="0"/>
+            <a:ext cx="2971800" cy="458788"/>
+          </a:xfrm>
+          <a:prstGeom prst="rect">
+            <a:avLst/>
+          </a:prstGeom>
+        </p:spPr>
+        <p:txBody>
+          <a:bodyPr vert="horz" lIns="91440" tIns="45720" rIns="91440" bIns="45720" rtlCol="0"/>
+          <a:lstStyle>
+            <a:lvl1pPr algn="r">
+              <a:defRPr sz="1200"/>
+            </a:lvl1pPr>
+          </a:lstStyle>
+          <a:p>
+            <a:fld id="{0B41E0E2-D515-4273-ACE1-17880E9112E3}" type="datetimeFigureOut">
+              <a:rPr kumimoji="1" lang="ja-JP" altLang="en-US" smtClean="0"/>
+              <a:t>2026/2/6</a:t>
+            </a:fld>
+            <a:endParaRPr kumimoji="1" lang="ja-JP" altLang="en-US"/>
+          </a:p>
+        </p:txBody>
+      </p:sp>
+      <p:sp>
+        <p:nvSpPr>
+          <p:cNvPr id="4" name="スライド イメージ プレースホルダー 3"/>
+          <p:cNvSpPr>
+            <a:spLocks noGrp="1" noRot="1" noChangeAspect="1"/>
+          </p:cNvSpPr>
+          <p:nvPr>
+            <p:ph type="sldImg" idx="2"/>
+          </p:nvPr>
+        </p:nvSpPr>
+        <p:spPr>
+          <a:xfrm>
+            <a:off x="685800" y="1143000"/>
+            <a:ext cx="5486400" cy="3086100"/>
+          </a:xfrm>
+          <a:prstGeom prst="rect">
+            <a:avLst/>
+          </a:prstGeom>
+          <a:noFill/>
+          <a:ln w="12700">
+            <a:solidFill>
+              <a:prstClr val="black"/>
+            </a:solidFill>
+          </a:ln>
+        </p:spPr>
+        <p:txBody>
+          <a:bodyPr vert="horz" lIns="91440" tIns="45720" rIns="91440" bIns="45720" rtlCol="0" anchor="ctr"/>
+          <a:lstStyle/>
+          <a:p>
+            <a:endParaRPr lang="ja-JP" altLang="en-US"/>
+          </a:p>
+        </p:txBody>
+      </p:sp>
+      <p:sp>
+        <p:nvSpPr>
+          <p:cNvPr id="5" name="ノート プレースホルダー 4"/>
+          <p:cNvSpPr>
+            <a:spLocks noGrp="1"/>
+          </p:cNvSpPr>
+          <p:nvPr>
+            <p:ph type="body" sz="quarter" idx="3"/>
+          </p:nvPr>
+        </p:nvSpPr>
+        <p:spPr>
+          <a:xfrm>
+            <a:off x="685800" y="4400550"/>
+            <a:ext cx="5486400" cy="3600450"/>
+          </a:xfrm>
+          <a:prstGeom prst="rect">
+            <a:avLst/>
+          </a:prstGeom>
+        </p:spPr>
+        <p:txBody>
+          <a:bodyPr vert="horz" lIns="91440" tIns="45720" rIns="91440" bIns="45720" rtlCol="0"/>
+          <a:lstStyle/>
+          <a:p>
+            <a:pPr lvl="0"/>
+            <a:r>
+              <a:rPr kumimoji="1" lang="ja-JP" altLang="en-US"/>
+              <a:t>マスター テキストの書式設定</a:t>
+            </a:r>
+          </a:p>
+          <a:p>
+            <a:pPr lvl="1"/>
+            <a:r>
+              <a:rPr kumimoji="1" lang="ja-JP" altLang="en-US"/>
+              <a:t>第 </a:t>
+            </a:r>
+            <a:r>
+              <a:rPr kumimoji="1" lang="en-US" altLang="ja-JP"/>
+              <a:t>2 </a:t>
+            </a:r>
+            <a:r>
+              <a:rPr kumimoji="1" lang="ja-JP" altLang="en-US"/>
+              <a:t>レベル</a:t>
+            </a:r>
+          </a:p>
+          <a:p>
+            <a:pPr lvl="2"/>
+            <a:r>
+              <a:rPr kumimoji="1" lang="ja-JP" altLang="en-US"/>
+              <a:t>第 </a:t>
+            </a:r>
+            <a:r>
+              <a:rPr kumimoji="1" lang="en-US" altLang="ja-JP"/>
+              <a:t>3 </a:t>
+            </a:r>
+            <a:r>
+              <a:rPr kumimoji="1" lang="ja-JP" altLang="en-US"/>
+              <a:t>レベル</a:t>
+            </a:r>
+          </a:p>
+          <a:p>
+            <a:pPr lvl="3"/>
+            <a:r>
+              <a:rPr kumimoji="1" lang="ja-JP" altLang="en-US"/>
+              <a:t>第 </a:t>
+            </a:r>
+            <a:r>
+              <a:rPr kumimoji="1" lang="en-US" altLang="ja-JP"/>
+              <a:t>4 </a:t>
+            </a:r>
+            <a:r>
+              <a:rPr kumimoji="1" lang="ja-JP" altLang="en-US"/>
+              <a:t>レベル</a:t>
+            </a:r>
+          </a:p>
+          <a:p>
+            <a:pPr lvl="4"/>
+            <a:r>
+              <a:rPr kumimoji="1" lang="ja-JP" altLang="en-US"/>
+              <a:t>第 </a:t>
+            </a:r>
+            <a:r>
+              <a:rPr kumimoji="1" lang="en-US" altLang="ja-JP"/>
+              <a:t>5 </a:t>
+            </a:r>
+            <a:r>
+              <a:rPr kumimoji="1" lang="ja-JP" altLang="en-US"/>
+              <a:t>レベル</a:t>
+            </a:r>
+          </a:p>
+        </p:txBody>
+      </p:sp>
+      <p:sp>
+        <p:nvSpPr>
+          <p:cNvPr id="6" name="フッター プレースホルダー 5"/>
+          <p:cNvSpPr>
+            <a:spLocks noGrp="1"/>
+          </p:cNvSpPr>
+          <p:nvPr>
+            <p:ph type="ftr" sz="quarter" idx="4"/>
+          </p:nvPr>
+        </p:nvSpPr>
+        <p:spPr>
+          <a:xfrm>
+            <a:off x="0" y="8685213"/>
+            <a:ext cx="2971800" cy="458787"/>
+          </a:xfrm>
+          <a:prstGeom prst="rect">
+            <a:avLst/>
+          </a:prstGeom>
+        </p:spPr>
+        <p:txBody>
+          <a:bodyPr vert="horz" lIns="91440" tIns="45720" rIns="91440" bIns="45720" rtlCol="0" anchor="b"/>
+          <a:lstStyle>
+            <a:lvl1pPr algn="l">
+              <a:defRPr sz="1200"/>
+            </a:lvl1pPr>
+          </a:lstStyle>
+          <a:p>
+            <a:endParaRPr kumimoji="1" lang="ja-JP" altLang="en-US"/>
+          </a:p>
+        </p:txBody>
+      </p:sp>
+      <p:sp>
+        <p:nvSpPr>
+          <p:cNvPr id="7" name="スライド番号プレースホルダー 6"/>
+          <p:cNvSpPr>
+            <a:spLocks noGrp="1"/>
+          </p:cNvSpPr>
+          <p:nvPr>
+            <p:ph type="sldNum" sz="quarter" idx="5"/>
+          </p:nvPr>
+        </p:nvSpPr>
+        <p:spPr>
+          <a:xfrm>
+            <a:off x="3884613" y="8685213"/>
+            <a:ext cx="2971800" cy="458787"/>
+          </a:xfrm>
+          <a:prstGeom prst="rect">
+            <a:avLst/>
+          </a:prstGeom>
+        </p:spPr>
+        <p:txBody>
+          <a:bodyPr vert="horz" lIns="91440" tIns="45720" rIns="91440" bIns="45720" rtlCol="0" anchor="b"/>
+          <a:lstStyle>
+            <a:lvl1pPr algn="r">
+              <a:defRPr sz="1200"/>
+            </a:lvl1pPr>
+          </a:lstStyle>
+          <a:p>
+            <a:fld id="{75207939-B40B-4981-87FA-F83DEAEBAF4F}" type="slidenum">
+              <a:rPr kumimoji="1" lang="ja-JP" altLang="en-US" smtClean="0"/>
+              <a:t>‹#›</a:t>
+            </a:fld>
+            <a:endParaRPr kumimoji="1" lang="ja-JP" altLang="en-US"/>
+          </a:p>
+        </p:txBody>
+      </p:sp>
+    </p:spTree>
+    <p:extLst>
+      <p:ext uri="{BB962C8B-B14F-4D97-AF65-F5344CB8AC3E}">
+        <p14:creationId xmlns:p14="http://schemas.microsoft.com/office/powerpoint/2010/main" val="1021717547"/>
+      </p:ext>
+    </p:extLst>
+  </p:cSld>
+  <p:clrMap bg1="lt1" tx1="dk1" bg2="lt2" tx2="dk2" accent1="accent1" accent2="accent2" accent3="accent3" accent4="accent4" accent5="accent5" accent6="accent6" hlink="hlink" folHlink="folHlink"/>
+  <p:notesStyle>
+    <a:lvl1pPr marL="0" algn="l" defTabSz="914400" rtl="0" eaLnBrk="1" latinLnBrk="0" hangingPunct="1">
+      <a:defRPr kumimoji="1" sz="1200" kern="1200">
+        <a:solidFill>
+          <a:schemeClr val="tx1"/>
+        </a:solidFill>
+        <a:latin typeface="+mn-lt"/>
+        <a:ea typeface="+mn-ea"/>
+        <a:cs typeface="+mn-cs"/>
+      </a:defRPr>
+    </a:lvl1pPr>
+    <a:lvl2pPr marL="457200" algn="l" defTabSz="914400" rtl="0" eaLnBrk="1" latinLnBrk="0" hangingPunct="1">
+      <a:defRPr kumimoji="1" sz="1200" kern="1200">
+        <a:solidFill>
+          <a:schemeClr val="tx1"/>
+        </a:solidFill>
+        <a:latin typeface="+mn-lt"/>
+        <a:ea typeface="+mn-ea"/>
+        <a:cs typeface="+mn-cs"/>
+      </a:defRPr>
+    </a:lvl2pPr>
+    <a:lvl3pPr marL="914400" algn="l" defTabSz="914400" rtl="0" eaLnBrk="1" latinLnBrk="0" hangingPunct="1">
+      <a:defRPr kumimoji="1" sz="1200" kern="1200">
+        <a:solidFill>
+          <a:schemeClr val="tx1"/>
+        </a:solidFill>
+        <a:latin typeface="+mn-lt"/>
+        <a:ea typeface="+mn-ea"/>
+        <a:cs typeface="+mn-cs"/>
+      </a:defRPr>
+    </a:lvl3pPr>
+    <a:lvl4pPr marL="1371600" algn="l" defTabSz="914400" rtl="0" eaLnBrk="1" latinLnBrk="0" hangingPunct="1">
+      <a:defRPr kumimoji="1" sz="1200" kern="1200">
+        <a:solidFill>
+          <a:schemeClr val="tx1"/>
+        </a:solidFill>
+        <a:latin typeface="+mn-lt"/>
+        <a:ea typeface="+mn-ea"/>
+        <a:cs typeface="+mn-cs"/>
+      </a:defRPr>
+    </a:lvl4pPr>
+    <a:lvl5pPr marL="1828800" algn="l" defTabSz="914400" rtl="0" eaLnBrk="1" latinLnBrk="0" hangingPunct="1">
+      <a:defRPr kumimoji="1" sz="1200" kern="1200">
+        <a:solidFill>
+          <a:schemeClr val="tx1"/>
+        </a:solidFill>
+        <a:latin typeface="+mn-lt"/>
+        <a:ea typeface="+mn-ea"/>
+        <a:cs typeface="+mn-cs"/>
+      </a:defRPr>
+    </a:lvl5pPr>
+    <a:lvl6pPr marL="2286000" algn="l" defTabSz="914400" rtl="0" eaLnBrk="1" latinLnBrk="0" hangingPunct="1">
+      <a:defRPr kumimoji="1" sz="1200" kern="1200">
+        <a:solidFill>
+          <a:schemeClr val="tx1"/>
+        </a:solidFill>
+        <a:latin typeface="+mn-lt"/>
+        <a:ea typeface="+mn-ea"/>
+        <a:cs typeface="+mn-cs"/>
+      </a:defRPr>
+    </a:lvl6pPr>
+    <a:lvl7pPr marL="2743200" algn="l" defTabSz="914400" rtl="0" eaLnBrk="1" latinLnBrk="0" hangingPunct="1">
+      <a:defRPr kumimoji="1" sz="1200" kern="1200">
+        <a:solidFill>
+          <a:schemeClr val="tx1"/>
+        </a:solidFill>
+        <a:latin typeface="+mn-lt"/>
+        <a:ea typeface="+mn-ea"/>
+        <a:cs typeface="+mn-cs"/>
+      </a:defRPr>
+    </a:lvl7pPr>
+    <a:lvl8pPr marL="3200400" algn="l" defTabSz="914400" rtl="0" eaLnBrk="1" latinLnBrk="0" hangingPunct="1">
+      <a:defRPr kumimoji="1" sz="1200" kern="1200">
+        <a:solidFill>
+          <a:schemeClr val="tx1"/>
+        </a:solidFill>
+        <a:latin typeface="+mn-lt"/>
+        <a:ea typeface="+mn-ea"/>
+        <a:cs typeface="+mn-cs"/>
+      </a:defRPr>
+    </a:lvl8pPr>
+    <a:lvl9pPr marL="3657600" algn="l" defTabSz="914400" rtl="0" eaLnBrk="1" latinLnBrk="0" hangingPunct="1">
+      <a:defRPr kumimoji="1" sz="1200" kern="1200">
+        <a:solidFill>
+          <a:schemeClr val="tx1"/>
+        </a:solidFill>
+        <a:latin typeface="+mn-lt"/>
+        <a:ea typeface="+mn-ea"/>
+        <a:cs typeface="+mn-cs"/>
+      </a:defRPr>
+    </a:lvl9pPr>
+  </p:notesStyle>
+</p:notesMaster>
+</file>
+
+<file path=ppt/notesSlides/notesSlide1.xml><?xml version="1.0" encoding="utf-8"?>
+<p:notes xmlns:a="http://schemas.openxmlformats.org/drawingml/2006/main" xmlns:r="http://schemas.openxmlformats.org/officeDocument/2006/relationships" xmlns:p="http://schemas.openxmlformats.org/presentationml/2006/main">
+  <p:cSld>
+    <p:spTree>
+      <p:nvGrpSpPr>
+        <p:cNvPr id="1" name=""/>
+        <p:cNvGrpSpPr/>
+        <p:nvPr/>
+      </p:nvGrpSpPr>
+      <p:grpSpPr>
+        <a:xfrm>
+          <a:off x="0" y="0"/>
+          <a:ext cx="0" cy="0"/>
+          <a:chOff x="0" y="0"/>
+          <a:chExt cx="0" cy="0"/>
+        </a:xfrm>
+      </p:grpSpPr>
+      <p:sp>
+        <p:nvSpPr>
+          <p:cNvPr id="2" name="スライド イメージ プレースホルダー 1"/>
+          <p:cNvSpPr>
+            <a:spLocks noGrp="1" noRot="1" noChangeAspect="1"/>
+          </p:cNvSpPr>
+          <p:nvPr>
+            <p:ph type="sldImg"/>
+          </p:nvPr>
+        </p:nvSpPr>
+        <p:spPr/>
+      </p:sp>
+      <p:sp>
+        <p:nvSpPr>
+          <p:cNvPr id="3" name="ノート プレースホルダー 2"/>
+          <p:cNvSpPr>
+            <a:spLocks noGrp="1"/>
+          </p:cNvSpPr>
+          <p:nvPr>
+            <p:ph type="body" idx="1"/>
+          </p:nvPr>
+        </p:nvSpPr>
+        <p:spPr/>
+        <p:txBody>
+          <a:bodyPr/>
+          <a:lstStyle/>
+          <a:p>
+            <a:r>
+              <a:rPr kumimoji="1" lang="ja-JP" altLang="en-US" dirty="0"/>
+              <a:t>情報技術科</a:t>
+            </a:r>
+            <a:r>
+              <a:rPr kumimoji="1" lang="en-US" altLang="ja-JP" dirty="0"/>
+              <a:t>2</a:t>
+            </a:r>
+            <a:r>
+              <a:rPr kumimoji="1" lang="ja-JP" altLang="en-US" dirty="0"/>
+              <a:t>年の藁科光です。</a:t>
+            </a:r>
+            <a:endParaRPr kumimoji="1" lang="en-US" altLang="ja-JP" dirty="0"/>
+          </a:p>
+          <a:p>
+            <a:r>
+              <a:rPr kumimoji="1" lang="ja-JP" altLang="en-US" dirty="0"/>
+              <a:t>今から、メダル制のゲームサイト、</a:t>
+            </a:r>
+            <a:r>
+              <a:rPr kumimoji="1" lang="en-US" altLang="ja-JP" dirty="0" err="1"/>
+              <a:t>ScotMedalPark</a:t>
+            </a:r>
+            <a:r>
+              <a:rPr kumimoji="1" lang="ja-JP" altLang="en-US" dirty="0"/>
+              <a:t>の発表を始めたいと思います。よろしくお願いします。</a:t>
+            </a:r>
+          </a:p>
+        </p:txBody>
+      </p:sp>
+      <p:sp>
+        <p:nvSpPr>
+          <p:cNvPr id="4" name="スライド番号プレースホルダー 3"/>
+          <p:cNvSpPr>
+            <a:spLocks noGrp="1"/>
+          </p:cNvSpPr>
+          <p:nvPr>
+            <p:ph type="sldNum" sz="quarter" idx="5"/>
+          </p:nvPr>
+        </p:nvSpPr>
+        <p:spPr/>
+        <p:txBody>
+          <a:bodyPr/>
+          <a:lstStyle/>
+          <a:p>
+            <a:fld id="{75207939-B40B-4981-87FA-F83DEAEBAF4F}" type="slidenum">
+              <a:rPr kumimoji="1" lang="ja-JP" altLang="en-US" smtClean="0"/>
+              <a:t>1</a:t>
+            </a:fld>
+            <a:endParaRPr kumimoji="1" lang="ja-JP" altLang="en-US"/>
+          </a:p>
+        </p:txBody>
+      </p:sp>
+    </p:spTree>
+    <p:extLst>
+      <p:ext uri="{BB962C8B-B14F-4D97-AF65-F5344CB8AC3E}">
+        <p14:creationId xmlns:p14="http://schemas.microsoft.com/office/powerpoint/2010/main" val="110796220"/>
+      </p:ext>
+    </p:extLst>
+  </p:cSld>
+  <p:clrMapOvr>
+    <a:masterClrMapping/>
+  </p:clrMapOvr>
+</p:notes>
+</file>
+
+<file path=ppt/notesSlides/notesSlide10.xml><?xml version="1.0" encoding="utf-8"?>
+<p:notes xmlns:a="http://schemas.openxmlformats.org/drawingml/2006/main" xmlns:r="http://schemas.openxmlformats.org/officeDocument/2006/relationships" xmlns:p="http://schemas.openxmlformats.org/presentationml/2006/main">
+  <p:cSld>
+    <p:spTree>
+      <p:nvGrpSpPr>
+        <p:cNvPr id="1" name=""/>
+        <p:cNvGrpSpPr/>
+        <p:nvPr/>
+      </p:nvGrpSpPr>
+      <p:grpSpPr>
+        <a:xfrm>
+          <a:off x="0" y="0"/>
+          <a:ext cx="0" cy="0"/>
+          <a:chOff x="0" y="0"/>
+          <a:chExt cx="0" cy="0"/>
+        </a:xfrm>
+      </p:grpSpPr>
+      <p:sp>
+        <p:nvSpPr>
+          <p:cNvPr id="2" name="スライド イメージ プレースホルダー 1"/>
+          <p:cNvSpPr>
+            <a:spLocks noGrp="1" noRot="1" noChangeAspect="1"/>
+          </p:cNvSpPr>
+          <p:nvPr>
+            <p:ph type="sldImg"/>
+          </p:nvPr>
+        </p:nvSpPr>
+        <p:spPr/>
+      </p:sp>
+      <p:sp>
+        <p:nvSpPr>
+          <p:cNvPr id="3" name="ノート プレースホルダー 2"/>
+          <p:cNvSpPr>
+            <a:spLocks noGrp="1"/>
+          </p:cNvSpPr>
+          <p:nvPr>
+            <p:ph type="body" idx="1"/>
+          </p:nvPr>
+        </p:nvSpPr>
+        <p:spPr/>
+        <p:txBody>
+          <a:bodyPr/>
+          <a:lstStyle/>
+          <a:p>
+            <a:r>
+              <a:rPr kumimoji="1" lang="ja-JP" altLang="en-US" dirty="0"/>
+              <a:t>一つ目は度重なるエラーの連続です。開発途中で一つエラーが発生し、修正することが出来たと思ったら、別のエラーが発生することが多々ありました。特に</a:t>
+            </a:r>
+            <a:r>
+              <a:rPr kumimoji="1" lang="en-US" altLang="ja-JP" dirty="0"/>
+              <a:t>High</a:t>
+            </a:r>
+            <a:r>
+              <a:rPr kumimoji="1" lang="ja-JP" altLang="en-US" dirty="0"/>
+              <a:t>＆</a:t>
+            </a:r>
+            <a:r>
+              <a:rPr kumimoji="1" lang="en-US" altLang="ja-JP" dirty="0"/>
+              <a:t>Low</a:t>
+            </a:r>
+            <a:r>
+              <a:rPr kumimoji="1" lang="ja-JP" altLang="en-US"/>
+              <a:t>のゲームロジックを作成している最中はこの苦労がありました。</a:t>
+            </a:r>
+            <a:endParaRPr kumimoji="1" lang="ja-JP" altLang="en-US" dirty="0"/>
+          </a:p>
+        </p:txBody>
+      </p:sp>
+      <p:sp>
+        <p:nvSpPr>
+          <p:cNvPr id="4" name="スライド番号プレースホルダー 3"/>
+          <p:cNvSpPr>
+            <a:spLocks noGrp="1"/>
+          </p:cNvSpPr>
+          <p:nvPr>
+            <p:ph type="sldNum" sz="quarter" idx="5"/>
+          </p:nvPr>
+        </p:nvSpPr>
+        <p:spPr/>
+        <p:txBody>
+          <a:bodyPr/>
+          <a:lstStyle/>
+          <a:p>
+            <a:fld id="{75207939-B40B-4981-87FA-F83DEAEBAF4F}" type="slidenum">
+              <a:rPr kumimoji="1" lang="ja-JP" altLang="en-US" smtClean="0"/>
+              <a:t>10</a:t>
+            </a:fld>
+            <a:endParaRPr kumimoji="1" lang="ja-JP" altLang="en-US"/>
+          </a:p>
+        </p:txBody>
+      </p:sp>
+    </p:spTree>
+    <p:extLst>
+      <p:ext uri="{BB962C8B-B14F-4D97-AF65-F5344CB8AC3E}">
+        <p14:creationId xmlns:p14="http://schemas.microsoft.com/office/powerpoint/2010/main" val="2934027222"/>
+      </p:ext>
+    </p:extLst>
+  </p:cSld>
+  <p:clrMapOvr>
+    <a:masterClrMapping/>
+  </p:clrMapOvr>
+</p:notes>
+</file>
+
+<file path=ppt/notesSlides/notesSlide11.xml><?xml version="1.0" encoding="utf-8"?>
+<p:notes xmlns:a="http://schemas.openxmlformats.org/drawingml/2006/main" xmlns:r="http://schemas.openxmlformats.org/officeDocument/2006/relationships" xmlns:p="http://schemas.openxmlformats.org/presentationml/2006/main">
+  <p:cSld>
+    <p:spTree>
+      <p:nvGrpSpPr>
+        <p:cNvPr id="1" name=""/>
+        <p:cNvGrpSpPr/>
+        <p:nvPr/>
+      </p:nvGrpSpPr>
+      <p:grpSpPr>
+        <a:xfrm>
+          <a:off x="0" y="0"/>
+          <a:ext cx="0" cy="0"/>
+          <a:chOff x="0" y="0"/>
+          <a:chExt cx="0" cy="0"/>
+        </a:xfrm>
+      </p:grpSpPr>
+      <p:sp>
+        <p:nvSpPr>
+          <p:cNvPr id="2" name="スライド イメージ プレースホルダー 1"/>
+          <p:cNvSpPr>
+            <a:spLocks noGrp="1" noRot="1" noChangeAspect="1"/>
+          </p:cNvSpPr>
+          <p:nvPr>
+            <p:ph type="sldImg"/>
+          </p:nvPr>
+        </p:nvSpPr>
+        <p:spPr/>
+      </p:sp>
+      <p:sp>
+        <p:nvSpPr>
+          <p:cNvPr id="3" name="ノート プレースホルダー 2"/>
+          <p:cNvSpPr>
+            <a:spLocks noGrp="1"/>
+          </p:cNvSpPr>
+          <p:nvPr>
+            <p:ph type="body" idx="1"/>
+          </p:nvPr>
+        </p:nvSpPr>
+        <p:spPr/>
+        <p:txBody>
+          <a:bodyPr/>
+          <a:lstStyle/>
+          <a:p>
+            <a:r>
+              <a:rPr kumimoji="1" lang="ja-JP" altLang="en-US" dirty="0"/>
+              <a:t>二つ目はこまめに進捗を保存しなかったことです。</a:t>
+            </a:r>
+            <a:endParaRPr kumimoji="1" lang="en-US" altLang="ja-JP" dirty="0"/>
+          </a:p>
+          <a:p>
+            <a:r>
+              <a:rPr kumimoji="1" lang="ja-JP" altLang="en-US" dirty="0"/>
+              <a:t>一度作業に集中すると、そのままの勢いで多くの処理や機能、のコードを作成してしまうことがありました。</a:t>
+            </a:r>
+            <a:endParaRPr kumimoji="1" lang="en-US" altLang="ja-JP" dirty="0"/>
+          </a:p>
+          <a:p>
+            <a:r>
+              <a:rPr kumimoji="1" lang="ja-JP" altLang="en-US" dirty="0"/>
+              <a:t>その後、エラーが何も発生しなければ大丈夫なのですが、もしもエラーが発生した場合、どの部分の実装をした際に起きているエラーなのかが分かりづらく、修正に時間が掛かってしまいます。</a:t>
+            </a:r>
+            <a:endParaRPr kumimoji="1" lang="en-US" altLang="ja-JP" dirty="0"/>
+          </a:p>
+          <a:p>
+            <a:r>
+              <a:rPr kumimoji="1" lang="ja-JP" altLang="en-US" dirty="0"/>
+              <a:t>なので、一つの処理や機能の実装が終わったら、必ずそこで進捗を保存したほうが良いことを学びました。</a:t>
+            </a:r>
+          </a:p>
+        </p:txBody>
+      </p:sp>
+      <p:sp>
+        <p:nvSpPr>
+          <p:cNvPr id="4" name="スライド番号プレースホルダー 3"/>
+          <p:cNvSpPr>
+            <a:spLocks noGrp="1"/>
+          </p:cNvSpPr>
+          <p:nvPr>
+            <p:ph type="sldNum" sz="quarter" idx="5"/>
+          </p:nvPr>
+        </p:nvSpPr>
+        <p:spPr/>
+        <p:txBody>
+          <a:bodyPr/>
+          <a:lstStyle/>
+          <a:p>
+            <a:fld id="{75207939-B40B-4981-87FA-F83DEAEBAF4F}" type="slidenum">
+              <a:rPr kumimoji="1" lang="ja-JP" altLang="en-US" smtClean="0"/>
+              <a:t>11</a:t>
+            </a:fld>
+            <a:endParaRPr kumimoji="1" lang="ja-JP" altLang="en-US"/>
+          </a:p>
+        </p:txBody>
+      </p:sp>
+    </p:spTree>
+    <p:extLst>
+      <p:ext uri="{BB962C8B-B14F-4D97-AF65-F5344CB8AC3E}">
+        <p14:creationId xmlns:p14="http://schemas.microsoft.com/office/powerpoint/2010/main" val="357230858"/>
+      </p:ext>
+    </p:extLst>
+  </p:cSld>
+  <p:clrMapOvr>
+    <a:masterClrMapping/>
+  </p:clrMapOvr>
+</p:notes>
+</file>
+
+<file path=ppt/notesSlides/notesSlide12.xml><?xml version="1.0" encoding="utf-8"?>
+<p:notes xmlns:a="http://schemas.openxmlformats.org/drawingml/2006/main" xmlns:r="http://schemas.openxmlformats.org/officeDocument/2006/relationships" xmlns:p="http://schemas.openxmlformats.org/presentationml/2006/main">
+  <p:cSld>
+    <p:spTree>
+      <p:nvGrpSpPr>
+        <p:cNvPr id="1" name=""/>
+        <p:cNvGrpSpPr/>
+        <p:nvPr/>
+      </p:nvGrpSpPr>
+      <p:grpSpPr>
+        <a:xfrm>
+          <a:off x="0" y="0"/>
+          <a:ext cx="0" cy="0"/>
+          <a:chOff x="0" y="0"/>
+          <a:chExt cx="0" cy="0"/>
+        </a:xfrm>
+      </p:grpSpPr>
+      <p:sp>
+        <p:nvSpPr>
+          <p:cNvPr id="2" name="スライド イメージ プレースホルダー 1"/>
+          <p:cNvSpPr>
+            <a:spLocks noGrp="1" noRot="1" noChangeAspect="1"/>
+          </p:cNvSpPr>
+          <p:nvPr>
+            <p:ph type="sldImg"/>
+          </p:nvPr>
+        </p:nvSpPr>
+        <p:spPr/>
+      </p:sp>
+      <p:sp>
+        <p:nvSpPr>
+          <p:cNvPr id="3" name="ノート プレースホルダー 2"/>
+          <p:cNvSpPr>
+            <a:spLocks noGrp="1"/>
+          </p:cNvSpPr>
+          <p:nvPr>
+            <p:ph type="body" idx="1"/>
+          </p:nvPr>
+        </p:nvSpPr>
+        <p:spPr/>
+        <p:txBody>
+          <a:bodyPr/>
+          <a:lstStyle/>
+          <a:p>
+            <a:r>
+              <a:rPr kumimoji="1" lang="ja-JP" altLang="en-US" dirty="0"/>
+              <a:t>３つ目は設計段階での見通しの甘さに苦労しました。</a:t>
+            </a:r>
+            <a:endParaRPr kumimoji="1" lang="en-US" altLang="ja-JP" dirty="0"/>
+          </a:p>
+          <a:p>
+            <a:r>
+              <a:rPr kumimoji="1" lang="ja-JP" altLang="en-US" dirty="0"/>
+              <a:t>実装したい機能や処理の開発をしている際に、これを実装するなら、別の処理が必要だなと、開発途中で気づくことが多かったです。その為、次々と判明した追加すべき処理の内容の調整に追われ、作業が滞ることがありました。</a:t>
+            </a:r>
+            <a:endParaRPr kumimoji="1" lang="en-US" altLang="ja-JP" dirty="0"/>
+          </a:p>
+          <a:p>
+            <a:r>
+              <a:rPr kumimoji="1" lang="ja-JP" altLang="en-US" dirty="0"/>
+              <a:t>また、実績画面でグラフを作成するために必要なデータを、集計する方法も、集計したデータをどういう風に画面に表示させたいのかをまとめれていなかったため、後から複数案が生じ、どの方法にするかを決めるのに手間取ってしまいました。</a:t>
+            </a:r>
+          </a:p>
+        </p:txBody>
+      </p:sp>
+      <p:sp>
+        <p:nvSpPr>
+          <p:cNvPr id="4" name="スライド番号プレースホルダー 3"/>
+          <p:cNvSpPr>
+            <a:spLocks noGrp="1"/>
+          </p:cNvSpPr>
+          <p:nvPr>
+            <p:ph type="sldNum" sz="quarter" idx="5"/>
+          </p:nvPr>
+        </p:nvSpPr>
+        <p:spPr/>
+        <p:txBody>
+          <a:bodyPr/>
+          <a:lstStyle/>
+          <a:p>
+            <a:fld id="{75207939-B40B-4981-87FA-F83DEAEBAF4F}" type="slidenum">
+              <a:rPr kumimoji="1" lang="ja-JP" altLang="en-US" smtClean="0"/>
+              <a:t>12</a:t>
+            </a:fld>
+            <a:endParaRPr kumimoji="1" lang="ja-JP" altLang="en-US"/>
+          </a:p>
+        </p:txBody>
+      </p:sp>
+    </p:spTree>
+    <p:extLst>
+      <p:ext uri="{BB962C8B-B14F-4D97-AF65-F5344CB8AC3E}">
+        <p14:creationId xmlns:p14="http://schemas.microsoft.com/office/powerpoint/2010/main" val="1445436841"/>
+      </p:ext>
+    </p:extLst>
+  </p:cSld>
+  <p:clrMapOvr>
+    <a:masterClrMapping/>
+  </p:clrMapOvr>
+</p:notes>
+</file>
+
+<file path=ppt/notesSlides/notesSlide13.xml><?xml version="1.0" encoding="utf-8"?>
+<p:notes xmlns:a="http://schemas.openxmlformats.org/drawingml/2006/main" xmlns:r="http://schemas.openxmlformats.org/officeDocument/2006/relationships" xmlns:p="http://schemas.openxmlformats.org/presentationml/2006/main">
+  <p:cSld>
+    <p:spTree>
+      <p:nvGrpSpPr>
+        <p:cNvPr id="1" name=""/>
+        <p:cNvGrpSpPr/>
+        <p:nvPr/>
+      </p:nvGrpSpPr>
+      <p:grpSpPr>
+        <a:xfrm>
+          <a:off x="0" y="0"/>
+          <a:ext cx="0" cy="0"/>
+          <a:chOff x="0" y="0"/>
+          <a:chExt cx="0" cy="0"/>
+        </a:xfrm>
+      </p:grpSpPr>
+      <p:sp>
+        <p:nvSpPr>
+          <p:cNvPr id="2" name="スライド イメージ プレースホルダー 1"/>
+          <p:cNvSpPr>
+            <a:spLocks noGrp="1" noRot="1" noChangeAspect="1"/>
+          </p:cNvSpPr>
+          <p:nvPr>
+            <p:ph type="sldImg"/>
+          </p:nvPr>
+        </p:nvSpPr>
+        <p:spPr/>
+      </p:sp>
+      <p:sp>
+        <p:nvSpPr>
+          <p:cNvPr id="3" name="ノート プレースホルダー 2"/>
+          <p:cNvSpPr>
+            <a:spLocks noGrp="1"/>
+          </p:cNvSpPr>
+          <p:nvPr>
+            <p:ph type="body" idx="1"/>
+          </p:nvPr>
+        </p:nvSpPr>
+        <p:spPr/>
+        <p:txBody>
+          <a:bodyPr/>
+          <a:lstStyle/>
+          <a:p>
+            <a:r>
+              <a:rPr kumimoji="1" lang="ja-JP" altLang="en-US" dirty="0"/>
+              <a:t>まとめです</a:t>
+            </a:r>
+            <a:endParaRPr kumimoji="1" lang="en-US" altLang="ja-JP" dirty="0"/>
+          </a:p>
+        </p:txBody>
+      </p:sp>
+      <p:sp>
+        <p:nvSpPr>
+          <p:cNvPr id="4" name="スライド番号プレースホルダー 3"/>
+          <p:cNvSpPr>
+            <a:spLocks noGrp="1"/>
+          </p:cNvSpPr>
+          <p:nvPr>
+            <p:ph type="sldNum" sz="quarter" idx="5"/>
+          </p:nvPr>
+        </p:nvSpPr>
+        <p:spPr/>
+        <p:txBody>
+          <a:bodyPr/>
+          <a:lstStyle/>
+          <a:p>
+            <a:fld id="{75207939-B40B-4981-87FA-F83DEAEBAF4F}" type="slidenum">
+              <a:rPr kumimoji="1" lang="ja-JP" altLang="en-US" smtClean="0"/>
+              <a:t>13</a:t>
+            </a:fld>
+            <a:endParaRPr kumimoji="1" lang="ja-JP" altLang="en-US"/>
+          </a:p>
+        </p:txBody>
+      </p:sp>
+    </p:spTree>
+    <p:extLst>
+      <p:ext uri="{BB962C8B-B14F-4D97-AF65-F5344CB8AC3E}">
+        <p14:creationId xmlns:p14="http://schemas.microsoft.com/office/powerpoint/2010/main" val="1520082202"/>
+      </p:ext>
+    </p:extLst>
+  </p:cSld>
+  <p:clrMapOvr>
+    <a:masterClrMapping/>
+  </p:clrMapOvr>
+</p:notes>
+</file>
+
+<file path=ppt/notesSlides/notesSlide14.xml><?xml version="1.0" encoding="utf-8"?>
+<p:notes xmlns:a="http://schemas.openxmlformats.org/drawingml/2006/main" xmlns:r="http://schemas.openxmlformats.org/officeDocument/2006/relationships" xmlns:p="http://schemas.openxmlformats.org/presentationml/2006/main">
+  <p:cSld>
+    <p:spTree>
+      <p:nvGrpSpPr>
+        <p:cNvPr id="1" name=""/>
+        <p:cNvGrpSpPr/>
+        <p:nvPr/>
+      </p:nvGrpSpPr>
+      <p:grpSpPr>
+        <a:xfrm>
+          <a:off x="0" y="0"/>
+          <a:ext cx="0" cy="0"/>
+          <a:chOff x="0" y="0"/>
+          <a:chExt cx="0" cy="0"/>
+        </a:xfrm>
+      </p:grpSpPr>
+      <p:sp>
+        <p:nvSpPr>
+          <p:cNvPr id="2" name="スライド イメージ プレースホルダー 1"/>
+          <p:cNvSpPr>
+            <a:spLocks noGrp="1" noRot="1" noChangeAspect="1"/>
+          </p:cNvSpPr>
+          <p:nvPr>
+            <p:ph type="sldImg"/>
+          </p:nvPr>
+        </p:nvSpPr>
+        <p:spPr/>
+      </p:sp>
+      <p:sp>
+        <p:nvSpPr>
+          <p:cNvPr id="3" name="ノート プレースホルダー 2"/>
+          <p:cNvSpPr>
+            <a:spLocks noGrp="1"/>
+          </p:cNvSpPr>
+          <p:nvPr>
+            <p:ph type="body" idx="1"/>
+          </p:nvPr>
+        </p:nvSpPr>
+        <p:spPr/>
+        <p:txBody>
+          <a:bodyPr/>
+          <a:lstStyle/>
+          <a:p>
+            <a:r>
+              <a:rPr kumimoji="1" lang="ja-JP" altLang="en-US" dirty="0"/>
+              <a:t>今回、ショップ機能や、その他のゲームは未実装になってしまいましたが、メダルサイトとして自分が想定していた機能を一通り実装することができました。今後の課題として、未実装機能の制作、ユーザーが使いやすいと思えるような、ユーザビリティを高めた設定を課題としたいです</a:t>
+            </a:r>
+          </a:p>
+        </p:txBody>
+      </p:sp>
+      <p:sp>
+        <p:nvSpPr>
+          <p:cNvPr id="4" name="スライド番号プレースホルダー 3"/>
+          <p:cNvSpPr>
+            <a:spLocks noGrp="1"/>
+          </p:cNvSpPr>
+          <p:nvPr>
+            <p:ph type="sldNum" sz="quarter" idx="5"/>
+          </p:nvPr>
+        </p:nvSpPr>
+        <p:spPr/>
+        <p:txBody>
+          <a:bodyPr/>
+          <a:lstStyle/>
+          <a:p>
+            <a:fld id="{75207939-B40B-4981-87FA-F83DEAEBAF4F}" type="slidenum">
+              <a:rPr kumimoji="1" lang="ja-JP" altLang="en-US" smtClean="0"/>
+              <a:t>14</a:t>
+            </a:fld>
+            <a:endParaRPr kumimoji="1" lang="ja-JP" altLang="en-US"/>
+          </a:p>
+        </p:txBody>
+      </p:sp>
+    </p:spTree>
+    <p:extLst>
+      <p:ext uri="{BB962C8B-B14F-4D97-AF65-F5344CB8AC3E}">
+        <p14:creationId xmlns:p14="http://schemas.microsoft.com/office/powerpoint/2010/main" val="1926591893"/>
+      </p:ext>
+    </p:extLst>
+  </p:cSld>
+  <p:clrMapOvr>
+    <a:masterClrMapping/>
+  </p:clrMapOvr>
+</p:notes>
+</file>
+
+<file path=ppt/notesSlides/notesSlide15.xml><?xml version="1.0" encoding="utf-8"?>
+<p:notes xmlns:a="http://schemas.openxmlformats.org/drawingml/2006/main" xmlns:r="http://schemas.openxmlformats.org/officeDocument/2006/relationships" xmlns:p="http://schemas.openxmlformats.org/presentationml/2006/main">
+  <p:cSld>
+    <p:spTree>
+      <p:nvGrpSpPr>
+        <p:cNvPr id="1" name=""/>
+        <p:cNvGrpSpPr/>
+        <p:nvPr/>
+      </p:nvGrpSpPr>
+      <p:grpSpPr>
+        <a:xfrm>
+          <a:off x="0" y="0"/>
+          <a:ext cx="0" cy="0"/>
+          <a:chOff x="0" y="0"/>
+          <a:chExt cx="0" cy="0"/>
+        </a:xfrm>
+      </p:grpSpPr>
+      <p:sp>
+        <p:nvSpPr>
+          <p:cNvPr id="2" name="スライド イメージ プレースホルダー 1"/>
+          <p:cNvSpPr>
+            <a:spLocks noGrp="1" noRot="1" noChangeAspect="1"/>
+          </p:cNvSpPr>
+          <p:nvPr>
+            <p:ph type="sldImg"/>
+          </p:nvPr>
+        </p:nvSpPr>
+        <p:spPr/>
+      </p:sp>
+      <p:sp>
+        <p:nvSpPr>
+          <p:cNvPr id="3" name="ノート プレースホルダー 2"/>
+          <p:cNvSpPr>
+            <a:spLocks noGrp="1"/>
+          </p:cNvSpPr>
+          <p:nvPr>
+            <p:ph type="body" idx="1"/>
+          </p:nvPr>
+        </p:nvSpPr>
+        <p:spPr/>
+        <p:txBody>
+          <a:bodyPr/>
+          <a:lstStyle/>
+          <a:p>
+            <a:r>
+              <a:rPr kumimoji="1" lang="ja-JP" altLang="en-US" dirty="0"/>
+              <a:t>最後に今回の総合制作実習を行うにあたり、株式会社プレシードの鈴木様、清水様、金指様、望月様、たくさんのご教授をいただき誠にありがとうございました。今回の実習で学んだ技術を活かし、今後の技術発展に向けて精進していきます。</a:t>
+            </a:r>
+            <a:endParaRPr kumimoji="1" lang="en-US" altLang="ja-JP" dirty="0"/>
+          </a:p>
+          <a:p>
+            <a:r>
+              <a:rPr kumimoji="1" lang="ja-JP" altLang="en-US" dirty="0"/>
+              <a:t>ご清聴ありがとうございました</a:t>
+            </a:r>
+          </a:p>
+        </p:txBody>
+      </p:sp>
+      <p:sp>
+        <p:nvSpPr>
+          <p:cNvPr id="4" name="スライド番号プレースホルダー 3"/>
+          <p:cNvSpPr>
+            <a:spLocks noGrp="1"/>
+          </p:cNvSpPr>
+          <p:nvPr>
+            <p:ph type="sldNum" sz="quarter" idx="5"/>
+          </p:nvPr>
+        </p:nvSpPr>
+        <p:spPr/>
+        <p:txBody>
+          <a:bodyPr/>
+          <a:lstStyle/>
+          <a:p>
+            <a:fld id="{75207939-B40B-4981-87FA-F83DEAEBAF4F}" type="slidenum">
+              <a:rPr kumimoji="1" lang="ja-JP" altLang="en-US" smtClean="0"/>
+              <a:t>15</a:t>
+            </a:fld>
+            <a:endParaRPr kumimoji="1" lang="ja-JP" altLang="en-US"/>
+          </a:p>
+        </p:txBody>
+      </p:sp>
+    </p:spTree>
+    <p:extLst>
+      <p:ext uri="{BB962C8B-B14F-4D97-AF65-F5344CB8AC3E}">
+        <p14:creationId xmlns:p14="http://schemas.microsoft.com/office/powerpoint/2010/main" val="3920104262"/>
+      </p:ext>
+    </p:extLst>
+  </p:cSld>
+  <p:clrMapOvr>
+    <a:masterClrMapping/>
+  </p:clrMapOvr>
+</p:notes>
+</file>
+
+<file path=ppt/notesSlides/notesSlide2.xml><?xml version="1.0" encoding="utf-8"?>
+<p:notes xmlns:a="http://schemas.openxmlformats.org/drawingml/2006/main" xmlns:r="http://schemas.openxmlformats.org/officeDocument/2006/relationships" xmlns:p="http://schemas.openxmlformats.org/presentationml/2006/main">
+  <p:cSld>
+    <p:spTree>
+      <p:nvGrpSpPr>
+        <p:cNvPr id="1" name=""/>
+        <p:cNvGrpSpPr/>
+        <p:nvPr/>
+      </p:nvGrpSpPr>
+      <p:grpSpPr>
+        <a:xfrm>
+          <a:off x="0" y="0"/>
+          <a:ext cx="0" cy="0"/>
+          <a:chOff x="0" y="0"/>
+          <a:chExt cx="0" cy="0"/>
+        </a:xfrm>
+      </p:grpSpPr>
+      <p:sp>
+        <p:nvSpPr>
+          <p:cNvPr id="2" name="スライド イメージ プレースホルダー 1"/>
+          <p:cNvSpPr>
+            <a:spLocks noGrp="1" noRot="1" noChangeAspect="1"/>
+          </p:cNvSpPr>
+          <p:nvPr>
+            <p:ph type="sldImg"/>
+          </p:nvPr>
+        </p:nvSpPr>
+        <p:spPr/>
+      </p:sp>
+      <p:sp>
+        <p:nvSpPr>
+          <p:cNvPr id="3" name="ノート プレースホルダー 2"/>
+          <p:cNvSpPr>
+            <a:spLocks noGrp="1"/>
+          </p:cNvSpPr>
+          <p:nvPr>
+            <p:ph type="body" idx="1"/>
+          </p:nvPr>
+        </p:nvSpPr>
+        <p:spPr/>
+        <p:txBody>
+          <a:bodyPr/>
+          <a:lstStyle/>
+          <a:p>
+            <a:r>
+              <a:rPr kumimoji="1" lang="ja-JP" altLang="en-US" dirty="0"/>
+              <a:t>目次です。</a:t>
+            </a:r>
+            <a:endParaRPr kumimoji="1" lang="en-US" altLang="ja-JP" dirty="0"/>
+          </a:p>
+          <a:p>
+            <a:r>
+              <a:rPr kumimoji="1" lang="ja-JP" altLang="en-US" dirty="0"/>
+              <a:t>今回はこの５つの項目で発表を進めていきたいと思います。</a:t>
+            </a:r>
+          </a:p>
+        </p:txBody>
+      </p:sp>
+      <p:sp>
+        <p:nvSpPr>
+          <p:cNvPr id="4" name="スライド番号プレースホルダー 3"/>
+          <p:cNvSpPr>
+            <a:spLocks noGrp="1"/>
+          </p:cNvSpPr>
+          <p:nvPr>
+            <p:ph type="sldNum" sz="quarter" idx="5"/>
+          </p:nvPr>
+        </p:nvSpPr>
+        <p:spPr/>
+        <p:txBody>
+          <a:bodyPr/>
+          <a:lstStyle/>
+          <a:p>
+            <a:fld id="{75207939-B40B-4981-87FA-F83DEAEBAF4F}" type="slidenum">
+              <a:rPr kumimoji="1" lang="ja-JP" altLang="en-US" smtClean="0"/>
+              <a:t>2</a:t>
+            </a:fld>
+            <a:endParaRPr kumimoji="1" lang="ja-JP" altLang="en-US"/>
+          </a:p>
+        </p:txBody>
+      </p:sp>
+    </p:spTree>
+    <p:extLst>
+      <p:ext uri="{BB962C8B-B14F-4D97-AF65-F5344CB8AC3E}">
+        <p14:creationId xmlns:p14="http://schemas.microsoft.com/office/powerpoint/2010/main" val="3317319245"/>
+      </p:ext>
+    </p:extLst>
+  </p:cSld>
+  <p:clrMapOvr>
+    <a:masterClrMapping/>
+  </p:clrMapOvr>
+</p:notes>
+</file>
+
+<file path=ppt/notesSlides/notesSlide3.xml><?xml version="1.0" encoding="utf-8"?>
+<p:notes xmlns:a="http://schemas.openxmlformats.org/drawingml/2006/main" xmlns:r="http://schemas.openxmlformats.org/officeDocument/2006/relationships" xmlns:p="http://schemas.openxmlformats.org/presentationml/2006/main">
+  <p:cSld>
+    <p:spTree>
+      <p:nvGrpSpPr>
+        <p:cNvPr id="1" name=""/>
+        <p:cNvGrpSpPr/>
+        <p:nvPr/>
+      </p:nvGrpSpPr>
+      <p:grpSpPr>
+        <a:xfrm>
+          <a:off x="0" y="0"/>
+          <a:ext cx="0" cy="0"/>
+          <a:chOff x="0" y="0"/>
+          <a:chExt cx="0" cy="0"/>
+        </a:xfrm>
+      </p:grpSpPr>
+      <p:sp>
+        <p:nvSpPr>
+          <p:cNvPr id="2" name="スライド イメージ プレースホルダー 1"/>
+          <p:cNvSpPr>
+            <a:spLocks noGrp="1" noRot="1" noChangeAspect="1"/>
+          </p:cNvSpPr>
+          <p:nvPr>
+            <p:ph type="sldImg"/>
+          </p:nvPr>
+        </p:nvSpPr>
+        <p:spPr/>
+      </p:sp>
+      <p:sp>
+        <p:nvSpPr>
+          <p:cNvPr id="3" name="ノート プレースホルダー 2"/>
+          <p:cNvSpPr>
+            <a:spLocks noGrp="1"/>
+          </p:cNvSpPr>
+          <p:nvPr>
+            <p:ph type="body" idx="1"/>
+          </p:nvPr>
+        </p:nvSpPr>
+        <p:spPr/>
+        <p:txBody>
+          <a:bodyPr/>
+          <a:lstStyle/>
+          <a:p>
+            <a:r>
+              <a:rPr kumimoji="1" lang="ja-JP" altLang="en-US" dirty="0"/>
+              <a:t>最初に背景・目的です</a:t>
+            </a:r>
+            <a:endParaRPr kumimoji="1" lang="en-US" altLang="ja-JP" dirty="0"/>
+          </a:p>
+        </p:txBody>
+      </p:sp>
+      <p:sp>
+        <p:nvSpPr>
+          <p:cNvPr id="4" name="スライド番号プレースホルダー 3"/>
+          <p:cNvSpPr>
+            <a:spLocks noGrp="1"/>
+          </p:cNvSpPr>
+          <p:nvPr>
+            <p:ph type="sldNum" sz="quarter" idx="5"/>
+          </p:nvPr>
+        </p:nvSpPr>
+        <p:spPr/>
+        <p:txBody>
+          <a:bodyPr/>
+          <a:lstStyle/>
+          <a:p>
+            <a:fld id="{75207939-B40B-4981-87FA-F83DEAEBAF4F}" type="slidenum">
+              <a:rPr kumimoji="1" lang="ja-JP" altLang="en-US" smtClean="0"/>
+              <a:t>3</a:t>
+            </a:fld>
+            <a:endParaRPr kumimoji="1" lang="ja-JP" altLang="en-US"/>
+          </a:p>
+        </p:txBody>
+      </p:sp>
+    </p:spTree>
+    <p:extLst>
+      <p:ext uri="{BB962C8B-B14F-4D97-AF65-F5344CB8AC3E}">
+        <p14:creationId xmlns:p14="http://schemas.microsoft.com/office/powerpoint/2010/main" val="2396471205"/>
+      </p:ext>
+    </p:extLst>
+  </p:cSld>
+  <p:clrMapOvr>
+    <a:masterClrMapping/>
+  </p:clrMapOvr>
+</p:notes>
+</file>
+
+<file path=ppt/notesSlides/notesSlide4.xml><?xml version="1.0" encoding="utf-8"?>
+<p:notes xmlns:a="http://schemas.openxmlformats.org/drawingml/2006/main" xmlns:r="http://schemas.openxmlformats.org/officeDocument/2006/relationships" xmlns:p="http://schemas.openxmlformats.org/presentationml/2006/main">
+  <p:cSld>
+    <p:spTree>
+      <p:nvGrpSpPr>
+        <p:cNvPr id="1" name=""/>
+        <p:cNvGrpSpPr/>
+        <p:nvPr/>
+      </p:nvGrpSpPr>
+      <p:grpSpPr>
+        <a:xfrm>
+          <a:off x="0" y="0"/>
+          <a:ext cx="0" cy="0"/>
+          <a:chOff x="0" y="0"/>
+          <a:chExt cx="0" cy="0"/>
+        </a:xfrm>
+      </p:grpSpPr>
+      <p:sp>
+        <p:nvSpPr>
+          <p:cNvPr id="2" name="スライド イメージ プレースホルダー 1"/>
+          <p:cNvSpPr>
+            <a:spLocks noGrp="1" noRot="1" noChangeAspect="1"/>
+          </p:cNvSpPr>
+          <p:nvPr>
+            <p:ph type="sldImg"/>
+          </p:nvPr>
+        </p:nvSpPr>
+        <p:spPr/>
+      </p:sp>
+      <p:sp>
+        <p:nvSpPr>
+          <p:cNvPr id="3" name="ノート プレースホルダー 2"/>
+          <p:cNvSpPr>
+            <a:spLocks noGrp="1"/>
+          </p:cNvSpPr>
+          <p:nvPr>
+            <p:ph type="body" idx="1"/>
+          </p:nvPr>
+        </p:nvSpPr>
+        <p:spPr/>
+        <p:txBody>
+          <a:bodyPr/>
+          <a:lstStyle/>
+          <a:p>
+            <a:r>
+              <a:rPr kumimoji="1" lang="ja-JP" altLang="en-US" dirty="0"/>
+              <a:t>趣味であるゲームに関係するものを作成しようと考えた時、メダルをいくつ集めれるかや、スコアを競うゲームサイトはよくありますが、集めたメダルを使って交換ができるようなサイトはあまりないなと感じ、このサイトを作成しました。</a:t>
+            </a:r>
+            <a:endParaRPr kumimoji="1" lang="en-US" altLang="ja-JP" dirty="0"/>
+          </a:p>
+          <a:p>
+            <a:r>
+              <a:rPr kumimoji="1" lang="ja-JP" altLang="en-US" dirty="0"/>
+              <a:t>次に目的です。</a:t>
+            </a:r>
+            <a:endParaRPr kumimoji="1" lang="en-US" altLang="ja-JP" dirty="0"/>
+          </a:p>
+          <a:p>
+            <a:r>
+              <a:rPr kumimoji="1" lang="ja-JP" altLang="en-US" dirty="0"/>
+              <a:t>総合制作実習を行うにあたり、内定先の企業で</a:t>
+            </a:r>
+            <a:r>
+              <a:rPr kumimoji="1" lang="en-US" altLang="ja-JP" dirty="0"/>
+              <a:t>Java</a:t>
+            </a:r>
+            <a:r>
+              <a:rPr kumimoji="1" lang="ja-JP" altLang="en-US" dirty="0"/>
+              <a:t>を使う指定がされていたので、実際の開発で使用される</a:t>
+            </a:r>
+            <a:r>
+              <a:rPr kumimoji="1" lang="en-US" altLang="ja-JP" dirty="0"/>
+              <a:t>Java</a:t>
+            </a:r>
+            <a:r>
+              <a:rPr kumimoji="1" lang="ja-JP" altLang="en-US" dirty="0"/>
+              <a:t>とフレームワーク技術を用いることで、本実習を通して開発経験を積むことが目的です。</a:t>
+            </a:r>
+          </a:p>
+        </p:txBody>
+      </p:sp>
+      <p:sp>
+        <p:nvSpPr>
+          <p:cNvPr id="4" name="スライド番号プレースホルダー 3"/>
+          <p:cNvSpPr>
+            <a:spLocks noGrp="1"/>
+          </p:cNvSpPr>
+          <p:nvPr>
+            <p:ph type="sldNum" sz="quarter" idx="5"/>
+          </p:nvPr>
+        </p:nvSpPr>
+        <p:spPr/>
+        <p:txBody>
+          <a:bodyPr/>
+          <a:lstStyle/>
+          <a:p>
+            <a:fld id="{75207939-B40B-4981-87FA-F83DEAEBAF4F}" type="slidenum">
+              <a:rPr kumimoji="1" lang="ja-JP" altLang="en-US" smtClean="0"/>
+              <a:t>4</a:t>
+            </a:fld>
+            <a:endParaRPr kumimoji="1" lang="ja-JP" altLang="en-US"/>
+          </a:p>
+        </p:txBody>
+      </p:sp>
+    </p:spTree>
+    <p:extLst>
+      <p:ext uri="{BB962C8B-B14F-4D97-AF65-F5344CB8AC3E}">
+        <p14:creationId xmlns:p14="http://schemas.microsoft.com/office/powerpoint/2010/main" val="1399115936"/>
+      </p:ext>
+    </p:extLst>
+  </p:cSld>
+  <p:clrMapOvr>
+    <a:masterClrMapping/>
+  </p:clrMapOvr>
+</p:notes>
+</file>
+
+<file path=ppt/notesSlides/notesSlide5.xml><?xml version="1.0" encoding="utf-8"?>
+<p:notes xmlns:a="http://schemas.openxmlformats.org/drawingml/2006/main" xmlns:r="http://schemas.openxmlformats.org/officeDocument/2006/relationships" xmlns:p="http://schemas.openxmlformats.org/presentationml/2006/main">
+  <p:cSld>
+    <p:spTree>
+      <p:nvGrpSpPr>
+        <p:cNvPr id="1" name=""/>
+        <p:cNvGrpSpPr/>
+        <p:nvPr/>
+      </p:nvGrpSpPr>
+      <p:grpSpPr>
+        <a:xfrm>
+          <a:off x="0" y="0"/>
+          <a:ext cx="0" cy="0"/>
+          <a:chOff x="0" y="0"/>
+          <a:chExt cx="0" cy="0"/>
+        </a:xfrm>
+      </p:grpSpPr>
+      <p:sp>
+        <p:nvSpPr>
+          <p:cNvPr id="2" name="スライド イメージ プレースホルダー 1"/>
+          <p:cNvSpPr>
+            <a:spLocks noGrp="1" noRot="1" noChangeAspect="1"/>
+          </p:cNvSpPr>
+          <p:nvPr>
+            <p:ph type="sldImg"/>
+          </p:nvPr>
+        </p:nvSpPr>
+        <p:spPr/>
+      </p:sp>
+      <p:sp>
+        <p:nvSpPr>
+          <p:cNvPr id="3" name="ノート プレースホルダー 2"/>
+          <p:cNvSpPr>
+            <a:spLocks noGrp="1"/>
+          </p:cNvSpPr>
+          <p:nvPr>
+            <p:ph type="body" idx="1"/>
+          </p:nvPr>
+        </p:nvSpPr>
+        <p:spPr/>
+        <p:txBody>
+          <a:bodyPr/>
+          <a:lstStyle/>
+          <a:p>
+            <a:r>
+              <a:rPr kumimoji="1" lang="ja-JP" altLang="en-US" dirty="0"/>
+              <a:t>次に概要です。</a:t>
+            </a:r>
+            <a:endParaRPr kumimoji="1" lang="en-US" altLang="ja-JP" dirty="0"/>
+          </a:p>
+        </p:txBody>
+      </p:sp>
+      <p:sp>
+        <p:nvSpPr>
+          <p:cNvPr id="4" name="スライド番号プレースホルダー 3"/>
+          <p:cNvSpPr>
+            <a:spLocks noGrp="1"/>
+          </p:cNvSpPr>
+          <p:nvPr>
+            <p:ph type="sldNum" sz="quarter" idx="5"/>
+          </p:nvPr>
+        </p:nvSpPr>
+        <p:spPr/>
+        <p:txBody>
+          <a:bodyPr/>
+          <a:lstStyle/>
+          <a:p>
+            <a:fld id="{75207939-B40B-4981-87FA-F83DEAEBAF4F}" type="slidenum">
+              <a:rPr kumimoji="1" lang="ja-JP" altLang="en-US" smtClean="0"/>
+              <a:t>5</a:t>
+            </a:fld>
+            <a:endParaRPr kumimoji="1" lang="ja-JP" altLang="en-US"/>
+          </a:p>
+        </p:txBody>
+      </p:sp>
+    </p:spTree>
+    <p:extLst>
+      <p:ext uri="{BB962C8B-B14F-4D97-AF65-F5344CB8AC3E}">
+        <p14:creationId xmlns:p14="http://schemas.microsoft.com/office/powerpoint/2010/main" val="528746805"/>
+      </p:ext>
+    </p:extLst>
+  </p:cSld>
+  <p:clrMapOvr>
+    <a:masterClrMapping/>
+  </p:clrMapOvr>
+</p:notes>
+</file>
+
+<file path=ppt/notesSlides/notesSlide6.xml><?xml version="1.0" encoding="utf-8"?>
+<p:notes xmlns:a="http://schemas.openxmlformats.org/drawingml/2006/main" xmlns:r="http://schemas.openxmlformats.org/officeDocument/2006/relationships" xmlns:p="http://schemas.openxmlformats.org/presentationml/2006/main">
+  <p:cSld>
+    <p:spTree>
+      <p:nvGrpSpPr>
+        <p:cNvPr id="1" name=""/>
+        <p:cNvGrpSpPr/>
+        <p:nvPr/>
+      </p:nvGrpSpPr>
+      <p:grpSpPr>
+        <a:xfrm>
+          <a:off x="0" y="0"/>
+          <a:ext cx="0" cy="0"/>
+          <a:chOff x="0" y="0"/>
+          <a:chExt cx="0" cy="0"/>
+        </a:xfrm>
+      </p:grpSpPr>
+      <p:sp>
+        <p:nvSpPr>
+          <p:cNvPr id="2" name="スライド イメージ プレースホルダー 1"/>
+          <p:cNvSpPr>
+            <a:spLocks noGrp="1" noRot="1" noChangeAspect="1"/>
+          </p:cNvSpPr>
+          <p:nvPr>
+            <p:ph type="sldImg"/>
+          </p:nvPr>
+        </p:nvSpPr>
+        <p:spPr/>
+      </p:sp>
+      <p:sp>
+        <p:nvSpPr>
+          <p:cNvPr id="3" name="ノート プレースホルダー 2"/>
+          <p:cNvSpPr>
+            <a:spLocks noGrp="1"/>
+          </p:cNvSpPr>
+          <p:nvPr>
+            <p:ph type="body" idx="1"/>
+          </p:nvPr>
+        </p:nvSpPr>
+        <p:spPr/>
+        <p:txBody>
+          <a:bodyPr/>
+          <a:lstStyle/>
+          <a:p>
+            <a:r>
+              <a:rPr kumimoji="1" lang="ja-JP" altLang="en-US" dirty="0"/>
+              <a:t>こちらが今回の開発環境になります。</a:t>
+            </a:r>
+            <a:endParaRPr kumimoji="1" lang="en-US" altLang="ja-JP" dirty="0"/>
+          </a:p>
+          <a:p>
+            <a:r>
+              <a:rPr kumimoji="1" lang="en-US" altLang="ja-JP" dirty="0"/>
+              <a:t>OS</a:t>
+            </a:r>
+            <a:r>
+              <a:rPr kumimoji="1" lang="ja-JP" altLang="en-US" dirty="0"/>
+              <a:t>は</a:t>
+            </a:r>
+            <a:r>
+              <a:rPr kumimoji="1" lang="en-US" altLang="ja-JP" dirty="0"/>
+              <a:t>Windows11</a:t>
+            </a:r>
+            <a:r>
+              <a:rPr kumimoji="1" lang="ja-JP" altLang="en-US" dirty="0"/>
+              <a:t>、プログラム言語は指定の</a:t>
+            </a:r>
+            <a:r>
+              <a:rPr kumimoji="1" lang="en-US" altLang="ja-JP" dirty="0"/>
+              <a:t>Java,</a:t>
+            </a:r>
+            <a:r>
+              <a:rPr kumimoji="1" lang="ja-JP" altLang="en-US" dirty="0"/>
+              <a:t>それに伴って</a:t>
+            </a:r>
+            <a:r>
+              <a:rPr kumimoji="1" lang="en-US" altLang="ja-JP" dirty="0"/>
+              <a:t>JavaScript</a:t>
+            </a:r>
+            <a:r>
+              <a:rPr kumimoji="1" lang="ja-JP" altLang="en-US" dirty="0"/>
+              <a:t>を使用し、経験を積む目的で授業では取り扱わなかった</a:t>
+            </a:r>
+            <a:r>
+              <a:rPr kumimoji="1" lang="en-US" altLang="ja-JP" dirty="0"/>
+              <a:t>Spring Boot</a:t>
+            </a:r>
+            <a:r>
+              <a:rPr kumimoji="1" lang="ja-JP" altLang="en-US" dirty="0"/>
+              <a:t>を使って開発を進めました。</a:t>
+            </a:r>
+            <a:endParaRPr kumimoji="1" lang="en-US" altLang="ja-JP" dirty="0"/>
+          </a:p>
+          <a:p>
+            <a:r>
+              <a:rPr kumimoji="1" lang="ja-JP" altLang="en-US" dirty="0"/>
+              <a:t>データベースでは、実際の開発環境に慣れるために、</a:t>
+            </a:r>
+            <a:r>
+              <a:rPr kumimoji="1" lang="en-US" altLang="ja-JP" dirty="0"/>
+              <a:t>MySQL</a:t>
+            </a:r>
+            <a:r>
+              <a:rPr kumimoji="1" lang="ja-JP" altLang="en-US" dirty="0"/>
+              <a:t>ではなく、</a:t>
+            </a:r>
+            <a:r>
+              <a:rPr kumimoji="1" lang="en-US" altLang="ja-JP" dirty="0"/>
+              <a:t>PostgreSQL</a:t>
+            </a:r>
+            <a:r>
+              <a:rPr kumimoji="1" lang="ja-JP" altLang="en-US" dirty="0"/>
+              <a:t>を使用しました。</a:t>
+            </a:r>
+            <a:endParaRPr kumimoji="1" lang="en-US" altLang="ja-JP" dirty="0"/>
+          </a:p>
+          <a:p>
+            <a:r>
+              <a:rPr kumimoji="1" lang="ja-JP" altLang="en-US" dirty="0"/>
+              <a:t>フロントエンドでは、使い慣れている</a:t>
+            </a:r>
+            <a:r>
+              <a:rPr kumimoji="1" lang="en-US" altLang="ja-JP" dirty="0"/>
+              <a:t>HTML</a:t>
+            </a:r>
+            <a:r>
+              <a:rPr kumimoji="1" lang="ja-JP" altLang="en-US" dirty="0"/>
+              <a:t>と</a:t>
+            </a:r>
+            <a:r>
+              <a:rPr kumimoji="1" lang="en-US" altLang="ja-JP" dirty="0"/>
+              <a:t>CSS</a:t>
+            </a:r>
+            <a:r>
+              <a:rPr kumimoji="1" lang="ja-JP" altLang="en-US" dirty="0"/>
+              <a:t>を選択し、これら全てを</a:t>
+            </a:r>
+            <a:r>
+              <a:rPr kumimoji="1" lang="en-US" altLang="ja-JP" dirty="0"/>
+              <a:t>Eclipse</a:t>
+            </a:r>
+            <a:r>
+              <a:rPr kumimoji="1" lang="ja-JP" altLang="en-US" dirty="0"/>
+              <a:t>を使い作業しました。</a:t>
+            </a:r>
+          </a:p>
+        </p:txBody>
+      </p:sp>
+      <p:sp>
+        <p:nvSpPr>
+          <p:cNvPr id="4" name="スライド番号プレースホルダー 3"/>
+          <p:cNvSpPr>
+            <a:spLocks noGrp="1"/>
+          </p:cNvSpPr>
+          <p:nvPr>
+            <p:ph type="sldNum" sz="quarter" idx="5"/>
+          </p:nvPr>
+        </p:nvSpPr>
+        <p:spPr/>
+        <p:txBody>
+          <a:bodyPr/>
+          <a:lstStyle/>
+          <a:p>
+            <a:fld id="{75207939-B40B-4981-87FA-F83DEAEBAF4F}" type="slidenum">
+              <a:rPr kumimoji="1" lang="ja-JP" altLang="en-US" smtClean="0"/>
+              <a:t>6</a:t>
+            </a:fld>
+            <a:endParaRPr kumimoji="1" lang="ja-JP" altLang="en-US"/>
+          </a:p>
+        </p:txBody>
+      </p:sp>
+    </p:spTree>
+    <p:extLst>
+      <p:ext uri="{BB962C8B-B14F-4D97-AF65-F5344CB8AC3E}">
+        <p14:creationId xmlns:p14="http://schemas.microsoft.com/office/powerpoint/2010/main" val="3196000324"/>
+      </p:ext>
+    </p:extLst>
+  </p:cSld>
+  <p:clrMapOvr>
+    <a:masterClrMapping/>
+  </p:clrMapOvr>
+</p:notes>
+</file>
+
+<file path=ppt/notesSlides/notesSlide7.xml><?xml version="1.0" encoding="utf-8"?>
+<p:notes xmlns:a="http://schemas.openxmlformats.org/drawingml/2006/main" xmlns:r="http://schemas.openxmlformats.org/officeDocument/2006/relationships" xmlns:p="http://schemas.openxmlformats.org/presentationml/2006/main">
+  <p:cSld>
+    <p:spTree>
+      <p:nvGrpSpPr>
+        <p:cNvPr id="1" name=""/>
+        <p:cNvGrpSpPr/>
+        <p:nvPr/>
+      </p:nvGrpSpPr>
+      <p:grpSpPr>
+        <a:xfrm>
+          <a:off x="0" y="0"/>
+          <a:ext cx="0" cy="0"/>
+          <a:chOff x="0" y="0"/>
+          <a:chExt cx="0" cy="0"/>
+        </a:xfrm>
+      </p:grpSpPr>
+      <p:sp>
+        <p:nvSpPr>
+          <p:cNvPr id="2" name="スライド イメージ プレースホルダー 1"/>
+          <p:cNvSpPr>
+            <a:spLocks noGrp="1" noRot="1" noChangeAspect="1"/>
+          </p:cNvSpPr>
+          <p:nvPr>
+            <p:ph type="sldImg"/>
+          </p:nvPr>
+        </p:nvSpPr>
+        <p:spPr/>
+      </p:sp>
+      <p:sp>
+        <p:nvSpPr>
+          <p:cNvPr id="3" name="ノート プレースホルダー 2"/>
+          <p:cNvSpPr>
+            <a:spLocks noGrp="1"/>
+          </p:cNvSpPr>
+          <p:nvPr>
+            <p:ph type="body" idx="1"/>
+          </p:nvPr>
+        </p:nvSpPr>
+        <p:spPr/>
+        <p:txBody>
+          <a:bodyPr/>
+          <a:lstStyle/>
+          <a:p>
+            <a:r>
+              <a:rPr kumimoji="1" lang="ja-JP" altLang="en-US" dirty="0"/>
+              <a:t>機能一覧です。</a:t>
+            </a:r>
+            <a:endParaRPr kumimoji="1" lang="en-US" altLang="ja-JP" dirty="0"/>
+          </a:p>
+          <a:p>
+            <a:r>
+              <a:rPr kumimoji="1" lang="ja-JP" altLang="en-US" dirty="0"/>
+              <a:t>今回の総合制作ではこれら６つの機能の実装をすることが出来ました。それぞれの機能の説明に関しては、実演の際に詳しく解説していくため、省略させていただきます。</a:t>
+            </a:r>
+          </a:p>
+        </p:txBody>
+      </p:sp>
+      <p:sp>
+        <p:nvSpPr>
+          <p:cNvPr id="4" name="スライド番号プレースホルダー 3"/>
+          <p:cNvSpPr>
+            <a:spLocks noGrp="1"/>
+          </p:cNvSpPr>
+          <p:nvPr>
+            <p:ph type="sldNum" sz="quarter" idx="5"/>
+          </p:nvPr>
+        </p:nvSpPr>
+        <p:spPr/>
+        <p:txBody>
+          <a:bodyPr/>
+          <a:lstStyle/>
+          <a:p>
+            <a:fld id="{75207939-B40B-4981-87FA-F83DEAEBAF4F}" type="slidenum">
+              <a:rPr kumimoji="1" lang="ja-JP" altLang="en-US" smtClean="0"/>
+              <a:t>7</a:t>
+            </a:fld>
+            <a:endParaRPr kumimoji="1" lang="ja-JP" altLang="en-US"/>
+          </a:p>
+        </p:txBody>
+      </p:sp>
+    </p:spTree>
+    <p:extLst>
+      <p:ext uri="{BB962C8B-B14F-4D97-AF65-F5344CB8AC3E}">
+        <p14:creationId xmlns:p14="http://schemas.microsoft.com/office/powerpoint/2010/main" val="1235815723"/>
+      </p:ext>
+    </p:extLst>
+  </p:cSld>
+  <p:clrMapOvr>
+    <a:masterClrMapping/>
+  </p:clrMapOvr>
+</p:notes>
+</file>
+
+<file path=ppt/notesSlides/notesSlide8.xml><?xml version="1.0" encoding="utf-8"?>
+<p:notes xmlns:a="http://schemas.openxmlformats.org/drawingml/2006/main" xmlns:r="http://schemas.openxmlformats.org/officeDocument/2006/relationships" xmlns:p="http://schemas.openxmlformats.org/presentationml/2006/main">
+  <p:cSld>
+    <p:spTree>
+      <p:nvGrpSpPr>
+        <p:cNvPr id="1" name=""/>
+        <p:cNvGrpSpPr/>
+        <p:nvPr/>
+      </p:nvGrpSpPr>
+      <p:grpSpPr>
+        <a:xfrm>
+          <a:off x="0" y="0"/>
+          <a:ext cx="0" cy="0"/>
+          <a:chOff x="0" y="0"/>
+          <a:chExt cx="0" cy="0"/>
+        </a:xfrm>
+      </p:grpSpPr>
+      <p:sp>
+        <p:nvSpPr>
+          <p:cNvPr id="2" name="スライド イメージ プレースホルダー 1"/>
+          <p:cNvSpPr>
+            <a:spLocks noGrp="1" noRot="1" noChangeAspect="1"/>
+          </p:cNvSpPr>
+          <p:nvPr>
+            <p:ph type="sldImg"/>
+          </p:nvPr>
+        </p:nvSpPr>
+        <p:spPr/>
+      </p:sp>
+      <p:sp>
+        <p:nvSpPr>
+          <p:cNvPr id="3" name="ノート プレースホルダー 2"/>
+          <p:cNvSpPr>
+            <a:spLocks noGrp="1"/>
+          </p:cNvSpPr>
+          <p:nvPr>
+            <p:ph type="body" idx="1"/>
+          </p:nvPr>
+        </p:nvSpPr>
+        <p:spPr/>
+        <p:txBody>
+          <a:bodyPr/>
+          <a:lstStyle/>
+          <a:p>
+            <a:r>
+              <a:rPr kumimoji="1" lang="ja-JP" altLang="en-US" dirty="0"/>
+              <a:t>それでは実演に入りたいと思います。</a:t>
+            </a:r>
+            <a:endParaRPr kumimoji="1" lang="en-US" altLang="ja-JP" dirty="0"/>
+          </a:p>
+          <a:p>
+            <a:r>
+              <a:rPr kumimoji="1" lang="ja-JP" altLang="en-US" dirty="0"/>
+              <a:t>準備のため少々お待ちください。</a:t>
+            </a:r>
+            <a:endParaRPr kumimoji="1" lang="en-US" altLang="ja-JP" dirty="0"/>
+          </a:p>
+          <a:p>
+            <a:r>
+              <a:rPr kumimoji="1" lang="ja-JP" altLang="en-US" dirty="0"/>
+              <a:t>ログイン画面の説明→新規登録の説明　ログインしてホーム画面へ</a:t>
+            </a:r>
+            <a:endParaRPr kumimoji="1" lang="en-US" altLang="ja-JP" dirty="0"/>
+          </a:p>
+          <a:p>
+            <a:r>
+              <a:rPr kumimoji="1" lang="ja-JP" altLang="en-US" dirty="0"/>
+              <a:t>ホーム画面の説明（４つのボタン、プロフィール：これらはこれから紹介する各画面にあることを説明）、プロフィール画面の説明、ランキングの説明→ランキング画面へ</a:t>
+            </a:r>
+            <a:endParaRPr kumimoji="1" lang="en-US" altLang="ja-JP" dirty="0"/>
+          </a:p>
+          <a:p>
+            <a:r>
+              <a:rPr kumimoji="1" lang="ja-JP" altLang="en-US" dirty="0"/>
+              <a:t>ランキング画面の説明（自分の順位、ボタンでランキングが切り替わる、</a:t>
+            </a:r>
+            <a:r>
+              <a:rPr kumimoji="1" lang="en-US" altLang="ja-JP" dirty="0"/>
+              <a:t>TOP50</a:t>
+            </a:r>
+            <a:r>
+              <a:rPr kumimoji="1" lang="ja-JP" altLang="en-US" dirty="0"/>
+              <a:t>までが表示、強調表示）→実績画面へ</a:t>
+            </a:r>
+            <a:endParaRPr kumimoji="1" lang="en-US" altLang="ja-JP" dirty="0"/>
+          </a:p>
+          <a:p>
+            <a:r>
+              <a:rPr kumimoji="1" lang="ja-JP" altLang="en-US" dirty="0"/>
+              <a:t>実績画面の説明（総プレイ数、メダル獲得数・消費数、現在、各ゲームのプレイ数・獲得数）所持メダルの推移のグラフ説明（七日分のデータ）→ゲームリストへ</a:t>
+            </a:r>
+            <a:endParaRPr kumimoji="1" lang="en-US" altLang="ja-JP" dirty="0"/>
+          </a:p>
+          <a:p>
+            <a:r>
+              <a:rPr kumimoji="1" lang="ja-JP" altLang="en-US" dirty="0"/>
+              <a:t>ゲームリストの説明→ハイ＆ローへ</a:t>
+            </a:r>
+            <a:endParaRPr kumimoji="1" lang="en-US" altLang="ja-JP" dirty="0"/>
+          </a:p>
+          <a:p>
+            <a:r>
+              <a:rPr kumimoji="1" lang="ja-JP" altLang="en-US" dirty="0"/>
+              <a:t>ハイ＆ローの説明（各ボタンの説明、試しに何回かプレイ）ホームに戻りログアウト→別のユーザーでログイン</a:t>
+            </a:r>
+            <a:endParaRPr kumimoji="1" lang="en-US" altLang="ja-JP" dirty="0"/>
+          </a:p>
+          <a:p>
+            <a:r>
+              <a:rPr kumimoji="1" lang="ja-JP" altLang="en-US" dirty="0"/>
+              <a:t>別のユーザーでホーム、ランキング、に遷移し表示が違うことを見せる</a:t>
+            </a:r>
+            <a:endParaRPr kumimoji="1" lang="en-US" altLang="ja-JP" dirty="0"/>
+          </a:p>
+          <a:p>
+            <a:r>
+              <a:rPr kumimoji="1" lang="ja-JP" altLang="en-US" dirty="0"/>
+              <a:t>これで実演を終わります。</a:t>
+            </a:r>
+            <a:endParaRPr kumimoji="1" lang="en-US" altLang="ja-JP" dirty="0"/>
+          </a:p>
+        </p:txBody>
+      </p:sp>
+      <p:sp>
+        <p:nvSpPr>
+          <p:cNvPr id="4" name="スライド番号プレースホルダー 3"/>
+          <p:cNvSpPr>
+            <a:spLocks noGrp="1"/>
+          </p:cNvSpPr>
+          <p:nvPr>
+            <p:ph type="sldNum" sz="quarter" idx="5"/>
+          </p:nvPr>
+        </p:nvSpPr>
+        <p:spPr/>
+        <p:txBody>
+          <a:bodyPr/>
+          <a:lstStyle/>
+          <a:p>
+            <a:fld id="{75207939-B40B-4981-87FA-F83DEAEBAF4F}" type="slidenum">
+              <a:rPr kumimoji="1" lang="ja-JP" altLang="en-US" smtClean="0"/>
+              <a:t>8</a:t>
+            </a:fld>
+            <a:endParaRPr kumimoji="1" lang="ja-JP" altLang="en-US"/>
+          </a:p>
+        </p:txBody>
+      </p:sp>
+    </p:spTree>
+    <p:extLst>
+      <p:ext uri="{BB962C8B-B14F-4D97-AF65-F5344CB8AC3E}">
+        <p14:creationId xmlns:p14="http://schemas.microsoft.com/office/powerpoint/2010/main" val="1679098933"/>
+      </p:ext>
+    </p:extLst>
+  </p:cSld>
+  <p:clrMapOvr>
+    <a:masterClrMapping/>
+  </p:clrMapOvr>
+</p:notes>
+</file>
+
+<file path=ppt/notesSlides/notesSlide9.xml><?xml version="1.0" encoding="utf-8"?>
+<p:notes xmlns:a="http://schemas.openxmlformats.org/drawingml/2006/main" xmlns:r="http://schemas.openxmlformats.org/officeDocument/2006/relationships" xmlns:p="http://schemas.openxmlformats.org/presentationml/2006/main">
+  <p:cSld>
+    <p:spTree>
+      <p:nvGrpSpPr>
+        <p:cNvPr id="1" name=""/>
+        <p:cNvGrpSpPr/>
+        <p:nvPr/>
+      </p:nvGrpSpPr>
+      <p:grpSpPr>
+        <a:xfrm>
+          <a:off x="0" y="0"/>
+          <a:ext cx="0" cy="0"/>
+          <a:chOff x="0" y="0"/>
+          <a:chExt cx="0" cy="0"/>
+        </a:xfrm>
+      </p:grpSpPr>
+      <p:sp>
+        <p:nvSpPr>
+          <p:cNvPr id="2" name="スライド イメージ プレースホルダー 1"/>
+          <p:cNvSpPr>
+            <a:spLocks noGrp="1" noRot="1" noChangeAspect="1"/>
+          </p:cNvSpPr>
+          <p:nvPr>
+            <p:ph type="sldImg"/>
+          </p:nvPr>
+        </p:nvSpPr>
+        <p:spPr/>
+      </p:sp>
+      <p:sp>
+        <p:nvSpPr>
+          <p:cNvPr id="3" name="ノート プレースホルダー 2"/>
+          <p:cNvSpPr>
+            <a:spLocks noGrp="1"/>
+          </p:cNvSpPr>
+          <p:nvPr>
+            <p:ph type="body" idx="1"/>
+          </p:nvPr>
+        </p:nvSpPr>
+        <p:spPr/>
+        <p:txBody>
+          <a:bodyPr/>
+          <a:lstStyle/>
+          <a:p>
+            <a:r>
+              <a:rPr kumimoji="1" lang="ja-JP" altLang="en-US" dirty="0"/>
+              <a:t>次にこの総合制作実習で苦労したことです</a:t>
+            </a:r>
+          </a:p>
+        </p:txBody>
+      </p:sp>
+      <p:sp>
+        <p:nvSpPr>
+          <p:cNvPr id="4" name="スライド番号プレースホルダー 3"/>
+          <p:cNvSpPr>
+            <a:spLocks noGrp="1"/>
+          </p:cNvSpPr>
+          <p:nvPr>
+            <p:ph type="sldNum" sz="quarter" idx="5"/>
+          </p:nvPr>
+        </p:nvSpPr>
+        <p:spPr/>
+        <p:txBody>
+          <a:bodyPr/>
+          <a:lstStyle/>
+          <a:p>
+            <a:fld id="{75207939-B40B-4981-87FA-F83DEAEBAF4F}" type="slidenum">
+              <a:rPr kumimoji="1" lang="ja-JP" altLang="en-US" smtClean="0"/>
+              <a:t>9</a:t>
+            </a:fld>
+            <a:endParaRPr kumimoji="1" lang="ja-JP" altLang="en-US"/>
+          </a:p>
+        </p:txBody>
+      </p:sp>
+    </p:spTree>
+    <p:extLst>
+      <p:ext uri="{BB962C8B-B14F-4D97-AF65-F5344CB8AC3E}">
+        <p14:creationId xmlns:p14="http://schemas.microsoft.com/office/powerpoint/2010/main" val="159189332"/>
+      </p:ext>
+    </p:extLst>
+  </p:cSld>
+  <p:clrMapOvr>
+    <a:masterClrMapping/>
+  </p:clrMapOvr>
+</p:notes>
+</file>
+
 <file path=ppt/slideLayouts/slideLayout1.xml><?xml version="1.0" encoding="utf-8"?>
 <p:sldLayout xmlns:a="http://schemas.openxmlformats.org/drawingml/2006/main" xmlns:r="http://schemas.openxmlformats.org/officeDocument/2006/relationships" xmlns:p="http://schemas.openxmlformats.org/presentationml/2006/main" type="title" preserve="1">
   <p:cSld name="Title Slide">
@@ -276,7 +2264,7 @@
           <a:p>
             <a:fld id="{C128FA71-3A18-48C0-980F-4B68F7F63042}" type="datetime1">
               <a:rPr lang="en-US" smtClean="0"/>
-              <a:t>2/3/2026</a:t>
+              <a:t>2/6/2026</a:t>
             </a:fld>
             <a:endParaRPr lang="en-US"/>
           </a:p>
@@ -515,7 +2503,7 @@
           <a:p>
             <a:fld id="{67F45AC6-C491-4585-A584-9CE2AF7D5500}" type="datetime1">
               <a:rPr lang="en-US" smtClean="0"/>
-              <a:t>2/3/2026</a:t>
+              <a:t>2/6/2026</a:t>
             </a:fld>
             <a:endParaRPr lang="en-US"/>
           </a:p>
@@ -1050,7 +3038,7 @@
           <p:nvPr/>
         </p:nvPicPr>
         <p:blipFill>
-          <a:blip r:embed="rId2"/>
+          <a:blip r:embed="rId3"/>
           <a:srcRect l="9091" t="12399" b="5783"/>
           <a:stretch>
             <a:fillRect/>
@@ -1463,7 +3451,7 @@
           <p:nvPr/>
         </p:nvPicPr>
         <p:blipFill>
-          <a:blip r:embed="rId2"/>
+          <a:blip r:embed="rId3"/>
           <a:srcRect l="9091" t="12399" b="5783"/>
           <a:stretch>
             <a:fillRect/>
@@ -1897,6 +3885,9 @@
   <p:clrMapOvr>
     <a:masterClrMapping/>
   </p:clrMapOvr>
+  <p:transition spd="med">
+    <p:pull/>
+  </p:transition>
 </p:sld>
 </file>
 
@@ -1938,7 +3929,7 @@
           <p:nvPr/>
         </p:nvPicPr>
         <p:blipFill>
-          <a:blip r:embed="rId2"/>
+          <a:blip r:embed="rId3"/>
           <a:srcRect l="9091" t="12399" b="5783"/>
           <a:stretch>
             <a:fillRect/>
@@ -2092,7 +4083,7 @@
             <p:nvPr/>
           </p:nvPicPr>
           <p:blipFill>
-            <a:blip r:embed="rId3">
+            <a:blip r:embed="rId4">
               <a:extLst>
                 <a:ext uri="{28A0092B-C50C-407E-A947-70E740481C1C}">
                   <a14:useLocalDpi xmlns:a14="http://schemas.microsoft.com/office/drawing/2010/main" val="0"/>
@@ -2128,7 +4119,7 @@
             <p:nvPr/>
           </p:nvPicPr>
           <p:blipFill>
-            <a:blip r:embed="rId3">
+            <a:blip r:embed="rId4">
               <a:extLst>
                 <a:ext uri="{28A0092B-C50C-407E-A947-70E740481C1C}">
                   <a14:useLocalDpi xmlns:a14="http://schemas.microsoft.com/office/drawing/2010/main" val="0"/>
@@ -2164,7 +4155,7 @@
             <p:nvPr/>
           </p:nvPicPr>
           <p:blipFill>
-            <a:blip r:embed="rId3">
+            <a:blip r:embed="rId4">
               <a:extLst>
                 <a:ext uri="{28A0092B-C50C-407E-A947-70E740481C1C}">
                   <a14:useLocalDpi xmlns:a14="http://schemas.microsoft.com/office/drawing/2010/main" val="0"/>
@@ -2186,42 +4177,6 @@
           </p:spPr>
         </p:pic>
       </p:grpSp>
-      <p:pic>
-        <p:nvPicPr>
-          <p:cNvPr id="18" name="図 17" descr="ゲームのキャラクター&#10;&#10;AI 生成コンテンツは誤りを含む可能性があります。">
-            <a:extLst>
-              <a:ext uri="{FF2B5EF4-FFF2-40B4-BE49-F238E27FC236}">
-                <a16:creationId xmlns:a16="http://schemas.microsoft.com/office/drawing/2014/main" id="{7D40A9A5-B039-6A4A-04B0-2AE4AAF97D43}"/>
-              </a:ext>
-            </a:extLst>
-          </p:cNvPr>
-          <p:cNvPicPr>
-            <a:picLocks noChangeAspect="1"/>
-          </p:cNvPicPr>
-          <p:nvPr/>
-        </p:nvPicPr>
-        <p:blipFill>
-          <a:blip r:embed="rId4">
-            <a:extLst>
-              <a:ext uri="{28A0092B-C50C-407E-A947-70E740481C1C}">
-                <a14:useLocalDpi xmlns:a14="http://schemas.microsoft.com/office/drawing/2010/main" val="0"/>
-              </a:ext>
-            </a:extLst>
-          </a:blip>
-          <a:stretch>
-            <a:fillRect/>
-          </a:stretch>
-        </p:blipFill>
-        <p:spPr>
-          <a:xfrm>
-            <a:off x="7999870" y="1878523"/>
-            <a:ext cx="1900078" cy="2759450"/>
-          </a:xfrm>
-          <a:prstGeom prst="rect">
-            <a:avLst/>
-          </a:prstGeom>
-        </p:spPr>
-      </p:pic>
       <p:sp>
         <p:nvSpPr>
           <p:cNvPr id="19" name="矢印: 右 18">
@@ -2274,6 +4229,42 @@
           </a:p>
         </p:txBody>
       </p:sp>
+      <p:pic>
+        <p:nvPicPr>
+          <p:cNvPr id="18" name="図 17" descr="ゲームのキャラクター&#10;&#10;AI 生成コンテンツは誤りを含む可能性があります。">
+            <a:extLst>
+              <a:ext uri="{FF2B5EF4-FFF2-40B4-BE49-F238E27FC236}">
+                <a16:creationId xmlns:a16="http://schemas.microsoft.com/office/drawing/2014/main" id="{7D40A9A5-B039-6A4A-04B0-2AE4AAF97D43}"/>
+              </a:ext>
+            </a:extLst>
+          </p:cNvPr>
+          <p:cNvPicPr>
+            <a:picLocks noChangeAspect="1"/>
+          </p:cNvPicPr>
+          <p:nvPr/>
+        </p:nvPicPr>
+        <p:blipFill>
+          <a:blip r:embed="rId5">
+            <a:extLst>
+              <a:ext uri="{28A0092B-C50C-407E-A947-70E740481C1C}">
+                <a14:useLocalDpi xmlns:a14="http://schemas.microsoft.com/office/drawing/2010/main" val="0"/>
+              </a:ext>
+            </a:extLst>
+          </a:blip>
+          <a:stretch>
+            <a:fillRect/>
+          </a:stretch>
+        </p:blipFill>
+        <p:spPr>
+          <a:xfrm>
+            <a:off x="7999870" y="1878523"/>
+            <a:ext cx="1900078" cy="2759450"/>
+          </a:xfrm>
+          <a:prstGeom prst="rect">
+            <a:avLst/>
+          </a:prstGeom>
+        </p:spPr>
+      </p:pic>
       <p:sp>
         <p:nvSpPr>
           <p:cNvPr id="20" name="乗算記号 19">
@@ -2288,7 +4279,7 @@
         </p:nvSpPr>
         <p:spPr>
           <a:xfrm>
-            <a:off x="7178873" y="1755809"/>
+            <a:off x="7178873" y="1772404"/>
             <a:ext cx="3542071" cy="3542071"/>
           </a:xfrm>
           <a:prstGeom prst="mathMultiply">
@@ -2321,7 +4312,7 @@
           <a:lstStyle/>
           <a:p>
             <a:pPr algn="ctr"/>
-            <a:endParaRPr kumimoji="1" lang="ja-JP" altLang="en-US"/>
+            <a:endParaRPr kumimoji="1" lang="ja-JP" altLang="en-US" dirty="0"/>
           </a:p>
         </p:txBody>
       </p:sp>
@@ -2398,6 +4389,344 @@
   <p:clrMapOvr>
     <a:masterClrMapping/>
   </p:clrMapOvr>
+  <p:timing>
+    <p:tnLst>
+      <p:par>
+        <p:cTn id="1" dur="indefinite" restart="never" nodeType="tmRoot">
+          <p:childTnLst>
+            <p:seq concurrent="1" nextAc="seek">
+              <p:cTn id="2" dur="indefinite" nodeType="mainSeq">
+                <p:childTnLst>
+                  <p:par>
+                    <p:cTn id="3" fill="hold">
+                      <p:stCondLst>
+                        <p:cond delay="indefinite"/>
+                      </p:stCondLst>
+                      <p:childTnLst>
+                        <p:par>
+                          <p:cTn id="4" fill="hold">
+                            <p:stCondLst>
+                              <p:cond delay="0"/>
+                            </p:stCondLst>
+                            <p:childTnLst>
+                              <p:par>
+                                <p:cTn id="5" presetID="10" presetClass="entr" presetSubtype="0" fill="hold" nodeType="clickEffect">
+                                  <p:stCondLst>
+                                    <p:cond delay="0"/>
+                                  </p:stCondLst>
+                                  <p:childTnLst>
+                                    <p:set>
+                                      <p:cBhvr>
+                                        <p:cTn id="6" dur="1" fill="hold">
+                                          <p:stCondLst>
+                                            <p:cond delay="0"/>
+                                          </p:stCondLst>
+                                        </p:cTn>
+                                        <p:tgtEl>
+                                          <p:spTgt spid="16"/>
+                                        </p:tgtEl>
+                                        <p:attrNameLst>
+                                          <p:attrName>style.visibility</p:attrName>
+                                        </p:attrNameLst>
+                                      </p:cBhvr>
+                                      <p:to>
+                                        <p:strVal val="visible"/>
+                                      </p:to>
+                                    </p:set>
+                                    <p:animEffect transition="in" filter="fade">
+                                      <p:cBhvr>
+                                        <p:cTn id="7" dur="500"/>
+                                        <p:tgtEl>
+                                          <p:spTgt spid="16"/>
+                                        </p:tgtEl>
+                                      </p:cBhvr>
+                                    </p:animEffect>
+                                  </p:childTnLst>
+                                </p:cTn>
+                              </p:par>
+                            </p:childTnLst>
+                          </p:cTn>
+                        </p:par>
+                      </p:childTnLst>
+                    </p:cTn>
+                  </p:par>
+                  <p:par>
+                    <p:cTn id="8" fill="hold">
+                      <p:stCondLst>
+                        <p:cond delay="indefinite"/>
+                      </p:stCondLst>
+                      <p:childTnLst>
+                        <p:par>
+                          <p:cTn id="9" fill="hold">
+                            <p:stCondLst>
+                              <p:cond delay="0"/>
+                            </p:stCondLst>
+                            <p:childTnLst>
+                              <p:par>
+                                <p:cTn id="10" presetID="10" presetClass="entr" presetSubtype="0" fill="hold" grpId="0" nodeType="clickEffect">
+                                  <p:stCondLst>
+                                    <p:cond delay="0"/>
+                                  </p:stCondLst>
+                                  <p:childTnLst>
+                                    <p:set>
+                                      <p:cBhvr>
+                                        <p:cTn id="11" dur="1" fill="hold">
+                                          <p:stCondLst>
+                                            <p:cond delay="0"/>
+                                          </p:stCondLst>
+                                        </p:cTn>
+                                        <p:tgtEl>
+                                          <p:spTgt spid="19"/>
+                                        </p:tgtEl>
+                                        <p:attrNameLst>
+                                          <p:attrName>style.visibility</p:attrName>
+                                        </p:attrNameLst>
+                                      </p:cBhvr>
+                                      <p:to>
+                                        <p:strVal val="visible"/>
+                                      </p:to>
+                                    </p:set>
+                                    <p:animEffect transition="in" filter="fade">
+                                      <p:cBhvr>
+                                        <p:cTn id="12" dur="500"/>
+                                        <p:tgtEl>
+                                          <p:spTgt spid="19"/>
+                                        </p:tgtEl>
+                                      </p:cBhvr>
+                                    </p:animEffect>
+                                  </p:childTnLst>
+                                </p:cTn>
+                              </p:par>
+                            </p:childTnLst>
+                          </p:cTn>
+                        </p:par>
+                      </p:childTnLst>
+                    </p:cTn>
+                  </p:par>
+                  <p:par>
+                    <p:cTn id="13" fill="hold">
+                      <p:stCondLst>
+                        <p:cond delay="indefinite"/>
+                      </p:stCondLst>
+                      <p:childTnLst>
+                        <p:par>
+                          <p:cTn id="14" fill="hold">
+                            <p:stCondLst>
+                              <p:cond delay="0"/>
+                            </p:stCondLst>
+                            <p:childTnLst>
+                              <p:par>
+                                <p:cTn id="15" presetID="10" presetClass="entr" presetSubtype="0" fill="hold" nodeType="clickEffect">
+                                  <p:stCondLst>
+                                    <p:cond delay="0"/>
+                                  </p:stCondLst>
+                                  <p:childTnLst>
+                                    <p:set>
+                                      <p:cBhvr>
+                                        <p:cTn id="16" dur="1" fill="hold">
+                                          <p:stCondLst>
+                                            <p:cond delay="0"/>
+                                          </p:stCondLst>
+                                        </p:cTn>
+                                        <p:tgtEl>
+                                          <p:spTgt spid="18"/>
+                                        </p:tgtEl>
+                                        <p:attrNameLst>
+                                          <p:attrName>style.visibility</p:attrName>
+                                        </p:attrNameLst>
+                                      </p:cBhvr>
+                                      <p:to>
+                                        <p:strVal val="visible"/>
+                                      </p:to>
+                                    </p:set>
+                                    <p:animEffect transition="in" filter="fade">
+                                      <p:cBhvr>
+                                        <p:cTn id="17" dur="500"/>
+                                        <p:tgtEl>
+                                          <p:spTgt spid="18"/>
+                                        </p:tgtEl>
+                                      </p:cBhvr>
+                                    </p:animEffect>
+                                  </p:childTnLst>
+                                </p:cTn>
+                              </p:par>
+                            </p:childTnLst>
+                          </p:cTn>
+                        </p:par>
+                      </p:childTnLst>
+                    </p:cTn>
+                  </p:par>
+                  <p:par>
+                    <p:cTn id="18" fill="hold">
+                      <p:stCondLst>
+                        <p:cond delay="indefinite"/>
+                      </p:stCondLst>
+                      <p:childTnLst>
+                        <p:par>
+                          <p:cTn id="19" fill="hold">
+                            <p:stCondLst>
+                              <p:cond delay="0"/>
+                            </p:stCondLst>
+                            <p:childTnLst>
+                              <p:par>
+                                <p:cTn id="20" presetID="6" presetClass="entr" presetSubtype="32" fill="hold" grpId="0" nodeType="clickEffect">
+                                  <p:stCondLst>
+                                    <p:cond delay="0"/>
+                                  </p:stCondLst>
+                                  <p:childTnLst>
+                                    <p:set>
+                                      <p:cBhvr>
+                                        <p:cTn id="21" dur="1" fill="hold">
+                                          <p:stCondLst>
+                                            <p:cond delay="0"/>
+                                          </p:stCondLst>
+                                        </p:cTn>
+                                        <p:tgtEl>
+                                          <p:spTgt spid="20"/>
+                                        </p:tgtEl>
+                                        <p:attrNameLst>
+                                          <p:attrName>style.visibility</p:attrName>
+                                        </p:attrNameLst>
+                                      </p:cBhvr>
+                                      <p:to>
+                                        <p:strVal val="visible"/>
+                                      </p:to>
+                                    </p:set>
+                                    <p:animEffect transition="in" filter="circle(out)">
+                                      <p:cBhvr>
+                                        <p:cTn id="22" dur="250"/>
+                                        <p:tgtEl>
+                                          <p:spTgt spid="20"/>
+                                        </p:tgtEl>
+                                      </p:cBhvr>
+                                    </p:animEffect>
+                                  </p:childTnLst>
+                                </p:cTn>
+                              </p:par>
+                            </p:childTnLst>
+                          </p:cTn>
+                        </p:par>
+                      </p:childTnLst>
+                    </p:cTn>
+                  </p:par>
+                  <p:par>
+                    <p:cTn id="23" fill="hold">
+                      <p:stCondLst>
+                        <p:cond delay="indefinite"/>
+                      </p:stCondLst>
+                      <p:childTnLst>
+                        <p:par>
+                          <p:cTn id="24" fill="hold">
+                            <p:stCondLst>
+                              <p:cond delay="0"/>
+                            </p:stCondLst>
+                            <p:childTnLst>
+                              <p:par>
+                                <p:cTn id="25" presetID="2" presetClass="entr" presetSubtype="4" fill="hold" grpId="0" nodeType="clickEffect">
+                                  <p:stCondLst>
+                                    <p:cond delay="0"/>
+                                  </p:stCondLst>
+                                  <p:childTnLst>
+                                    <p:set>
+                                      <p:cBhvr>
+                                        <p:cTn id="26" dur="1" fill="hold">
+                                          <p:stCondLst>
+                                            <p:cond delay="0"/>
+                                          </p:stCondLst>
+                                        </p:cTn>
+                                        <p:tgtEl>
+                                          <p:spTgt spid="21"/>
+                                        </p:tgtEl>
+                                        <p:attrNameLst>
+                                          <p:attrName>style.visibility</p:attrName>
+                                        </p:attrNameLst>
+                                      </p:cBhvr>
+                                      <p:to>
+                                        <p:strVal val="visible"/>
+                                      </p:to>
+                                    </p:set>
+                                    <p:anim calcmode="lin" valueType="num">
+                                      <p:cBhvr additive="base">
+                                        <p:cTn id="27" dur="500" fill="hold"/>
+                                        <p:tgtEl>
+                                          <p:spTgt spid="21"/>
+                                        </p:tgtEl>
+                                        <p:attrNameLst>
+                                          <p:attrName>ppt_x</p:attrName>
+                                        </p:attrNameLst>
+                                      </p:cBhvr>
+                                      <p:tavLst>
+                                        <p:tav tm="0">
+                                          <p:val>
+                                            <p:strVal val="#ppt_x"/>
+                                          </p:val>
+                                        </p:tav>
+                                        <p:tav tm="100000">
+                                          <p:val>
+                                            <p:strVal val="#ppt_x"/>
+                                          </p:val>
+                                        </p:tav>
+                                      </p:tavLst>
+                                    </p:anim>
+                                    <p:anim calcmode="lin" valueType="num">
+                                      <p:cBhvr additive="base">
+                                        <p:cTn id="28" dur="500" fill="hold"/>
+                                        <p:tgtEl>
+                                          <p:spTgt spid="21"/>
+                                        </p:tgtEl>
+                                        <p:attrNameLst>
+                                          <p:attrName>ppt_y</p:attrName>
+                                        </p:attrNameLst>
+                                      </p:cBhvr>
+                                      <p:tavLst>
+                                        <p:tav tm="0">
+                                          <p:val>
+                                            <p:strVal val="1+#ppt_h/2"/>
+                                          </p:val>
+                                        </p:tav>
+                                        <p:tav tm="100000">
+                                          <p:val>
+                                            <p:strVal val="#ppt_y"/>
+                                          </p:val>
+                                        </p:tav>
+                                      </p:tavLst>
+                                    </p:anim>
+                                  </p:childTnLst>
+                                </p:cTn>
+                              </p:par>
+                            </p:childTnLst>
+                          </p:cTn>
+                        </p:par>
+                      </p:childTnLst>
+                    </p:cTn>
+                  </p:par>
+                </p:childTnLst>
+              </p:cTn>
+              <p:prevCondLst>
+                <p:cond evt="onPrev" delay="0">
+                  <p:tgtEl>
+                    <p:sldTgt/>
+                  </p:tgtEl>
+                </p:cond>
+              </p:prevCondLst>
+              <p:nextCondLst>
+                <p:cond evt="onNext" delay="0">
+                  <p:tgtEl>
+                    <p:sldTgt/>
+                  </p:tgtEl>
+                </p:cond>
+              </p:nextCondLst>
+            </p:seq>
+          </p:childTnLst>
+        </p:cTn>
+      </p:par>
+    </p:tnLst>
+    <p:bldLst>
+      <p:bldP spid="19" grpId="0" animBg="1"/>
+      <p:bldP spid="20" grpId="0" animBg="1"/>
+      <p:bldP spid="21" grpId="0" animBg="1"/>
+    </p:bldLst>
+  </p:timing>
 </p:sld>
 </file>
 
@@ -2439,7 +4768,7 @@
           <p:nvPr/>
         </p:nvPicPr>
         <p:blipFill>
-          <a:blip r:embed="rId2"/>
+          <a:blip r:embed="rId3"/>
           <a:srcRect l="9091" t="12399" b="5783"/>
           <a:stretch>
             <a:fillRect/>
@@ -2860,6 +5189,218 @@
   <p:clrMapOvr>
     <a:masterClrMapping/>
   </p:clrMapOvr>
+  <p:timing>
+    <p:tnLst>
+      <p:par>
+        <p:cTn id="1" dur="indefinite" restart="never" nodeType="tmRoot">
+          <p:childTnLst>
+            <p:seq concurrent="1" nextAc="seek">
+              <p:cTn id="2" dur="indefinite" nodeType="mainSeq">
+                <p:childTnLst>
+                  <p:par>
+                    <p:cTn id="3" fill="hold">
+                      <p:stCondLst>
+                        <p:cond delay="indefinite"/>
+                      </p:stCondLst>
+                      <p:childTnLst>
+                        <p:par>
+                          <p:cTn id="4" fill="hold">
+                            <p:stCondLst>
+                              <p:cond delay="0"/>
+                            </p:stCondLst>
+                            <p:childTnLst>
+                              <p:par>
+                                <p:cTn id="5" presetID="10" presetClass="entr" presetSubtype="0" fill="hold" grpId="0" nodeType="clickEffect">
+                                  <p:stCondLst>
+                                    <p:cond delay="0"/>
+                                  </p:stCondLst>
+                                  <p:childTnLst>
+                                    <p:set>
+                                      <p:cBhvr>
+                                        <p:cTn id="6" dur="1" fill="hold">
+                                          <p:stCondLst>
+                                            <p:cond delay="0"/>
+                                          </p:stCondLst>
+                                        </p:cTn>
+                                        <p:tgtEl>
+                                          <p:spTgt spid="2"/>
+                                        </p:tgtEl>
+                                        <p:attrNameLst>
+                                          <p:attrName>style.visibility</p:attrName>
+                                        </p:attrNameLst>
+                                      </p:cBhvr>
+                                      <p:to>
+                                        <p:strVal val="visible"/>
+                                      </p:to>
+                                    </p:set>
+                                    <p:animEffect transition="in" filter="fade">
+                                      <p:cBhvr>
+                                        <p:cTn id="7" dur="500"/>
+                                        <p:tgtEl>
+                                          <p:spTgt spid="2"/>
+                                        </p:tgtEl>
+                                      </p:cBhvr>
+                                    </p:animEffect>
+                                  </p:childTnLst>
+                                </p:cTn>
+                              </p:par>
+                              <p:par>
+                                <p:cTn id="8" presetID="10" presetClass="entr" presetSubtype="0" fill="hold" grpId="0" nodeType="withEffect">
+                                  <p:stCondLst>
+                                    <p:cond delay="0"/>
+                                  </p:stCondLst>
+                                  <p:childTnLst>
+                                    <p:set>
+                                      <p:cBhvr>
+                                        <p:cTn id="9" dur="1" fill="hold">
+                                          <p:stCondLst>
+                                            <p:cond delay="0"/>
+                                          </p:stCondLst>
+                                        </p:cTn>
+                                        <p:tgtEl>
+                                          <p:spTgt spid="3"/>
+                                        </p:tgtEl>
+                                        <p:attrNameLst>
+                                          <p:attrName>style.visibility</p:attrName>
+                                        </p:attrNameLst>
+                                      </p:cBhvr>
+                                      <p:to>
+                                        <p:strVal val="visible"/>
+                                      </p:to>
+                                    </p:set>
+                                    <p:animEffect transition="in" filter="fade">
+                                      <p:cBhvr>
+                                        <p:cTn id="10" dur="500"/>
+                                        <p:tgtEl>
+                                          <p:spTgt spid="3"/>
+                                        </p:tgtEl>
+                                      </p:cBhvr>
+                                    </p:animEffect>
+                                  </p:childTnLst>
+                                </p:cTn>
+                              </p:par>
+                            </p:childTnLst>
+                          </p:cTn>
+                        </p:par>
+                      </p:childTnLst>
+                    </p:cTn>
+                  </p:par>
+                  <p:par>
+                    <p:cTn id="11" fill="hold">
+                      <p:stCondLst>
+                        <p:cond delay="indefinite"/>
+                      </p:stCondLst>
+                      <p:childTnLst>
+                        <p:par>
+                          <p:cTn id="12" fill="hold">
+                            <p:stCondLst>
+                              <p:cond delay="0"/>
+                            </p:stCondLst>
+                            <p:childTnLst>
+                              <p:par>
+                                <p:cTn id="13" presetID="10" presetClass="entr" presetSubtype="0" fill="hold" grpId="0" nodeType="clickEffect">
+                                  <p:stCondLst>
+                                    <p:cond delay="0"/>
+                                  </p:stCondLst>
+                                  <p:childTnLst>
+                                    <p:set>
+                                      <p:cBhvr>
+                                        <p:cTn id="14" dur="1" fill="hold">
+                                          <p:stCondLst>
+                                            <p:cond delay="0"/>
+                                          </p:stCondLst>
+                                        </p:cTn>
+                                        <p:tgtEl>
+                                          <p:spTgt spid="7"/>
+                                        </p:tgtEl>
+                                        <p:attrNameLst>
+                                          <p:attrName>style.visibility</p:attrName>
+                                        </p:attrNameLst>
+                                      </p:cBhvr>
+                                      <p:to>
+                                        <p:strVal val="visible"/>
+                                      </p:to>
+                                    </p:set>
+                                    <p:animEffect transition="in" filter="fade">
+                                      <p:cBhvr>
+                                        <p:cTn id="15" dur="500"/>
+                                        <p:tgtEl>
+                                          <p:spTgt spid="7"/>
+                                        </p:tgtEl>
+                                      </p:cBhvr>
+                                    </p:animEffect>
+                                  </p:childTnLst>
+                                </p:cTn>
+                              </p:par>
+                              <p:par>
+                                <p:cTn id="16" presetID="10" presetClass="entr" presetSubtype="0" fill="hold" grpId="0" nodeType="withEffect">
+                                  <p:stCondLst>
+                                    <p:cond delay="0"/>
+                                  </p:stCondLst>
+                                  <p:childTnLst>
+                                    <p:set>
+                                      <p:cBhvr>
+                                        <p:cTn id="17" dur="1" fill="hold">
+                                          <p:stCondLst>
+                                            <p:cond delay="0"/>
+                                          </p:stCondLst>
+                                        </p:cTn>
+                                        <p:tgtEl>
+                                          <p:spTgt spid="13"/>
+                                        </p:tgtEl>
+                                        <p:attrNameLst>
+                                          <p:attrName>style.visibility</p:attrName>
+                                        </p:attrNameLst>
+                                      </p:cBhvr>
+                                      <p:to>
+                                        <p:strVal val="visible"/>
+                                      </p:to>
+                                    </p:set>
+                                    <p:animEffect transition="in" filter="fade">
+                                      <p:cBhvr>
+                                        <p:cTn id="18" dur="500"/>
+                                        <p:tgtEl>
+                                          <p:spTgt spid="13"/>
+                                        </p:tgtEl>
+                                      </p:cBhvr>
+                                    </p:animEffect>
+                                  </p:childTnLst>
+                                </p:cTn>
+                              </p:par>
+                            </p:childTnLst>
+                          </p:cTn>
+                        </p:par>
+                      </p:childTnLst>
+                    </p:cTn>
+                  </p:par>
+                </p:childTnLst>
+              </p:cTn>
+              <p:prevCondLst>
+                <p:cond evt="onPrev" delay="0">
+                  <p:tgtEl>
+                    <p:sldTgt/>
+                  </p:tgtEl>
+                </p:cond>
+              </p:prevCondLst>
+              <p:nextCondLst>
+                <p:cond evt="onNext" delay="0">
+                  <p:tgtEl>
+                    <p:sldTgt/>
+                  </p:tgtEl>
+                </p:cond>
+              </p:nextCondLst>
+            </p:seq>
+          </p:childTnLst>
+        </p:cTn>
+      </p:par>
+    </p:tnLst>
+    <p:bldLst>
+      <p:bldP spid="2" grpId="0" animBg="1"/>
+      <p:bldP spid="3" grpId="0"/>
+      <p:bldP spid="7" grpId="0" animBg="1"/>
+      <p:bldP spid="13" grpId="0"/>
+    </p:bldLst>
+  </p:timing>
 </p:sld>
 </file>
 
@@ -2901,7 +5442,7 @@
           <p:nvPr/>
         </p:nvPicPr>
         <p:blipFill>
-          <a:blip r:embed="rId2"/>
+          <a:blip r:embed="rId3"/>
           <a:srcRect l="9091" t="12399" b="5783"/>
           <a:stretch>
             <a:fillRect/>
@@ -3026,7 +5567,7 @@
           <p:nvPr/>
         </p:nvPicPr>
         <p:blipFill>
-          <a:blip r:embed="rId2"/>
+          <a:blip r:embed="rId3"/>
           <a:srcRect l="9091" t="12399" b="5783"/>
           <a:stretch>
             <a:fillRect/>
@@ -3096,8 +5637,8 @@
         </p:nvSpPr>
         <p:spPr>
           <a:xfrm>
-            <a:off x="2213811" y="1636295"/>
-            <a:ext cx="2492990" cy="369332"/>
+            <a:off x="1199916" y="1608291"/>
+            <a:ext cx="2383986" cy="707886"/>
           </a:xfrm>
           <a:prstGeom prst="rect">
             <a:avLst/>
@@ -3111,12 +5652,219 @@
           <a:lstStyle/>
           <a:p>
             <a:r>
-              <a:rPr kumimoji="1" lang="ja-JP" altLang="en-US" dirty="0">
+              <a:rPr kumimoji="1" lang="ja-JP" altLang="en-US" sz="4000" b="1" dirty="0">
                 <a:solidFill>
                   <a:srgbClr val="FF0000"/>
                 </a:solidFill>
+                <a:latin typeface="Arial" panose="020B0604020202020204" pitchFamily="34" charset="0"/>
+                <a:cs typeface="Arial" panose="020B0604020202020204" pitchFamily="34" charset="0"/>
               </a:rPr>
-              <a:t>ショップ機能、未実装</a:t>
+              <a:t>未実装 →</a:t>
+            </a:r>
+          </a:p>
+        </p:txBody>
+      </p:sp>
+      <p:sp>
+        <p:nvSpPr>
+          <p:cNvPr id="2" name="四角形: 角を丸くする 1">
+            <a:extLst>
+              <a:ext uri="{FF2B5EF4-FFF2-40B4-BE49-F238E27FC236}">
+                <a16:creationId xmlns:a16="http://schemas.microsoft.com/office/drawing/2014/main" id="{243FAA5A-3336-9EA8-2E33-5E43D8EBD3D3}"/>
+              </a:ext>
+            </a:extLst>
+          </p:cNvPr>
+          <p:cNvSpPr/>
+          <p:nvPr/>
+        </p:nvSpPr>
+        <p:spPr>
+          <a:xfrm>
+            <a:off x="3583902" y="1608291"/>
+            <a:ext cx="6997919" cy="684628"/>
+          </a:xfrm>
+          <a:prstGeom prst="roundRect">
+            <a:avLst>
+              <a:gd name="adj" fmla="val 50000"/>
+            </a:avLst>
+          </a:prstGeom>
+          <a:solidFill>
+            <a:srgbClr val="0070C0"/>
+          </a:solidFill>
+          <a:ln>
+            <a:solidFill>
+              <a:srgbClr val="0070C0"/>
+            </a:solidFill>
+          </a:ln>
+        </p:spPr>
+        <p:style>
+          <a:lnRef idx="0">
+            <a:schemeClr val="accent1"/>
+          </a:lnRef>
+          <a:fillRef idx="3">
+            <a:schemeClr val="accent1"/>
+          </a:fillRef>
+          <a:effectRef idx="3">
+            <a:schemeClr val="accent1"/>
+          </a:effectRef>
+          <a:fontRef idx="minor">
+            <a:schemeClr val="lt1"/>
+          </a:fontRef>
+        </p:style>
+        <p:txBody>
+          <a:bodyPr rtlCol="0" anchor="ctr"/>
+          <a:lstStyle/>
+          <a:p>
+            <a:pPr algn="ctr"/>
+            <a:r>
+              <a:rPr lang="ja-JP" altLang="en-US" sz="3200" dirty="0">
+                <a:solidFill>
+                  <a:schemeClr val="bg2"/>
+                </a:solidFill>
+                <a:latin typeface="Arial" panose="020B0604020202020204" pitchFamily="34" charset="0"/>
+                <a:cs typeface="Arial" panose="020B0604020202020204" pitchFamily="34" charset="0"/>
+              </a:rPr>
+              <a:t>ショップ機能、他のゲーム機能</a:t>
+            </a:r>
+          </a:p>
+        </p:txBody>
+      </p:sp>
+      <p:sp>
+        <p:nvSpPr>
+          <p:cNvPr id="5" name="テキスト ボックス 4">
+            <a:extLst>
+              <a:ext uri="{FF2B5EF4-FFF2-40B4-BE49-F238E27FC236}">
+                <a16:creationId xmlns:a16="http://schemas.microsoft.com/office/drawing/2014/main" id="{A59EE3E0-4E3A-4C00-8716-3DB4F5D7BE37}"/>
+              </a:ext>
+            </a:extLst>
+          </p:cNvPr>
+          <p:cNvSpPr txBox="1"/>
+          <p:nvPr/>
+        </p:nvSpPr>
+        <p:spPr>
+          <a:xfrm>
+            <a:off x="1714479" y="4098085"/>
+            <a:ext cx="1869423" cy="707886"/>
+          </a:xfrm>
+          <a:prstGeom prst="rect">
+            <a:avLst/>
+          </a:prstGeom>
+          <a:noFill/>
+        </p:spPr>
+        <p:txBody>
+          <a:bodyPr wrap="none" rtlCol="0">
+            <a:spAutoFit/>
+          </a:bodyPr>
+          <a:lstStyle/>
+          <a:p>
+            <a:r>
+              <a:rPr kumimoji="1" lang="ja-JP" altLang="en-US" sz="4000" b="1" dirty="0">
+                <a:ln>
+                  <a:solidFill>
+                    <a:sysClr val="windowText" lastClr="000000"/>
+                  </a:solidFill>
+                </a:ln>
+                <a:solidFill>
+                  <a:schemeClr val="accent1">
+                    <a:lumMod val="60000"/>
+                    <a:lumOff val="40000"/>
+                  </a:schemeClr>
+                </a:solidFill>
+                <a:latin typeface="Arial" panose="020B0604020202020204" pitchFamily="34" charset="0"/>
+                <a:cs typeface="Arial" panose="020B0604020202020204" pitchFamily="34" charset="0"/>
+              </a:rPr>
+              <a:t>課題 →</a:t>
+            </a:r>
+          </a:p>
+        </p:txBody>
+      </p:sp>
+      <p:sp>
+        <p:nvSpPr>
+          <p:cNvPr id="7" name="四角形: 角を丸くする 6">
+            <a:extLst>
+              <a:ext uri="{FF2B5EF4-FFF2-40B4-BE49-F238E27FC236}">
+                <a16:creationId xmlns:a16="http://schemas.microsoft.com/office/drawing/2014/main" id="{9EB679AE-ED48-4C1F-B566-8B0A8C3ACEDA}"/>
+              </a:ext>
+            </a:extLst>
+          </p:cNvPr>
+          <p:cNvSpPr/>
+          <p:nvPr/>
+        </p:nvSpPr>
+        <p:spPr>
+          <a:xfrm>
+            <a:off x="3583901" y="3452825"/>
+            <a:ext cx="6997919" cy="1998406"/>
+          </a:xfrm>
+          <a:prstGeom prst="roundRect">
+            <a:avLst>
+              <a:gd name="adj" fmla="val 50000"/>
+            </a:avLst>
+          </a:prstGeom>
+          <a:solidFill>
+            <a:srgbClr val="0070C0"/>
+          </a:solidFill>
+          <a:ln>
+            <a:solidFill>
+              <a:srgbClr val="0070C0"/>
+            </a:solidFill>
+          </a:ln>
+        </p:spPr>
+        <p:style>
+          <a:lnRef idx="0">
+            <a:schemeClr val="accent1"/>
+          </a:lnRef>
+          <a:fillRef idx="3">
+            <a:schemeClr val="accent1"/>
+          </a:fillRef>
+          <a:effectRef idx="3">
+            <a:schemeClr val="accent1"/>
+          </a:effectRef>
+          <a:fontRef idx="minor">
+            <a:schemeClr val="lt1"/>
+          </a:fontRef>
+        </p:style>
+        <p:txBody>
+          <a:bodyPr rtlCol="0" anchor="ctr"/>
+          <a:lstStyle/>
+          <a:p>
+            <a:pPr algn="ctr"/>
+            <a:r>
+              <a:rPr lang="ja-JP" altLang="en-US" sz="3200" dirty="0">
+                <a:solidFill>
+                  <a:schemeClr val="bg2"/>
+                </a:solidFill>
+                <a:latin typeface="Arial" panose="020B0604020202020204" pitchFamily="34" charset="0"/>
+                <a:cs typeface="Arial" panose="020B0604020202020204" pitchFamily="34" charset="0"/>
+              </a:rPr>
+              <a:t>未実装機能制作</a:t>
+            </a:r>
+            <a:endParaRPr lang="en-US" altLang="ja-JP" sz="3200" dirty="0">
+              <a:solidFill>
+                <a:schemeClr val="bg2"/>
+              </a:solidFill>
+              <a:latin typeface="Arial" panose="020B0604020202020204" pitchFamily="34" charset="0"/>
+              <a:cs typeface="Arial" panose="020B0604020202020204" pitchFamily="34" charset="0"/>
+            </a:endParaRPr>
+          </a:p>
+          <a:p>
+            <a:pPr algn="ctr"/>
+            <a:endParaRPr lang="en-US" altLang="ja-JP" sz="3200" dirty="0">
+              <a:solidFill>
+                <a:schemeClr val="bg2"/>
+              </a:solidFill>
+              <a:latin typeface="Arial" panose="020B0604020202020204" pitchFamily="34" charset="0"/>
+              <a:cs typeface="Arial" panose="020B0604020202020204" pitchFamily="34" charset="0"/>
+            </a:endParaRPr>
+          </a:p>
+          <a:p>
+            <a:pPr algn="ctr"/>
+            <a:r>
+              <a:rPr lang="ja-JP" altLang="en-US" sz="3200" dirty="0">
+                <a:solidFill>
+                  <a:schemeClr val="bg2"/>
+                </a:solidFill>
+                <a:latin typeface="Arial" panose="020B0604020202020204" pitchFamily="34" charset="0"/>
+                <a:cs typeface="Arial" panose="020B0604020202020204" pitchFamily="34" charset="0"/>
+              </a:rPr>
+              <a:t>ユーザビリティを高めた設計</a:t>
             </a:r>
           </a:p>
         </p:txBody>
@@ -3131,6 +5879,435 @@
   <p:clrMapOvr>
     <a:masterClrMapping/>
   </p:clrMapOvr>
+  <p:transition spd="med">
+    <p:pull/>
+  </p:transition>
+</p:sld>
+</file>
+
+<file path=ppt/slides/slide15.xml><?xml version="1.0" encoding="utf-8"?>
+<p:sld xmlns:a="http://schemas.openxmlformats.org/drawingml/2006/main" xmlns:r="http://schemas.openxmlformats.org/officeDocument/2006/relationships" xmlns:p="http://schemas.openxmlformats.org/presentationml/2006/main">
+  <p:cSld>
+    <p:bg>
+      <p:bgPr>
+        <a:solidFill>
+          <a:schemeClr val="bg1"/>
+        </a:solidFill>
+        <a:effectLst/>
+      </p:bgPr>
+    </p:bg>
+    <p:spTree>
+      <p:nvGrpSpPr>
+        <p:cNvPr id="1" name="">
+          <a:extLst>
+            <a:ext uri="{FF2B5EF4-FFF2-40B4-BE49-F238E27FC236}">
+              <a16:creationId xmlns:a16="http://schemas.microsoft.com/office/drawing/2014/main" id="{654ADDA6-F844-6DB5-D674-17D8E715AF49}"/>
+            </a:ext>
+          </a:extLst>
+        </p:cNvPr>
+        <p:cNvGrpSpPr/>
+        <p:nvPr/>
+      </p:nvGrpSpPr>
+      <p:grpSpPr>
+        <a:xfrm>
+          <a:off x="0" y="0"/>
+          <a:ext cx="0" cy="0"/>
+          <a:chOff x="0" y="0"/>
+          <a:chExt cx="0" cy="0"/>
+        </a:xfrm>
+      </p:grpSpPr>
+      <p:sp useBgFill="1">
+        <p:nvSpPr>
+          <p:cNvPr id="11" name="Rectangle 10">
+            <a:extLst>
+              <a:ext uri="{FF2B5EF4-FFF2-40B4-BE49-F238E27FC236}">
+                <a16:creationId xmlns:a16="http://schemas.microsoft.com/office/drawing/2014/main" id="{310135D4-D3A1-4556-B91B-4A12069D4231}"/>
+              </a:ext>
+              <a:ext uri="{C183D7F6-B498-43B3-948B-1728B52AA6E4}">
+                <adec:decorative xmlns:adec="http://schemas.microsoft.com/office/drawing/2017/decorative" val="1"/>
+              </a:ext>
+            </a:extLst>
+          </p:cNvPr>
+          <p:cNvSpPr>
+            <a:spLocks noGrp="1" noRot="1" noChangeAspect="1" noMove="1" noResize="1" noEditPoints="1" noAdjustHandles="1" noChangeArrowheads="1" noChangeShapeType="1" noTextEdit="1"/>
+          </p:cNvSpPr>
+          <p:nvPr>
+            <p:extLst>
+              <p:ext uri="{386F3935-93C4-4BCD-93E2-E3B085C9AB24}">
+                <p16:designElem xmlns:p16="http://schemas.microsoft.com/office/powerpoint/2015/main" val="1"/>
+              </p:ext>
+            </p:extLst>
+          </p:nvPr>
+        </p:nvSpPr>
+        <p:spPr>
+          <a:xfrm>
+            <a:off x="0" y="0"/>
+            <a:ext cx="12192000" cy="6858000"/>
+          </a:xfrm>
+          <a:prstGeom prst="rect">
+            <a:avLst/>
+          </a:prstGeom>
+          <a:ln w="12700" cap="flat" cmpd="sng" algn="ctr">
+            <a:noFill/>
+            <a:prstDash val="solid"/>
+            <a:miter lim="800000"/>
+          </a:ln>
+          <a:effectLst/>
+          <a:extLst>
+            <a:ext uri="{91240B29-F687-4F45-9708-019B960494DF}">
+              <a14:hiddenLine xmlns:a14="http://schemas.microsoft.com/office/drawing/2010/main" w="12700" cap="flat" cmpd="sng" algn="ctr">
+                <a:solidFill>
+                  <a:schemeClr val="accent1">
+                    <a:shade val="15000"/>
+                  </a:schemeClr>
+                </a:solidFill>
+                <a:prstDash val="solid"/>
+                <a:miter lim="800000"/>
+              </a14:hiddenLine>
+            </a:ext>
+          </a:extLst>
+        </p:spPr>
+        <p:style>
+          <a:lnRef idx="2">
+            <a:schemeClr val="accent1">
+              <a:shade val="15000"/>
+            </a:schemeClr>
+          </a:lnRef>
+          <a:fillRef idx="1">
+            <a:schemeClr val="accent1"/>
+          </a:fillRef>
+          <a:effectRef idx="0">
+            <a:schemeClr val="accent1"/>
+          </a:effectRef>
+          <a:fontRef idx="minor">
+            <a:schemeClr val="lt1"/>
+          </a:fontRef>
+        </p:style>
+        <p:txBody>
+          <a:bodyPr rtlCol="0" anchor="ctr"/>
+          <a:lstStyle/>
+          <a:p>
+            <a:pPr algn="ctr"/>
+            <a:endParaRPr lang="en-US"/>
+          </a:p>
+        </p:txBody>
+      </p:sp>
+      <p:pic>
+        <p:nvPicPr>
+          <p:cNvPr id="4" name="Picture 3" descr="三角形を形成するように整列されたネオン レーザー光">
+            <a:extLst>
+              <a:ext uri="{FF2B5EF4-FFF2-40B4-BE49-F238E27FC236}">
+                <a16:creationId xmlns:a16="http://schemas.microsoft.com/office/drawing/2014/main" id="{BBB310BE-B6AF-FB36-3CC7-3F4C3B96F5A4}"/>
+              </a:ext>
+            </a:extLst>
+          </p:cNvPr>
+          <p:cNvPicPr>
+            <a:picLocks noChangeAspect="1"/>
+          </p:cNvPicPr>
+          <p:nvPr/>
+        </p:nvPicPr>
+        <p:blipFill>
+          <a:blip r:embed="rId3"/>
+          <a:srcRect t="14814" r="9091" b="3367"/>
+          <a:stretch>
+            <a:fillRect/>
+          </a:stretch>
+        </p:blipFill>
+        <p:spPr>
+          <a:xfrm>
+            <a:off x="20" y="-1"/>
+            <a:ext cx="12191980" cy="6858001"/>
+          </a:xfrm>
+          <a:prstGeom prst="rect">
+            <a:avLst/>
+          </a:prstGeom>
+        </p:spPr>
+      </p:pic>
+      <p:sp>
+        <p:nvSpPr>
+          <p:cNvPr id="13" name="Rectangle 12">
+            <a:extLst>
+              <a:ext uri="{FF2B5EF4-FFF2-40B4-BE49-F238E27FC236}">
+                <a16:creationId xmlns:a16="http://schemas.microsoft.com/office/drawing/2014/main" id="{A9CCD9CD-49AE-3D3E-923B-81ECD3FBF75F}"/>
+              </a:ext>
+              <a:ext uri="{C183D7F6-B498-43B3-948B-1728B52AA6E4}">
+                <adec:decorative xmlns:adec="http://schemas.microsoft.com/office/drawing/2017/decorative" val="1"/>
+              </a:ext>
+            </a:extLst>
+          </p:cNvPr>
+          <p:cNvSpPr>
+            <a:spLocks noGrp="1" noRot="1" noChangeAspect="1" noMove="1" noResize="1" noEditPoints="1" noAdjustHandles="1" noChangeArrowheads="1" noChangeShapeType="1" noTextEdit="1"/>
+          </p:cNvSpPr>
+          <p:nvPr>
+            <p:extLst>
+              <p:ext uri="{386F3935-93C4-4BCD-93E2-E3B085C9AB24}">
+                <p16:designElem xmlns:p16="http://schemas.microsoft.com/office/powerpoint/2015/main" val="1"/>
+              </p:ext>
+            </p:extLst>
+          </p:nvPr>
+        </p:nvSpPr>
+        <p:spPr>
+          <a:xfrm rot="5400000">
+            <a:off x="752015" y="-752015"/>
+            <a:ext cx="6858000" cy="8362030"/>
+          </a:xfrm>
+          <a:prstGeom prst="rect">
+            <a:avLst/>
+          </a:prstGeom>
+          <a:gradFill>
+            <a:gsLst>
+              <a:gs pos="0">
+                <a:srgbClr val="000000">
+                  <a:alpha val="0"/>
+                </a:srgbClr>
+              </a:gs>
+              <a:gs pos="55000">
+                <a:srgbClr val="000000">
+                  <a:alpha val="50000"/>
+                </a:srgbClr>
+              </a:gs>
+              <a:gs pos="100000">
+                <a:srgbClr val="000000">
+                  <a:alpha val="60000"/>
+                </a:srgbClr>
+              </a:gs>
+            </a:gsLst>
+            <a:lin ang="5400000" scaled="1"/>
+          </a:gradFill>
+          <a:ln>
+            <a:noFill/>
+          </a:ln>
+        </p:spPr>
+        <p:style>
+          <a:lnRef idx="2">
+            <a:schemeClr val="accent1">
+              <a:shade val="50000"/>
+            </a:schemeClr>
+          </a:lnRef>
+          <a:fillRef idx="1">
+            <a:schemeClr val="accent1"/>
+          </a:fillRef>
+          <a:effectRef idx="0">
+            <a:schemeClr val="accent1"/>
+          </a:effectRef>
+          <a:fontRef idx="minor">
+            <a:schemeClr val="lt1"/>
+          </a:fontRef>
+        </p:style>
+        <p:txBody>
+          <a:bodyPr rtlCol="0" anchor="ctr"/>
+          <a:lstStyle/>
+          <a:p>
+            <a:pPr algn="ctr"/>
+            <a:endParaRPr lang="en-US"/>
+          </a:p>
+        </p:txBody>
+      </p:sp>
+      <p:sp>
+        <p:nvSpPr>
+          <p:cNvPr id="6" name="タイトル 5">
+            <a:extLst>
+              <a:ext uri="{FF2B5EF4-FFF2-40B4-BE49-F238E27FC236}">
+                <a16:creationId xmlns:a16="http://schemas.microsoft.com/office/drawing/2014/main" id="{265C283C-188E-FE0A-1E98-B8A8DBDE9D22}"/>
+              </a:ext>
+            </a:extLst>
+          </p:cNvPr>
+          <p:cNvSpPr>
+            <a:spLocks noGrp="1"/>
+          </p:cNvSpPr>
+          <p:nvPr>
+            <p:ph type="ctrTitle"/>
+          </p:nvPr>
+        </p:nvSpPr>
+        <p:spPr>
+          <a:xfrm>
+            <a:off x="413558" y="4475480"/>
+            <a:ext cx="8842202" cy="1888742"/>
+          </a:xfrm>
+        </p:spPr>
+        <p:txBody>
+          <a:bodyPr>
+            <a:noAutofit/>
+          </a:bodyPr>
+          <a:lstStyle/>
+          <a:p>
+            <a:pPr algn="l"/>
+            <a:r>
+              <a:rPr lang="ja-JP" altLang="en-US" sz="6000" dirty="0">
+                <a:ln w="9525">
+                  <a:solidFill>
+                    <a:schemeClr val="tx1">
+                      <a:lumMod val="95000"/>
+                      <a:lumOff val="5000"/>
+                    </a:schemeClr>
+                  </a:solidFill>
+                  <a:prstDash val="solid"/>
+                </a:ln>
+                <a:solidFill>
+                  <a:srgbClr val="FFFFFF"/>
+                </a:solidFill>
+                <a:effectLst>
+                  <a:outerShdw blurRad="12700" dist="38100" dir="2700000" algn="tl" rotWithShape="0">
+                    <a:schemeClr val="bg1">
+                      <a:lumMod val="50000"/>
+                    </a:schemeClr>
+                  </a:outerShdw>
+                </a:effectLst>
+              </a:rPr>
+              <a:t>ご清聴</a:t>
+            </a:r>
+            <a:br>
+              <a:rPr lang="en-US" altLang="ja-JP" sz="6000" dirty="0">
+                <a:ln w="9525">
+                  <a:solidFill>
+                    <a:schemeClr val="tx1">
+                      <a:lumMod val="95000"/>
+                      <a:lumOff val="5000"/>
+                    </a:schemeClr>
+                  </a:solidFill>
+                  <a:prstDash val="solid"/>
+                </a:ln>
+                <a:solidFill>
+                  <a:srgbClr val="FFFFFF"/>
+                </a:solidFill>
+                <a:effectLst>
+                  <a:outerShdw blurRad="12700" dist="38100" dir="2700000" algn="tl" rotWithShape="0">
+                    <a:schemeClr val="bg1">
+                      <a:lumMod val="50000"/>
+                    </a:schemeClr>
+                  </a:outerShdw>
+                </a:effectLst>
+              </a:rPr>
+            </a:br>
+            <a:r>
+              <a:rPr lang="ja-JP" altLang="en-US" sz="6000" dirty="0">
+                <a:ln w="9525">
+                  <a:solidFill>
+                    <a:schemeClr val="tx1">
+                      <a:lumMod val="95000"/>
+                      <a:lumOff val="5000"/>
+                    </a:schemeClr>
+                  </a:solidFill>
+                  <a:prstDash val="solid"/>
+                </a:ln>
+                <a:solidFill>
+                  <a:srgbClr val="FFFFFF"/>
+                </a:solidFill>
+                <a:effectLst>
+                  <a:outerShdw blurRad="12700" dist="38100" dir="2700000" algn="tl" rotWithShape="0">
+                    <a:schemeClr val="bg1">
+                      <a:lumMod val="50000"/>
+                    </a:schemeClr>
+                  </a:outerShdw>
+                </a:effectLst>
+              </a:rPr>
+              <a:t>ありがとうございました</a:t>
+            </a:r>
+          </a:p>
+        </p:txBody>
+      </p:sp>
+    </p:spTree>
+    <p:extLst>
+      <p:ext uri="{BB962C8B-B14F-4D97-AF65-F5344CB8AC3E}">
+        <p14:creationId xmlns:p14="http://schemas.microsoft.com/office/powerpoint/2010/main" val="2345526098"/>
+      </p:ext>
+    </p:extLst>
+  </p:cSld>
+  <p:clrMapOvr>
+    <a:overrideClrMapping bg1="dk1" tx1="lt1" bg2="dk2" tx2="lt2" accent1="accent1" accent2="accent2" accent3="accent3" accent4="accent4" accent5="accent5" accent6="accent6" hlink="hlink" folHlink="folHlink"/>
+  </p:clrMapOvr>
+  <p:timing>
+    <p:tnLst>
+      <p:par>
+        <p:cTn id="1" dur="indefinite" restart="never" nodeType="tmRoot">
+          <p:childTnLst>
+            <p:seq concurrent="1" nextAc="seek">
+              <p:cTn id="2" dur="indefinite" nodeType="mainSeq">
+                <p:childTnLst>
+                  <p:par>
+                    <p:cTn id="3" fill="hold">
+                      <p:stCondLst>
+                        <p:cond delay="indefinite"/>
+                        <p:cond evt="onBegin" delay="0">
+                          <p:tn val="2"/>
+                        </p:cond>
+                      </p:stCondLst>
+                      <p:childTnLst>
+                        <p:par>
+                          <p:cTn id="4" fill="hold">
+                            <p:stCondLst>
+                              <p:cond delay="0"/>
+                            </p:stCondLst>
+                            <p:childTnLst>
+                              <p:par>
+                                <p:cTn id="5" presetID="10" presetClass="entr" presetSubtype="0" fill="hold" grpId="0" nodeType="withEffect">
+                                  <p:stCondLst>
+                                    <p:cond delay="1000"/>
+                                  </p:stCondLst>
+                                  <p:iterate type="lt">
+                                    <p:tmPct val="10000"/>
+                                  </p:iterate>
+                                  <p:childTnLst>
+                                    <p:set>
+                                      <p:cBhvr>
+                                        <p:cTn id="6" dur="1" fill="hold">
+                                          <p:stCondLst>
+                                            <p:cond delay="0"/>
+                                          </p:stCondLst>
+                                        </p:cTn>
+                                        <p:tgtEl>
+                                          <p:spTgt spid="6"/>
+                                        </p:tgtEl>
+                                        <p:attrNameLst>
+                                          <p:attrName>style.visibility</p:attrName>
+                                        </p:attrNameLst>
+                                      </p:cBhvr>
+                                      <p:to>
+                                        <p:strVal val="visible"/>
+                                      </p:to>
+                                    </p:set>
+                                    <p:animEffect transition="in" filter="fade">
+                                      <p:cBhvr>
+                                        <p:cTn id="7" dur="400"/>
+                                        <p:tgtEl>
+                                          <p:spTgt spid="6"/>
+                                        </p:tgtEl>
+                                      </p:cBhvr>
+                                    </p:animEffect>
+                                  </p:childTnLst>
+                                </p:cTn>
+                              </p:par>
+                            </p:childTnLst>
+                          </p:cTn>
+                        </p:par>
+                      </p:childTnLst>
+                    </p:cTn>
+                  </p:par>
+                </p:childTnLst>
+              </p:cTn>
+              <p:prevCondLst>
+                <p:cond evt="onPrev" delay="0">
+                  <p:tgtEl>
+                    <p:sldTgt/>
+                  </p:tgtEl>
+                </p:cond>
+              </p:prevCondLst>
+              <p:nextCondLst>
+                <p:cond evt="onNext" delay="0">
+                  <p:tgtEl>
+                    <p:sldTgt/>
+                  </p:tgtEl>
+                </p:cond>
+              </p:nextCondLst>
+            </p:seq>
+          </p:childTnLst>
+        </p:cTn>
+      </p:par>
+    </p:tnLst>
+    <p:bldLst>
+      <p:bldP spid="6" grpId="0"/>
+    </p:bldLst>
+  </p:timing>
 </p:sld>
 </file>
 
@@ -3172,7 +6349,7 @@
           <p:nvPr/>
         </p:nvPicPr>
         <p:blipFill>
-          <a:blip r:embed="rId2"/>
+          <a:blip r:embed="rId3"/>
           <a:srcRect l="9091" t="12399" b="5783"/>
           <a:stretch>
             <a:fillRect/>
@@ -4034,7 +7211,7 @@
           <p:nvPr/>
         </p:nvPicPr>
         <p:blipFill>
-          <a:blip r:embed="rId2"/>
+          <a:blip r:embed="rId3"/>
           <a:srcRect l="9091" t="12399" b="5783"/>
           <a:stretch>
             <a:fillRect/>
@@ -4159,7 +7336,7 @@
           <p:nvPr/>
         </p:nvPicPr>
         <p:blipFill>
-          <a:blip r:embed="rId2"/>
+          <a:blip r:embed="rId3"/>
           <a:srcRect l="9091" t="12399" b="5783"/>
           <a:stretch>
             <a:fillRect/>
@@ -4462,6 +7639,149 @@
   <p:clrMapOvr>
     <a:masterClrMapping/>
   </p:clrMapOvr>
+  <p:transition spd="med">
+    <p:pull/>
+  </p:transition>
+  <p:timing>
+    <p:tnLst>
+      <p:par>
+        <p:cTn id="1" dur="indefinite" restart="never" nodeType="tmRoot">
+          <p:childTnLst>
+            <p:seq concurrent="1" nextAc="seek">
+              <p:cTn id="2" dur="indefinite" nodeType="mainSeq">
+                <p:childTnLst>
+                  <p:par>
+                    <p:cTn id="3" fill="hold">
+                      <p:stCondLst>
+                        <p:cond delay="indefinite"/>
+                      </p:stCondLst>
+                      <p:childTnLst>
+                        <p:par>
+                          <p:cTn id="4" fill="hold">
+                            <p:stCondLst>
+                              <p:cond delay="0"/>
+                            </p:stCondLst>
+                            <p:childTnLst>
+                              <p:par>
+                                <p:cTn id="5" presetID="10" presetClass="entr" presetSubtype="0" fill="hold" grpId="0" nodeType="clickEffect">
+                                  <p:stCondLst>
+                                    <p:cond delay="0"/>
+                                  </p:stCondLst>
+                                  <p:childTnLst>
+                                    <p:set>
+                                      <p:cBhvr>
+                                        <p:cTn id="6" dur="1" fill="hold">
+                                          <p:stCondLst>
+                                            <p:cond delay="0"/>
+                                          </p:stCondLst>
+                                        </p:cTn>
+                                        <p:tgtEl>
+                                          <p:spTgt spid="8"/>
+                                        </p:tgtEl>
+                                        <p:attrNameLst>
+                                          <p:attrName>style.visibility</p:attrName>
+                                        </p:attrNameLst>
+                                      </p:cBhvr>
+                                      <p:to>
+                                        <p:strVal val="visible"/>
+                                      </p:to>
+                                    </p:set>
+                                    <p:animEffect transition="in" filter="fade">
+                                      <p:cBhvr>
+                                        <p:cTn id="7" dur="500"/>
+                                        <p:tgtEl>
+                                          <p:spTgt spid="8"/>
+                                        </p:tgtEl>
+                                      </p:cBhvr>
+                                    </p:animEffect>
+                                  </p:childTnLst>
+                                </p:cTn>
+                              </p:par>
+                            </p:childTnLst>
+                          </p:cTn>
+                        </p:par>
+                      </p:childTnLst>
+                    </p:cTn>
+                  </p:par>
+                  <p:par>
+                    <p:cTn id="8" fill="hold">
+                      <p:stCondLst>
+                        <p:cond delay="indefinite"/>
+                      </p:stCondLst>
+                      <p:childTnLst>
+                        <p:par>
+                          <p:cTn id="9" fill="hold">
+                            <p:stCondLst>
+                              <p:cond delay="0"/>
+                            </p:stCondLst>
+                            <p:childTnLst>
+                              <p:par>
+                                <p:cTn id="10" presetID="10" presetClass="entr" presetSubtype="0" fill="hold" grpId="0" nodeType="clickEffect">
+                                  <p:stCondLst>
+                                    <p:cond delay="0"/>
+                                  </p:stCondLst>
+                                  <p:childTnLst>
+                                    <p:set>
+                                      <p:cBhvr>
+                                        <p:cTn id="11" dur="1" fill="hold">
+                                          <p:stCondLst>
+                                            <p:cond delay="0"/>
+                                          </p:stCondLst>
+                                        </p:cTn>
+                                        <p:tgtEl>
+                                          <p:spTgt spid="9"/>
+                                        </p:tgtEl>
+                                        <p:attrNameLst>
+                                          <p:attrName>style.visibility</p:attrName>
+                                        </p:attrNameLst>
+                                      </p:cBhvr>
+                                      <p:to>
+                                        <p:strVal val="visible"/>
+                                      </p:to>
+                                    </p:set>
+                                    <p:animEffect transition="in" filter="fade">
+                                      <p:cBhvr>
+                                        <p:cTn id="12" dur="500"/>
+                                        <p:tgtEl>
+                                          <p:spTgt spid="9"/>
+                                        </p:tgtEl>
+                                      </p:cBhvr>
+                                    </p:animEffect>
+                                  </p:childTnLst>
+                                </p:cTn>
+                              </p:par>
+                            </p:childTnLst>
+                          </p:cTn>
+                        </p:par>
+                      </p:childTnLst>
+                    </p:cTn>
+                  </p:par>
+                </p:childTnLst>
+              </p:cTn>
+              <p:prevCondLst>
+                <p:cond evt="onPrev" delay="0">
+                  <p:tgtEl>
+                    <p:sldTgt/>
+                  </p:tgtEl>
+                </p:cond>
+              </p:prevCondLst>
+              <p:nextCondLst>
+                <p:cond evt="onNext" delay="0">
+                  <p:tgtEl>
+                    <p:sldTgt/>
+                  </p:tgtEl>
+                </p:cond>
+              </p:nextCondLst>
+            </p:seq>
+          </p:childTnLst>
+        </p:cTn>
+      </p:par>
+    </p:tnLst>
+    <p:bldLst>
+      <p:bldP spid="8" grpId="0" animBg="1"/>
+      <p:bldP spid="9" grpId="0" animBg="1"/>
+    </p:bldLst>
+  </p:timing>
 </p:sld>
 </file>
 
@@ -4503,7 +7823,7 @@
           <p:nvPr/>
         </p:nvPicPr>
         <p:blipFill>
-          <a:blip r:embed="rId2"/>
+          <a:blip r:embed="rId3"/>
           <a:srcRect l="9091" t="12399" b="5783"/>
           <a:stretch>
             <a:fillRect/>
@@ -4628,7 +7948,7 @@
           <p:nvPr/>
         </p:nvPicPr>
         <p:blipFill>
-          <a:blip r:embed="rId2"/>
+          <a:blip r:embed="rId3"/>
           <a:srcRect l="9091" t="12399" b="5783"/>
           <a:stretch>
             <a:fillRect/>
@@ -4947,6 +8267,9 @@
   <p:clrMapOvr>
     <a:masterClrMapping/>
   </p:clrMapOvr>
+  <p:transition spd="med">
+    <p:pull/>
+  </p:transition>
 </p:sld>
 </file>
 
@@ -4988,7 +8311,7 @@
           <p:nvPr/>
         </p:nvPicPr>
         <p:blipFill>
-          <a:blip r:embed="rId2"/>
+          <a:blip r:embed="rId3"/>
           <a:srcRect l="9091" t="12399" b="5783"/>
           <a:stretch>
             <a:fillRect/>
@@ -5452,6 +8775,272 @@
   <p:clrMapOvr>
     <a:masterClrMapping/>
   </p:clrMapOvr>
+  <p:timing>
+    <p:tnLst>
+      <p:par>
+        <p:cTn id="1" dur="indefinite" restart="never" nodeType="tmRoot">
+          <p:childTnLst>
+            <p:seq concurrent="1" nextAc="seek">
+              <p:cTn id="2" dur="indefinite" nodeType="mainSeq">
+                <p:childTnLst>
+                  <p:par>
+                    <p:cTn id="3" fill="hold">
+                      <p:stCondLst>
+                        <p:cond delay="indefinite"/>
+                      </p:stCondLst>
+                      <p:childTnLst>
+                        <p:par>
+                          <p:cTn id="4" fill="hold">
+                            <p:stCondLst>
+                              <p:cond delay="0"/>
+                            </p:stCondLst>
+                            <p:childTnLst>
+                              <p:par>
+                                <p:cTn id="5" presetID="16" presetClass="entr" presetSubtype="37" fill="hold" grpId="0" nodeType="clickEffect">
+                                  <p:stCondLst>
+                                    <p:cond delay="0"/>
+                                  </p:stCondLst>
+                                  <p:childTnLst>
+                                    <p:set>
+                                      <p:cBhvr>
+                                        <p:cTn id="6" dur="1" fill="hold">
+                                          <p:stCondLst>
+                                            <p:cond delay="0"/>
+                                          </p:stCondLst>
+                                        </p:cTn>
+                                        <p:tgtEl>
+                                          <p:spTgt spid="10"/>
+                                        </p:tgtEl>
+                                        <p:attrNameLst>
+                                          <p:attrName>style.visibility</p:attrName>
+                                        </p:attrNameLst>
+                                      </p:cBhvr>
+                                      <p:to>
+                                        <p:strVal val="visible"/>
+                                      </p:to>
+                                    </p:set>
+                                    <p:animEffect transition="in" filter="barn(outVertical)">
+                                      <p:cBhvr>
+                                        <p:cTn id="7" dur="500"/>
+                                        <p:tgtEl>
+                                          <p:spTgt spid="10"/>
+                                        </p:tgtEl>
+                                      </p:cBhvr>
+                                    </p:animEffect>
+                                  </p:childTnLst>
+                                </p:cTn>
+                              </p:par>
+                              <p:par>
+                                <p:cTn id="8" presetID="16" presetClass="entr" presetSubtype="37" fill="hold" grpId="0" nodeType="withEffect">
+                                  <p:stCondLst>
+                                    <p:cond delay="0"/>
+                                  </p:stCondLst>
+                                  <p:childTnLst>
+                                    <p:set>
+                                      <p:cBhvr>
+                                        <p:cTn id="9" dur="1" fill="hold">
+                                          <p:stCondLst>
+                                            <p:cond delay="0"/>
+                                          </p:stCondLst>
+                                        </p:cTn>
+                                        <p:tgtEl>
+                                          <p:spTgt spid="7"/>
+                                        </p:tgtEl>
+                                        <p:attrNameLst>
+                                          <p:attrName>style.visibility</p:attrName>
+                                        </p:attrNameLst>
+                                      </p:cBhvr>
+                                      <p:to>
+                                        <p:strVal val="visible"/>
+                                      </p:to>
+                                    </p:set>
+                                    <p:animEffect transition="in" filter="barn(outVertical)">
+                                      <p:cBhvr>
+                                        <p:cTn id="10" dur="500"/>
+                                        <p:tgtEl>
+                                          <p:spTgt spid="7"/>
+                                        </p:tgtEl>
+                                      </p:cBhvr>
+                                    </p:animEffect>
+                                  </p:childTnLst>
+                                </p:cTn>
+                              </p:par>
+                              <p:par>
+                                <p:cTn id="11" presetID="16" presetClass="entr" presetSubtype="37" fill="hold" grpId="0" nodeType="withEffect">
+                                  <p:stCondLst>
+                                    <p:cond delay="0"/>
+                                  </p:stCondLst>
+                                  <p:childTnLst>
+                                    <p:set>
+                                      <p:cBhvr>
+                                        <p:cTn id="12" dur="1" fill="hold">
+                                          <p:stCondLst>
+                                            <p:cond delay="0"/>
+                                          </p:stCondLst>
+                                        </p:cTn>
+                                        <p:tgtEl>
+                                          <p:spTgt spid="9"/>
+                                        </p:tgtEl>
+                                        <p:attrNameLst>
+                                          <p:attrName>style.visibility</p:attrName>
+                                        </p:attrNameLst>
+                                      </p:cBhvr>
+                                      <p:to>
+                                        <p:strVal val="visible"/>
+                                      </p:to>
+                                    </p:set>
+                                    <p:animEffect transition="in" filter="barn(outVertical)">
+                                      <p:cBhvr>
+                                        <p:cTn id="13" dur="500"/>
+                                        <p:tgtEl>
+                                          <p:spTgt spid="9"/>
+                                        </p:tgtEl>
+                                      </p:cBhvr>
+                                    </p:animEffect>
+                                  </p:childTnLst>
+                                </p:cTn>
+                              </p:par>
+                              <p:par>
+                                <p:cTn id="14" presetID="16" presetClass="entr" presetSubtype="37" fill="hold" grpId="0" nodeType="withEffect">
+                                  <p:stCondLst>
+                                    <p:cond delay="0"/>
+                                  </p:stCondLst>
+                                  <p:childTnLst>
+                                    <p:set>
+                                      <p:cBhvr>
+                                        <p:cTn id="15" dur="1" fill="hold">
+                                          <p:stCondLst>
+                                            <p:cond delay="0"/>
+                                          </p:stCondLst>
+                                        </p:cTn>
+                                        <p:tgtEl>
+                                          <p:spTgt spid="8"/>
+                                        </p:tgtEl>
+                                        <p:attrNameLst>
+                                          <p:attrName>style.visibility</p:attrName>
+                                        </p:attrNameLst>
+                                      </p:cBhvr>
+                                      <p:to>
+                                        <p:strVal val="visible"/>
+                                      </p:to>
+                                    </p:set>
+                                    <p:animEffect transition="in" filter="barn(outVertical)">
+                                      <p:cBhvr>
+                                        <p:cTn id="16" dur="500"/>
+                                        <p:tgtEl>
+                                          <p:spTgt spid="8"/>
+                                        </p:tgtEl>
+                                      </p:cBhvr>
+                                    </p:animEffect>
+                                  </p:childTnLst>
+                                </p:cTn>
+                              </p:par>
+                              <p:par>
+                                <p:cTn id="17" presetID="16" presetClass="entr" presetSubtype="37" fill="hold" grpId="0" nodeType="withEffect">
+                                  <p:stCondLst>
+                                    <p:cond delay="0"/>
+                                  </p:stCondLst>
+                                  <p:childTnLst>
+                                    <p:set>
+                                      <p:cBhvr>
+                                        <p:cTn id="18" dur="1" fill="hold">
+                                          <p:stCondLst>
+                                            <p:cond delay="0"/>
+                                          </p:stCondLst>
+                                        </p:cTn>
+                                        <p:tgtEl>
+                                          <p:spTgt spid="11"/>
+                                        </p:tgtEl>
+                                        <p:attrNameLst>
+                                          <p:attrName>style.visibility</p:attrName>
+                                        </p:attrNameLst>
+                                      </p:cBhvr>
+                                      <p:to>
+                                        <p:strVal val="visible"/>
+                                      </p:to>
+                                    </p:set>
+                                    <p:animEffect transition="in" filter="barn(outVertical)">
+                                      <p:cBhvr>
+                                        <p:cTn id="19" dur="500"/>
+                                        <p:tgtEl>
+                                          <p:spTgt spid="11"/>
+                                        </p:tgtEl>
+                                      </p:cBhvr>
+                                    </p:animEffect>
+                                  </p:childTnLst>
+                                </p:cTn>
+                              </p:par>
+                              <p:par>
+                                <p:cTn id="20" presetID="16" presetClass="entr" presetSubtype="37" fill="hold" grpId="0" nodeType="withEffect">
+                                  <p:stCondLst>
+                                    <p:cond delay="0"/>
+                                  </p:stCondLst>
+                                  <p:childTnLst>
+                                    <p:set>
+                                      <p:cBhvr>
+                                        <p:cTn id="21" dur="1" fill="hold">
+                                          <p:stCondLst>
+                                            <p:cond delay="0"/>
+                                          </p:stCondLst>
+                                        </p:cTn>
+                                        <p:tgtEl>
+                                          <p:spTgt spid="12"/>
+                                        </p:tgtEl>
+                                        <p:attrNameLst>
+                                          <p:attrName>style.visibility</p:attrName>
+                                        </p:attrNameLst>
+                                      </p:cBhvr>
+                                      <p:to>
+                                        <p:strVal val="visible"/>
+                                      </p:to>
+                                    </p:set>
+                                    <p:animEffect transition="in" filter="barn(outVertical)">
+                                      <p:cBhvr>
+                                        <p:cTn id="22" dur="500"/>
+                                        <p:tgtEl>
+                                          <p:spTgt spid="12"/>
+                                        </p:tgtEl>
+                                      </p:cBhvr>
+                                    </p:animEffect>
+                                  </p:childTnLst>
+                                </p:cTn>
+                              </p:par>
+                            </p:childTnLst>
+                          </p:cTn>
+                        </p:par>
+                      </p:childTnLst>
+                    </p:cTn>
+                  </p:par>
+                </p:childTnLst>
+              </p:cTn>
+              <p:prevCondLst>
+                <p:cond evt="onPrev" delay="0">
+                  <p:tgtEl>
+                    <p:sldTgt/>
+                  </p:tgtEl>
+                </p:cond>
+              </p:prevCondLst>
+              <p:nextCondLst>
+                <p:cond evt="onNext" delay="0">
+                  <p:tgtEl>
+                    <p:sldTgt/>
+                  </p:tgtEl>
+                </p:cond>
+              </p:nextCondLst>
+            </p:seq>
+          </p:childTnLst>
+        </p:cTn>
+      </p:par>
+    </p:tnLst>
+    <p:bldLst>
+      <p:bldP spid="7" grpId="0" animBg="1"/>
+      <p:bldP spid="8" grpId="0" animBg="1"/>
+      <p:bldP spid="9" grpId="0" animBg="1"/>
+      <p:bldP spid="10" grpId="0" animBg="1"/>
+      <p:bldP spid="11" grpId="0" animBg="1"/>
+      <p:bldP spid="12" grpId="0" animBg="1"/>
+    </p:bldLst>
+  </p:timing>
 </p:sld>
 </file>
 
@@ -5493,7 +9082,7 @@
           <p:nvPr/>
         </p:nvPicPr>
         <p:blipFill>
-          <a:blip r:embed="rId2"/>
+          <a:blip r:embed="rId3"/>
           <a:srcRect l="9091" t="12399" b="5783"/>
           <a:stretch>
             <a:fillRect/>
@@ -5618,7 +9207,7 @@
           <p:nvPr/>
         </p:nvPicPr>
         <p:blipFill>
-          <a:blip r:embed="rId2"/>
+          <a:blip r:embed="rId3"/>
           <a:srcRect l="9091" t="12399" b="5783"/>
           <a:stretch>
             <a:fillRect/>
@@ -5702,6 +9291,9 @@
   <p:clrMapOvr>
     <a:masterClrMapping/>
   </p:clrMapOvr>
+  <p:transition spd="med">
+    <p:pull/>
+  </p:transition>
 </p:sld>
 </file>
 
@@ -5904,4 +9496,319 @@
     </a:ext>
   </a:extLst>
 </a:theme>
+</file>
+
+<file path=ppt/theme/theme2.xml><?xml version="1.0" encoding="utf-8"?>
+<a:theme xmlns:a="http://schemas.openxmlformats.org/drawingml/2006/main" name="Office テーマ">
+  <a:themeElements>
+    <a:clrScheme name="Office">
+      <a:dk1>
+        <a:sysClr val="windowText" lastClr="000000"/>
+      </a:dk1>
+      <a:lt1>
+        <a:sysClr val="window" lastClr="FFFFFF"/>
+      </a:lt1>
+      <a:dk2>
+        <a:srgbClr val="0E2841"/>
+      </a:dk2>
+      <a:lt2>
+        <a:srgbClr val="E8E8E8"/>
+      </a:lt2>
+      <a:accent1>
+        <a:srgbClr val="156082"/>
+      </a:accent1>
+      <a:accent2>
+        <a:srgbClr val="E97132"/>
+      </a:accent2>
+      <a:accent3>
+        <a:srgbClr val="196B24"/>
+      </a:accent3>
+      <a:accent4>
+        <a:srgbClr val="0F9ED5"/>
+      </a:accent4>
+      <a:accent5>
+        <a:srgbClr val="A02B93"/>
+      </a:accent5>
+      <a:accent6>
+        <a:srgbClr val="4EA72E"/>
+      </a:accent6>
+      <a:hlink>
+        <a:srgbClr val="467886"/>
+      </a:hlink>
+      <a:folHlink>
+        <a:srgbClr val="96607D"/>
+      </a:folHlink>
+    </a:clrScheme>
+    <a:fontScheme name="Office">
+      <a:majorFont>
+        <a:latin typeface="游ゴシック Light" panose="02110004020202020204"/>
+        <a:ea typeface=""/>
+        <a:cs typeface=""/>
+        <a:font script="Jpan" typeface="游ゴシック Light"/>
+        <a:font script="Hang" typeface="맑은 고딕"/>
+        <a:font script="Hans" typeface="等线 Light"/>
+        <a:font script="Hant" typeface="新細明體"/>
+        <a:font script="Arab" typeface="Times New Roman"/>
+        <a:font script="Hebr" typeface="Times New Roman"/>
+        <a:font script="Thai" typeface="Angsana New"/>
+        <a:font script="Ethi" typeface="Nyala"/>
+        <a:font script="Beng" typeface="Vrinda"/>
+        <a:font script="Gujr" typeface="Shruti"/>
+        <a:font script="Khmr" typeface="MoolBoran"/>
+        <a:font script="Knda" typeface="Tunga"/>
+        <a:font script="Guru" typeface="Raavi"/>
+        <a:font script="Cans" typeface="Euphemia"/>
+        <a:font script="Cher" typeface="Plantagenet Cherokee"/>
+        <a:font script="Yiii" typeface="Microsoft Yi Baiti"/>
+        <a:font script="Tibt" typeface="Microsoft Himalaya"/>
+        <a:font script="Thaa" typeface="MV Boli"/>
+        <a:font script="Deva" typeface="Mangal"/>
+        <a:font script="Telu" typeface="Gautami"/>
+        <a:font script="Taml" typeface="Latha"/>
+        <a:font script="Syrc" typeface="Estrangelo Edessa"/>
+        <a:font script="Orya" typeface="Kalinga"/>
+        <a:font script="Mlym" typeface="Kartika"/>
+        <a:font script="Laoo" typeface="DokChampa"/>
+        <a:font script="Sinh" typeface="Iskoola Pota"/>
+        <a:font script="Mong" typeface="Mongolian Baiti"/>
+        <a:font script="Viet" typeface="Times New Roman"/>
+        <a:font script="Uigh" typeface="Microsoft Uighur"/>
+        <a:font script="Geor" typeface="Sylfaen"/>
+        <a:font script="Armn" typeface="Arial"/>
+        <a:font script="Bugi" typeface="Leelawadee UI"/>
+        <a:font script="Bopo" typeface="Microsoft JhengHei"/>
+        <a:font script="Java" typeface="Javanese Text"/>
+        <a:font script="Lisu" typeface="Segoe UI"/>
+        <a:font script="Mymr" typeface="Myanmar Text"/>
+        <a:font script="Nkoo" typeface="Ebrima"/>
+        <a:font script="Olck" typeface="Nirmala UI"/>
+        <a:font script="Osma" typeface="Ebrima"/>
+        <a:font script="Phag" typeface="Phagspa"/>
+        <a:font script="Syrn" typeface="Estrangelo Edessa"/>
+        <a:font script="Syrj" typeface="Estrangelo Edessa"/>
+        <a:font script="Syre" typeface="Estrangelo Edessa"/>
+        <a:font script="Sora" typeface="Nirmala UI"/>
+        <a:font script="Tale" typeface="Microsoft Tai Le"/>
+        <a:font script="Talu" typeface="Microsoft New Tai Lue"/>
+        <a:font script="Tfng" typeface="Ebrima"/>
+      </a:majorFont>
+      <a:minorFont>
+        <a:latin typeface="游ゴシック" panose="02110004020202020204"/>
+        <a:ea typeface=""/>
+        <a:cs typeface=""/>
+        <a:font script="Jpan" typeface="游ゴシック"/>
+        <a:font script="Hang" typeface="맑은 고딕"/>
+        <a:font script="Hans" typeface="等线"/>
+        <a:font script="Hant" typeface="新細明體"/>
+        <a:font script="Arab" typeface="Arial"/>
+        <a:font script="Hebr" typeface="Arial"/>
+        <a:font script="Thai" typeface="Cordia New"/>
+        <a:font script="Ethi" typeface="Nyala"/>
+        <a:font script="Beng" typeface="Vrinda"/>
+        <a:font script="Gujr" typeface="Shruti"/>
+        <a:font script="Khmr" typeface="DaunPenh"/>
+        <a:font script="Knda" typeface="Tunga"/>
+        <a:font script="Guru" typeface="Raavi"/>
+        <a:font script="Cans" typeface="Euphemia"/>
+        <a:font script="Cher" typeface="Plantagenet Cherokee"/>
+        <a:font script="Yiii" typeface="Microsoft Yi Baiti"/>
+        <a:font script="Tibt" typeface="Microsoft Himalaya"/>
+        <a:font script="Thaa" typeface="MV Boli"/>
+        <a:font script="Deva" typeface="Mangal"/>
+        <a:font script="Telu" typeface="Gautami"/>
+        <a:font script="Taml" typeface="Latha"/>
+        <a:font script="Syrc" typeface="Estrangelo Edessa"/>
+        <a:font script="Orya" typeface="Kalinga"/>
+        <a:font script="Mlym" typeface="Kartika"/>
+        <a:font script="Laoo" typeface="DokChampa"/>
+        <a:font script="Sinh" typeface="Iskoola Pota"/>
+        <a:font script="Mong" typeface="Mongolian Baiti"/>
+        <a:font script="Viet" typeface="Arial"/>
+        <a:font script="Uigh" typeface="Microsoft Uighur"/>
+        <a:font script="Geor" typeface="Sylfaen"/>
+        <a:font script="Armn" typeface="Arial"/>
+        <a:font script="Bugi" typeface="Leelawadee UI"/>
+        <a:font script="Bopo" typeface="Microsoft JhengHei"/>
+        <a:font script="Java" typeface="Javanese Text"/>
+        <a:font script="Lisu" typeface="Segoe UI"/>
+        <a:font script="Mymr" typeface="Myanmar Text"/>
+        <a:font script="Nkoo" typeface="Ebrima"/>
+        <a:font script="Olck" typeface="Nirmala UI"/>
+        <a:font script="Osma" typeface="Ebrima"/>
+        <a:font script="Phag" typeface="Phagspa"/>
+        <a:font script="Syrn" typeface="Estrangelo Edessa"/>
+        <a:font script="Syrj" typeface="Estrangelo Edessa"/>
+        <a:font script="Syre" typeface="Estrangelo Edessa"/>
+        <a:font script="Sora" typeface="Nirmala UI"/>
+        <a:font script="Tale" typeface="Microsoft Tai Le"/>
+        <a:font script="Talu" typeface="Microsoft New Tai Lue"/>
+        <a:font script="Tfng" typeface="Ebrima"/>
+      </a:minorFont>
+    </a:fontScheme>
+    <a:fmtScheme name="Office">
+      <a:fillStyleLst>
+        <a:solidFill>
+          <a:schemeClr val="phClr"/>
+        </a:solidFill>
+        <a:gradFill rotWithShape="1">
+          <a:gsLst>
+            <a:gs pos="0">
+              <a:schemeClr val="phClr">
+                <a:lumMod val="110000"/>
+                <a:satMod val="105000"/>
+                <a:tint val="67000"/>
+              </a:schemeClr>
+            </a:gs>
+            <a:gs pos="50000">
+              <a:schemeClr val="phClr">
+                <a:lumMod val="105000"/>
+                <a:satMod val="103000"/>
+                <a:tint val="73000"/>
+              </a:schemeClr>
+            </a:gs>
+            <a:gs pos="100000">
+              <a:schemeClr val="phClr">
+                <a:lumMod val="105000"/>
+                <a:satMod val="109000"/>
+                <a:tint val="81000"/>
+              </a:schemeClr>
+            </a:gs>
+          </a:gsLst>
+          <a:lin ang="5400000" scaled="0"/>
+        </a:gradFill>
+        <a:gradFill rotWithShape="1">
+          <a:gsLst>
+            <a:gs pos="0">
+              <a:schemeClr val="phClr">
+                <a:satMod val="103000"/>
+                <a:lumMod val="102000"/>
+                <a:tint val="94000"/>
+              </a:schemeClr>
+            </a:gs>
+            <a:gs pos="50000">
+              <a:schemeClr val="phClr">
+                <a:satMod val="110000"/>
+                <a:lumMod val="100000"/>
+                <a:shade val="100000"/>
+              </a:schemeClr>
+            </a:gs>
+            <a:gs pos="100000">
+              <a:schemeClr val="phClr">
+                <a:lumMod val="99000"/>
+                <a:satMod val="120000"/>
+                <a:shade val="78000"/>
+              </a:schemeClr>
+            </a:gs>
+          </a:gsLst>
+          <a:lin ang="5400000" scaled="0"/>
+        </a:gradFill>
+      </a:fillStyleLst>
+      <a:lnStyleLst>
+        <a:ln w="12700" cap="flat" cmpd="sng" algn="ctr">
+          <a:solidFill>
+            <a:schemeClr val="phClr"/>
+          </a:solidFill>
+          <a:prstDash val="solid"/>
+          <a:miter lim="800000"/>
+        </a:ln>
+        <a:ln w="19050" cap="flat" cmpd="sng" algn="ctr">
+          <a:solidFill>
+            <a:schemeClr val="phClr"/>
+          </a:solidFill>
+          <a:prstDash val="solid"/>
+          <a:miter lim="800000"/>
+        </a:ln>
+        <a:ln w="25400" cap="flat" cmpd="sng" algn="ctr">
+          <a:solidFill>
+            <a:schemeClr val="phClr"/>
+          </a:solidFill>
+          <a:prstDash val="solid"/>
+          <a:miter lim="800000"/>
+        </a:ln>
+      </a:lnStyleLst>
+      <a:effectStyleLst>
+        <a:effectStyle>
+          <a:effectLst/>
+        </a:effectStyle>
+        <a:effectStyle>
+          <a:effectLst/>
+        </a:effectStyle>
+        <a:effectStyle>
+          <a:effectLst>
+            <a:outerShdw blurRad="57150" dist="19050" dir="5400000" algn="ctr" rotWithShape="0">
+              <a:srgbClr val="000000">
+                <a:alpha val="63000"/>
+              </a:srgbClr>
+            </a:outerShdw>
+          </a:effectLst>
+        </a:effectStyle>
+      </a:effectStyleLst>
+      <a:bgFillStyleLst>
+        <a:solidFill>
+          <a:schemeClr val="phClr"/>
+        </a:solidFill>
+        <a:solidFill>
+          <a:schemeClr val="phClr">
+            <a:tint val="95000"/>
+            <a:satMod val="170000"/>
+          </a:schemeClr>
+        </a:solidFill>
+        <a:gradFill rotWithShape="1">
+          <a:gsLst>
+            <a:gs pos="0">
+              <a:schemeClr val="phClr">
+                <a:tint val="93000"/>
+                <a:satMod val="150000"/>
+                <a:shade val="98000"/>
+                <a:lumMod val="102000"/>
+              </a:schemeClr>
+            </a:gs>
+            <a:gs pos="50000">
+              <a:schemeClr val="phClr">
+                <a:tint val="98000"/>
+                <a:satMod val="130000"/>
+                <a:shade val="90000"/>
+                <a:lumMod val="103000"/>
+              </a:schemeClr>
+            </a:gs>
+            <a:gs pos="100000">
+              <a:schemeClr val="phClr">
+                <a:shade val="63000"/>
+                <a:satMod val="120000"/>
+              </a:schemeClr>
+            </a:gs>
+          </a:gsLst>
+          <a:lin ang="5400000" scaled="0"/>
+        </a:gradFill>
+      </a:bgFillStyleLst>
+    </a:fmtScheme>
+  </a:themeElements>
+  <a:objectDefaults>
+    <a:lnDef>
+      <a:spPr/>
+      <a:bodyPr/>
+      <a:lstStyle/>
+      <a:style>
+        <a:lnRef idx="2">
+          <a:schemeClr val="accent1"/>
+        </a:lnRef>
+        <a:fillRef idx="0">
+          <a:schemeClr val="accent1"/>
+        </a:fillRef>
+        <a:effectRef idx="1">
+          <a:schemeClr val="accent1"/>
+        </a:effectRef>
+        <a:fontRef idx="minor">
+          <a:schemeClr val="tx1"/>
+        </a:fontRef>
+      </a:style>
+    </a:lnDef>
+  </a:objectDefaults>
+  <a:extraClrSchemeLst/>
+  <a:extLst>
+    <a:ext uri="{05A4C25C-085E-4340-85A3-A5531E510DB2}">
+      <thm15:themeFamily xmlns:thm15="http://schemas.microsoft.com/office/thememl/2012/main" name="Office Theme" id="{2E142A2C-CD16-42D6-873A-C26D2A0506FA}" vid="{1BDDFF52-6CD6-40A5-AB3C-68EB2F1E4D0A}"/>
+    </a:ext>
+  </a:extLst>
+</a:theme>
 </file>
--- a/総合制作実習.pptx
+++ b/総合制作実習.pptx
@@ -5,7 +5,7 @@
     <p:sldMasterId id="2147483711" r:id="rId1"/>
   </p:sldMasterIdLst>
   <p:notesMasterIdLst>
-    <p:notesMasterId r:id="rId17"/>
+    <p:notesMasterId r:id="rId18"/>
   </p:notesMasterIdLst>
   <p:sldIdLst>
     <p:sldId id="256" r:id="rId2"/>
@@ -21,8 +21,9 @@
     <p:sldId id="267" r:id="rId12"/>
     <p:sldId id="268" r:id="rId13"/>
     <p:sldId id="269" r:id="rId14"/>
-    <p:sldId id="263" r:id="rId15"/>
-    <p:sldId id="270" r:id="rId16"/>
+    <p:sldId id="271" r:id="rId15"/>
+    <p:sldId id="263" r:id="rId16"/>
+    <p:sldId id="270" r:id="rId17"/>
   </p:sldIdLst>
   <p:sldSz cx="12192000" cy="6858000"/>
   <p:notesSz cx="6858000" cy="9144000"/>
@@ -211,7 +212,7 @@
           <a:p>
             <a:fld id="{0B41E0E2-D515-4273-ACE1-17880E9112E3}" type="datetimeFigureOut">
               <a:rPr kumimoji="1" lang="ja-JP" altLang="en-US" smtClean="0"/>
-              <a:t>2026/2/6</a:t>
+              <a:t>2026/2/13</a:t>
             </a:fld>
             <a:endParaRPr kumimoji="1" lang="ja-JP" altLang="en-US"/>
           </a:p>
@@ -681,10 +682,9 @@
               <a:t>Low</a:t>
             </a:r>
             <a:r>
-              <a:rPr kumimoji="1" lang="ja-JP" altLang="en-US"/>
-              <a:t>のゲームロジックを作成している最中はこの苦労がありました。</a:t>
-            </a:r>
-            <a:endParaRPr kumimoji="1" lang="ja-JP" altLang="en-US" dirty="0"/>
+              <a:rPr kumimoji="1" lang="ja-JP" altLang="en-US" dirty="0"/>
+              <a:t>のゲームロジックを作成している最中にこのようなことがあり大変でした。</a:t>
+            </a:r>
           </a:p>
         </p:txBody>
       </p:sp>
@@ -777,14 +777,14 @@
           <a:p>
             <a:r>
               <a:rPr kumimoji="1" lang="ja-JP" altLang="en-US" dirty="0"/>
-              <a:t>一度作業に集中すると、そのままの勢いで多くの処理や機能、のコードを作成してしまうことがありました。</a:t>
+              <a:t>一度作業に集中すると、そのままの勢いで多くの処理や機能、の実装を進めてしまうことがありました。</a:t>
             </a:r>
             <a:endParaRPr kumimoji="1" lang="en-US" altLang="ja-JP" dirty="0"/>
           </a:p>
           <a:p>
             <a:r>
               <a:rPr kumimoji="1" lang="ja-JP" altLang="en-US" dirty="0"/>
-              <a:t>その後、エラーが何も発生しなければ大丈夫なのですが、もしもエラーが発生した場合、どの部分の実装をした際に起きているエラーなのかが分かりづらく、修正に時間が掛かってしまいます。</a:t>
+              <a:t>その後のテストで、エラーが何も発生しなければ次の作業に進めることができるのですが、もしもエラーが発生した場合、どの部分の実装をした際に発生しているエラーなのかが分かりづらく、修正に時間が掛かってしまいます。</a:t>
             </a:r>
             <a:endParaRPr kumimoji="1" lang="en-US" altLang="ja-JP" dirty="0"/>
           </a:p>
@@ -892,7 +892,7 @@
           <a:p>
             <a:r>
               <a:rPr kumimoji="1" lang="ja-JP" altLang="en-US" dirty="0"/>
-              <a:t>また、実績画面でグラフを作成するために必要なデータを、集計する方法も、集計したデータをどういう風に画面に表示させたいのかをまとめれていなかったため、後から複数案が生じ、どの方法にするかを決めるのに手間取ってしまいました。</a:t>
+              <a:t>また、実績画面でグラフを作成するために必要なデータを、集計する方法も、集計したデータをどういう風に画面に表示させたいのかを自分自身でまとめきれていなかったため、後から複数案が生じ、どの方法にするかを決めるのに手間取ってしまいました。</a:t>
             </a:r>
           </a:p>
         </p:txBody>
@@ -1026,7 +1026,13 @@
   <p:cSld>
     <p:spTree>
       <p:nvGrpSpPr>
-        <p:cNvPr id="1" name=""/>
+        <p:cNvPr id="1" name="">
+          <a:extLst>
+            <a:ext uri="{FF2B5EF4-FFF2-40B4-BE49-F238E27FC236}">
+              <a16:creationId xmlns:a16="http://schemas.microsoft.com/office/drawing/2014/main" id="{226C76EF-D43F-DB26-8DE8-17A0609E7AF2}"/>
+            </a:ext>
+          </a:extLst>
+        </p:cNvPr>
         <p:cNvGrpSpPr/>
         <p:nvPr/>
       </p:nvGrpSpPr>
@@ -1040,7 +1046,13 @@
       </p:grpSpPr>
       <p:sp>
         <p:nvSpPr>
-          <p:cNvPr id="2" name="スライド イメージ プレースホルダー 1"/>
+          <p:cNvPr id="2" name="スライド イメージ プレースホルダー 1">
+            <a:extLst>
+              <a:ext uri="{FF2B5EF4-FFF2-40B4-BE49-F238E27FC236}">
+                <a16:creationId xmlns:a16="http://schemas.microsoft.com/office/drawing/2014/main" id="{315906EF-074F-71AA-2F84-B2B8FA241C7E}"/>
+              </a:ext>
+            </a:extLst>
+          </p:cNvPr>
           <p:cNvSpPr>
             <a:spLocks noGrp="1" noRot="1" noChangeAspect="1"/>
           </p:cNvSpPr>
@@ -1052,7 +1064,13 @@
       </p:sp>
       <p:sp>
         <p:nvSpPr>
-          <p:cNvPr id="3" name="ノート プレースホルダー 2"/>
+          <p:cNvPr id="3" name="ノート プレースホルダー 2">
+            <a:extLst>
+              <a:ext uri="{FF2B5EF4-FFF2-40B4-BE49-F238E27FC236}">
+                <a16:creationId xmlns:a16="http://schemas.microsoft.com/office/drawing/2014/main" id="{872A720F-B1A5-8086-C312-C41F5602B1F5}"/>
+              </a:ext>
+            </a:extLst>
+          </p:cNvPr>
           <p:cNvSpPr>
             <a:spLocks noGrp="1"/>
           </p:cNvSpPr>
@@ -1067,14 +1085,52 @@
           <a:p>
             <a:r>
               <a:rPr kumimoji="1" lang="ja-JP" altLang="en-US" dirty="0"/>
-              <a:t>今回、ショップ機能や、その他のゲームは未実装になってしまいましたが、メダルサイトとして自分が想定していた機能を一通り実装することができました。今後の課題として、未実装機能の制作、ユーザーが使いやすいと思えるような、ユーザビリティを高めた設定を課題としたいです</a:t>
-            </a:r>
+              <a:t>今回の総合制作実習で初めて本格的に触れた技術です。これら</a:t>
+            </a:r>
+            <a:r>
+              <a:rPr kumimoji="1" lang="en-US" altLang="ja-JP" dirty="0"/>
+              <a:t>4</a:t>
+            </a:r>
+            <a:r>
+              <a:rPr kumimoji="1" lang="ja-JP" altLang="en-US" dirty="0"/>
+              <a:t>つは、まず使い方を調べるところから始めました。授業で取り扱っていない技術を使い制作を進めるのは難しかったですが、今では応用はできずとも使用可能なレベルには向上したと思います。</a:t>
+            </a:r>
+            <a:endParaRPr kumimoji="1" lang="en-US" altLang="ja-JP" dirty="0"/>
+          </a:p>
+          <a:p>
+            <a:r>
+              <a:rPr kumimoji="1" lang="ja-JP" altLang="en-US" dirty="0"/>
+              <a:t>また本実習</a:t>
+            </a:r>
+            <a:r>
+              <a:rPr kumimoji="1" lang="ja-JP" altLang="en-US"/>
+              <a:t>で能力が向上した</a:t>
+            </a:r>
+            <a:r>
+              <a:rPr kumimoji="1" lang="ja-JP" altLang="en-US" dirty="0"/>
+              <a:t>技術です。先ほどの技術は覚えることや、調べながら使用すること、に時間を使っていましたが、これらの技術は自分が</a:t>
+            </a:r>
+            <a:r>
+              <a:rPr kumimoji="1" lang="ja-JP" altLang="en-US"/>
+              <a:t>作りたいもの、の</a:t>
+            </a:r>
+            <a:r>
+              <a:rPr kumimoji="1" lang="ja-JP" altLang="en-US" dirty="0"/>
+              <a:t>理想に近づけるために時間を使うことができた為、イメージをある程度は実現できるレベルにまで能力が向上したと思います。</a:t>
+            </a:r>
+            <a:endParaRPr kumimoji="1" lang="en-US" altLang="ja-JP" dirty="0"/>
           </a:p>
         </p:txBody>
       </p:sp>
       <p:sp>
         <p:nvSpPr>
-          <p:cNvPr id="4" name="スライド番号プレースホルダー 3"/>
+          <p:cNvPr id="4" name="スライド番号プレースホルダー 3">
+            <a:extLst>
+              <a:ext uri="{FF2B5EF4-FFF2-40B4-BE49-F238E27FC236}">
+                <a16:creationId xmlns:a16="http://schemas.microsoft.com/office/drawing/2014/main" id="{05A3E630-7A84-6399-F2BB-AB26215DDDA0}"/>
+              </a:ext>
+            </a:extLst>
+          </p:cNvPr>
           <p:cNvSpPr>
             <a:spLocks noGrp="1"/>
           </p:cNvSpPr>
@@ -1098,7 +1154,7 @@
     </p:spTree>
     <p:extLst>
       <p:ext uri="{BB962C8B-B14F-4D97-AF65-F5344CB8AC3E}">
-        <p14:creationId xmlns:p14="http://schemas.microsoft.com/office/powerpoint/2010/main" val="1926591893"/>
+        <p14:creationId xmlns:p14="http://schemas.microsoft.com/office/powerpoint/2010/main" val="2334870464"/>
       </p:ext>
     </p:extLst>
   </p:cSld>
@@ -1154,14 +1210,7 @@
           <a:p>
             <a:r>
               <a:rPr kumimoji="1" lang="ja-JP" altLang="en-US" dirty="0"/>
-              <a:t>最後に今回の総合制作実習を行うにあたり、株式会社プレシードの鈴木様、清水様、金指様、望月様、たくさんのご教授をいただき誠にありがとうございました。今回の実習で学んだ技術を活かし、今後の技術発展に向けて精進していきます。</a:t>
-            </a:r>
-            <a:endParaRPr kumimoji="1" lang="en-US" altLang="ja-JP" dirty="0"/>
-          </a:p>
-          <a:p>
-            <a:r>
-              <a:rPr kumimoji="1" lang="ja-JP" altLang="en-US" dirty="0"/>
-              <a:t>ご清聴ありがとうございました</a:t>
+              <a:t>また、ショップ機能や、その他のゲームは未実装になってしまいましたが、メダルサイトとして自分が想定していた機能を一通り実装することができました。今後の課題として、未実装機能の制作、ユーザーが使いやすいと思えるような、ユーザビリティを高めた設定を課題としたいです</a:t>
             </a:r>
           </a:p>
         </p:txBody>
@@ -1184,6 +1233,100 @@
             <a:fld id="{75207939-B40B-4981-87FA-F83DEAEBAF4F}" type="slidenum">
               <a:rPr kumimoji="1" lang="ja-JP" altLang="en-US" smtClean="0"/>
               <a:t>15</a:t>
+            </a:fld>
+            <a:endParaRPr kumimoji="1" lang="ja-JP" altLang="en-US"/>
+          </a:p>
+        </p:txBody>
+      </p:sp>
+    </p:spTree>
+    <p:extLst>
+      <p:ext uri="{BB962C8B-B14F-4D97-AF65-F5344CB8AC3E}">
+        <p14:creationId xmlns:p14="http://schemas.microsoft.com/office/powerpoint/2010/main" val="1926591893"/>
+      </p:ext>
+    </p:extLst>
+  </p:cSld>
+  <p:clrMapOvr>
+    <a:masterClrMapping/>
+  </p:clrMapOvr>
+</p:notes>
+</file>
+
+<file path=ppt/notesSlides/notesSlide16.xml><?xml version="1.0" encoding="utf-8"?>
+<p:notes xmlns:a="http://schemas.openxmlformats.org/drawingml/2006/main" xmlns:r="http://schemas.openxmlformats.org/officeDocument/2006/relationships" xmlns:p="http://schemas.openxmlformats.org/presentationml/2006/main">
+  <p:cSld>
+    <p:spTree>
+      <p:nvGrpSpPr>
+        <p:cNvPr id="1" name=""/>
+        <p:cNvGrpSpPr/>
+        <p:nvPr/>
+      </p:nvGrpSpPr>
+      <p:grpSpPr>
+        <a:xfrm>
+          <a:off x="0" y="0"/>
+          <a:ext cx="0" cy="0"/>
+          <a:chOff x="0" y="0"/>
+          <a:chExt cx="0" cy="0"/>
+        </a:xfrm>
+      </p:grpSpPr>
+      <p:sp>
+        <p:nvSpPr>
+          <p:cNvPr id="2" name="スライド イメージ プレースホルダー 1"/>
+          <p:cNvSpPr>
+            <a:spLocks noGrp="1" noRot="1" noChangeAspect="1"/>
+          </p:cNvSpPr>
+          <p:nvPr>
+            <p:ph type="sldImg"/>
+          </p:nvPr>
+        </p:nvSpPr>
+        <p:spPr/>
+      </p:sp>
+      <p:sp>
+        <p:nvSpPr>
+          <p:cNvPr id="3" name="ノート プレースホルダー 2"/>
+          <p:cNvSpPr>
+            <a:spLocks noGrp="1"/>
+          </p:cNvSpPr>
+          <p:nvPr>
+            <p:ph type="body" idx="1"/>
+          </p:nvPr>
+        </p:nvSpPr>
+        <p:spPr/>
+        <p:txBody>
+          <a:bodyPr/>
+          <a:lstStyle/>
+          <a:p>
+            <a:r>
+              <a:rPr kumimoji="1" lang="ja-JP" altLang="en-US" dirty="0"/>
+              <a:t>最後に今回の総合制作実習を行うにあたり、株式会社プレシードの鈴木様、清水様、金指様、望月様、たくさんのご教授をいただき誠にありがとうございました。今回の実習で学んだ技術を活かし、今後の技術発展に向けて精進していきます。</a:t>
+            </a:r>
+            <a:endParaRPr kumimoji="1" lang="en-US" altLang="ja-JP" dirty="0"/>
+          </a:p>
+          <a:p>
+            <a:r>
+              <a:rPr kumimoji="1" lang="ja-JP" altLang="en-US" dirty="0"/>
+              <a:t>ご清聴ありがとうございました</a:t>
+            </a:r>
+          </a:p>
+        </p:txBody>
+      </p:sp>
+      <p:sp>
+        <p:nvSpPr>
+          <p:cNvPr id="4" name="スライド番号プレースホルダー 3"/>
+          <p:cNvSpPr>
+            <a:spLocks noGrp="1"/>
+          </p:cNvSpPr>
+          <p:nvPr>
+            <p:ph type="sldNum" sz="quarter" idx="5"/>
+          </p:nvPr>
+        </p:nvSpPr>
+        <p:spPr/>
+        <p:txBody>
+          <a:bodyPr/>
+          <a:lstStyle/>
+          <a:p>
+            <a:fld id="{75207939-B40B-4981-87FA-F83DEAEBAF4F}" type="slidenum">
+              <a:rPr kumimoji="1" lang="ja-JP" altLang="en-US" smtClean="0"/>
+              <a:t>16</a:t>
             </a:fld>
             <a:endParaRPr kumimoji="1" lang="ja-JP" altLang="en-US"/>
           </a:p>
@@ -1430,7 +1573,7 @@
           <a:p>
             <a:r>
               <a:rPr kumimoji="1" lang="ja-JP" altLang="en-US" dirty="0"/>
-              <a:t>趣味であるゲームに関係するものを作成しようと考えた時、メダルをいくつ集めれるかや、スコアを競うゲームサイトはよくありますが、集めたメダルを使って交換ができるようなサイトはあまりないなと感じ、このサイトを作成しました。</a:t>
+              <a:t>趣味であるゲームに関係するものを作成しようと考えた時、集めたメダルの枚数や、そのスコアを競うゲームサイトはよくありますが、集めたメダルを使って交換ができるようなサイトはあまりないなと感じ、このサイトを作成しました。</a:t>
             </a:r>
             <a:endParaRPr kumimoji="1" lang="en-US" altLang="ja-JP" dirty="0"/>
           </a:p>
@@ -1452,7 +1595,7 @@
             </a:r>
             <a:r>
               <a:rPr kumimoji="1" lang="ja-JP" altLang="en-US" dirty="0"/>
-              <a:t>を使う指定がされていたので、実際の開発で使用される</a:t>
+              <a:t>を使うよう指定がされていたので、実際の開発で使用される</a:t>
             </a:r>
             <a:r>
               <a:rPr kumimoji="1" lang="en-US" altLang="ja-JP" dirty="0"/>
@@ -1708,7 +1851,7 @@
           <a:p>
             <a:r>
               <a:rPr kumimoji="1" lang="ja-JP" altLang="en-US" dirty="0"/>
-              <a:t>フロントエンドでは、使い慣れている</a:t>
+              <a:t>フロントエンドでは、授業内でも使用し、使い慣れている</a:t>
             </a:r>
             <a:r>
               <a:rPr kumimoji="1" lang="en-US" altLang="ja-JP" dirty="0"/>
@@ -2264,7 +2407,7 @@
           <a:p>
             <a:fld id="{C128FA71-3A18-48C0-980F-4B68F7F63042}" type="datetime1">
               <a:rPr lang="en-US" smtClean="0"/>
-              <a:t>2/6/2026</a:t>
+              <a:t>2/13/2026</a:t>
             </a:fld>
             <a:endParaRPr lang="en-US"/>
           </a:p>
@@ -2503,7 +2646,7 @@
           <a:p>
             <a:fld id="{67F45AC6-C491-4585-A584-9CE2AF7D5500}" type="datetime1">
               <a:rPr lang="en-US" smtClean="0"/>
-              <a:t>2/6/2026</a:t>
+              <a:t>2/13/2026</a:t>
             </a:fld>
             <a:endParaRPr lang="en-US"/>
           </a:p>
@@ -5537,6 +5680,953 @@
         <p:cNvPr id="1" name="">
           <a:extLst>
             <a:ext uri="{FF2B5EF4-FFF2-40B4-BE49-F238E27FC236}">
+              <a16:creationId xmlns:a16="http://schemas.microsoft.com/office/drawing/2014/main" id="{D58C88AB-D650-D8EF-4756-A11BD2B8E669}"/>
+            </a:ext>
+          </a:extLst>
+        </p:cNvPr>
+        <p:cNvGrpSpPr/>
+        <p:nvPr/>
+      </p:nvGrpSpPr>
+      <p:grpSpPr>
+        <a:xfrm>
+          <a:off x="0" y="0"/>
+          <a:ext cx="0" cy="0"/>
+          <a:chOff x="0" y="0"/>
+          <a:chExt cx="0" cy="0"/>
+        </a:xfrm>
+      </p:grpSpPr>
+      <p:pic>
+        <p:nvPicPr>
+          <p:cNvPr id="4" name="Picture 3" descr="三角形を形成するように整列されたネオン レーザー光">
+            <a:extLst>
+              <a:ext uri="{FF2B5EF4-FFF2-40B4-BE49-F238E27FC236}">
+                <a16:creationId xmlns:a16="http://schemas.microsoft.com/office/drawing/2014/main" id="{896A4530-05B3-26BF-CF8C-DA1E2053D149}"/>
+              </a:ext>
+            </a:extLst>
+          </p:cNvPr>
+          <p:cNvPicPr>
+            <a:picLocks noChangeAspect="1"/>
+          </p:cNvPicPr>
+          <p:nvPr/>
+        </p:nvPicPr>
+        <p:blipFill>
+          <a:blip r:embed="rId3"/>
+          <a:srcRect l="9091" t="12399" b="5783"/>
+          <a:stretch>
+            <a:fillRect/>
+          </a:stretch>
+        </p:blipFill>
+        <p:spPr>
+          <a:xfrm>
+            <a:off x="20" y="10"/>
+            <a:ext cx="12191980" cy="6857990"/>
+          </a:xfrm>
+          <a:prstGeom prst="rect">
+            <a:avLst/>
+          </a:prstGeom>
+        </p:spPr>
+      </p:pic>
+      <p:sp>
+        <p:nvSpPr>
+          <p:cNvPr id="6" name="タイトル 5">
+            <a:extLst>
+              <a:ext uri="{FF2B5EF4-FFF2-40B4-BE49-F238E27FC236}">
+                <a16:creationId xmlns:a16="http://schemas.microsoft.com/office/drawing/2014/main" id="{059278F1-27E3-B45C-E014-04945D609F37}"/>
+              </a:ext>
+            </a:extLst>
+          </p:cNvPr>
+          <p:cNvSpPr>
+            <a:spLocks noGrp="1"/>
+          </p:cNvSpPr>
+          <p:nvPr>
+            <p:ph type="ctrTitle"/>
+          </p:nvPr>
+        </p:nvSpPr>
+        <p:spPr>
+          <a:xfrm>
+            <a:off x="256814" y="196646"/>
+            <a:ext cx="3892400" cy="931490"/>
+          </a:xfrm>
+        </p:spPr>
+        <p:txBody>
+          <a:bodyPr>
+            <a:noAutofit/>
+          </a:bodyPr>
+          <a:lstStyle/>
+          <a:p>
+            <a:pPr algn="l"/>
+            <a:r>
+              <a:rPr lang="ja-JP" altLang="en-US" sz="5400" dirty="0">
+                <a:solidFill>
+                  <a:schemeClr val="bg1"/>
+                </a:solidFill>
+              </a:rPr>
+              <a:t>まとめ</a:t>
+            </a:r>
+          </a:p>
+        </p:txBody>
+      </p:sp>
+      <p:sp>
+        <p:nvSpPr>
+          <p:cNvPr id="8" name="テキスト ボックス 7">
+            <a:extLst>
+              <a:ext uri="{FF2B5EF4-FFF2-40B4-BE49-F238E27FC236}">
+                <a16:creationId xmlns:a16="http://schemas.microsoft.com/office/drawing/2014/main" id="{DB521E75-F481-BDA1-D7EB-F39BD0521EC1}"/>
+              </a:ext>
+            </a:extLst>
+          </p:cNvPr>
+          <p:cNvSpPr txBox="1"/>
+          <p:nvPr/>
+        </p:nvSpPr>
+        <p:spPr>
+          <a:xfrm>
+            <a:off x="850604" y="1605516"/>
+            <a:ext cx="4327452" cy="2677656"/>
+          </a:xfrm>
+          <a:prstGeom prst="rect">
+            <a:avLst/>
+          </a:prstGeom>
+          <a:noFill/>
+        </p:spPr>
+        <p:txBody>
+          <a:bodyPr wrap="square" rtlCol="0">
+            <a:spAutoFit/>
+          </a:bodyPr>
+          <a:lstStyle/>
+          <a:p>
+            <a:r>
+              <a:rPr lang="ja-JP" altLang="en-US" sz="4000" b="1" dirty="0">
+                <a:ln>
+                  <a:solidFill>
+                    <a:schemeClr val="accent1">
+                      <a:lumMod val="50000"/>
+                    </a:schemeClr>
+                  </a:solidFill>
+                </a:ln>
+                <a:solidFill>
+                  <a:srgbClr val="FFFF00"/>
+                </a:solidFill>
+              </a:rPr>
+              <a:t>初めて触れたもの</a:t>
+            </a:r>
+            <a:endParaRPr kumimoji="1" lang="en-US" altLang="ja-JP" sz="4000" b="1" dirty="0">
+              <a:ln>
+                <a:solidFill>
+                  <a:schemeClr val="accent1">
+                    <a:lumMod val="50000"/>
+                  </a:schemeClr>
+                </a:solidFill>
+              </a:ln>
+              <a:solidFill>
+                <a:srgbClr val="FFFF00"/>
+              </a:solidFill>
+            </a:endParaRPr>
+          </a:p>
+          <a:p>
+            <a:r>
+              <a:rPr kumimoji="1" lang="ja-JP" altLang="en-US" sz="3200" b="1" dirty="0">
+                <a:ln>
+                  <a:solidFill>
+                    <a:schemeClr val="tx1">
+                      <a:lumMod val="95000"/>
+                      <a:lumOff val="5000"/>
+                    </a:schemeClr>
+                  </a:solidFill>
+                </a:ln>
+                <a:solidFill>
+                  <a:schemeClr val="accent6">
+                    <a:lumMod val="20000"/>
+                    <a:lumOff val="80000"/>
+                  </a:schemeClr>
+                </a:solidFill>
+              </a:rPr>
+              <a:t>・</a:t>
+            </a:r>
+            <a:r>
+              <a:rPr kumimoji="1" lang="en-US" altLang="ja-JP" sz="3200" b="1" dirty="0">
+                <a:ln>
+                  <a:solidFill>
+                    <a:schemeClr val="tx1">
+                      <a:lumMod val="95000"/>
+                      <a:lumOff val="5000"/>
+                    </a:schemeClr>
+                  </a:solidFill>
+                </a:ln>
+                <a:solidFill>
+                  <a:schemeClr val="accent6">
+                    <a:lumMod val="20000"/>
+                    <a:lumOff val="80000"/>
+                  </a:schemeClr>
+                </a:solidFill>
+              </a:rPr>
+              <a:t>Spring Boot</a:t>
+            </a:r>
+          </a:p>
+          <a:p>
+            <a:r>
+              <a:rPr lang="ja-JP" altLang="en-US" sz="3200" b="1" dirty="0">
+                <a:ln>
+                  <a:solidFill>
+                    <a:schemeClr val="tx1">
+                      <a:lumMod val="95000"/>
+                      <a:lumOff val="5000"/>
+                    </a:schemeClr>
+                  </a:solidFill>
+                </a:ln>
+                <a:solidFill>
+                  <a:schemeClr val="accent6">
+                    <a:lumMod val="20000"/>
+                    <a:lumOff val="80000"/>
+                  </a:schemeClr>
+                </a:solidFill>
+              </a:rPr>
+              <a:t>・</a:t>
+            </a:r>
+            <a:r>
+              <a:rPr lang="en-US" altLang="ja-JP" sz="3200" b="1" dirty="0">
+                <a:ln>
+                  <a:solidFill>
+                    <a:schemeClr val="tx1">
+                      <a:lumMod val="95000"/>
+                      <a:lumOff val="5000"/>
+                    </a:schemeClr>
+                  </a:solidFill>
+                </a:ln>
+                <a:solidFill>
+                  <a:schemeClr val="accent6">
+                    <a:lumMod val="20000"/>
+                    <a:lumOff val="80000"/>
+                  </a:schemeClr>
+                </a:solidFill>
+              </a:rPr>
+              <a:t>PostgreSQL</a:t>
+            </a:r>
+          </a:p>
+          <a:p>
+            <a:r>
+              <a:rPr lang="ja-JP" altLang="en-US" sz="3200" b="1" dirty="0">
+                <a:ln>
+                  <a:solidFill>
+                    <a:schemeClr val="tx1">
+                      <a:lumMod val="95000"/>
+                      <a:lumOff val="5000"/>
+                    </a:schemeClr>
+                  </a:solidFill>
+                </a:ln>
+                <a:solidFill>
+                  <a:schemeClr val="accent6">
+                    <a:lumMod val="20000"/>
+                    <a:lumOff val="80000"/>
+                  </a:schemeClr>
+                </a:solidFill>
+              </a:rPr>
+              <a:t>・</a:t>
+            </a:r>
+            <a:r>
+              <a:rPr lang="en-US" altLang="ja-JP" sz="3200" b="1" dirty="0">
+                <a:ln>
+                  <a:solidFill>
+                    <a:schemeClr val="tx1">
+                      <a:lumMod val="95000"/>
+                      <a:lumOff val="5000"/>
+                    </a:schemeClr>
+                  </a:solidFill>
+                </a:ln>
+                <a:solidFill>
+                  <a:schemeClr val="accent6">
+                    <a:lumMod val="20000"/>
+                    <a:lumOff val="80000"/>
+                  </a:schemeClr>
+                </a:solidFill>
+              </a:rPr>
+              <a:t>Gradle</a:t>
+            </a:r>
+          </a:p>
+          <a:p>
+            <a:r>
+              <a:rPr lang="ja-JP" altLang="en-US" sz="3200" b="1" dirty="0">
+                <a:ln>
+                  <a:solidFill>
+                    <a:schemeClr val="tx1">
+                      <a:lumMod val="95000"/>
+                      <a:lumOff val="5000"/>
+                    </a:schemeClr>
+                  </a:solidFill>
+                </a:ln>
+                <a:solidFill>
+                  <a:schemeClr val="accent6">
+                    <a:lumMod val="20000"/>
+                    <a:lumOff val="80000"/>
+                  </a:schemeClr>
+                </a:solidFill>
+              </a:rPr>
+              <a:t>・</a:t>
+            </a:r>
+            <a:r>
+              <a:rPr lang="en-US" altLang="ja-JP" sz="3200" b="1" dirty="0">
+                <a:ln>
+                  <a:solidFill>
+                    <a:schemeClr val="tx1">
+                      <a:lumMod val="95000"/>
+                      <a:lumOff val="5000"/>
+                    </a:schemeClr>
+                  </a:solidFill>
+                </a:ln>
+                <a:solidFill>
+                  <a:schemeClr val="accent6">
+                    <a:lumMod val="20000"/>
+                    <a:lumOff val="80000"/>
+                  </a:schemeClr>
+                </a:solidFill>
+              </a:rPr>
+              <a:t>chart.js</a:t>
+            </a:r>
+            <a:endParaRPr kumimoji="1" lang="en-US" altLang="ja-JP" sz="3200" b="1" dirty="0">
+              <a:ln>
+                <a:solidFill>
+                  <a:schemeClr val="tx1">
+                    <a:lumMod val="95000"/>
+                    <a:lumOff val="5000"/>
+                  </a:schemeClr>
+                </a:solidFill>
+              </a:ln>
+              <a:solidFill>
+                <a:schemeClr val="accent6">
+                  <a:lumMod val="20000"/>
+                  <a:lumOff val="80000"/>
+                </a:schemeClr>
+              </a:solidFill>
+            </a:endParaRPr>
+          </a:p>
+        </p:txBody>
+      </p:sp>
+      <p:sp>
+        <p:nvSpPr>
+          <p:cNvPr id="9" name="テキスト ボックス 8">
+            <a:extLst>
+              <a:ext uri="{FF2B5EF4-FFF2-40B4-BE49-F238E27FC236}">
+                <a16:creationId xmlns:a16="http://schemas.microsoft.com/office/drawing/2014/main" id="{F691D225-422F-A317-217E-77278B7244B0}"/>
+              </a:ext>
+            </a:extLst>
+          </p:cNvPr>
+          <p:cNvSpPr txBox="1"/>
+          <p:nvPr/>
+        </p:nvSpPr>
+        <p:spPr>
+          <a:xfrm>
+            <a:off x="6103088" y="1605516"/>
+            <a:ext cx="5238308" cy="2677656"/>
+          </a:xfrm>
+          <a:prstGeom prst="rect">
+            <a:avLst/>
+          </a:prstGeom>
+          <a:noFill/>
+        </p:spPr>
+        <p:txBody>
+          <a:bodyPr wrap="square" rtlCol="0">
+            <a:spAutoFit/>
+          </a:bodyPr>
+          <a:lstStyle/>
+          <a:p>
+            <a:r>
+              <a:rPr lang="ja-JP" altLang="en-US" sz="4000" b="1" dirty="0">
+                <a:ln>
+                  <a:solidFill>
+                    <a:schemeClr val="accent6">
+                      <a:lumMod val="75000"/>
+                    </a:schemeClr>
+                  </a:solidFill>
+                </a:ln>
+                <a:solidFill>
+                  <a:srgbClr val="FF0000"/>
+                </a:solidFill>
+              </a:rPr>
+              <a:t>能力が向上したもの</a:t>
+            </a:r>
+            <a:endParaRPr lang="en-US" altLang="ja-JP" sz="4000" b="1" dirty="0">
+              <a:ln>
+                <a:solidFill>
+                  <a:schemeClr val="accent6">
+                    <a:lumMod val="75000"/>
+                  </a:schemeClr>
+                </a:solidFill>
+              </a:ln>
+              <a:solidFill>
+                <a:srgbClr val="FF0000"/>
+              </a:solidFill>
+            </a:endParaRPr>
+          </a:p>
+          <a:p>
+            <a:r>
+              <a:rPr kumimoji="1" lang="ja-JP" altLang="en-US" sz="3200" b="1" dirty="0">
+                <a:ln>
+                  <a:solidFill>
+                    <a:schemeClr val="tx1">
+                      <a:lumMod val="95000"/>
+                      <a:lumOff val="5000"/>
+                    </a:schemeClr>
+                  </a:solidFill>
+                </a:ln>
+                <a:solidFill>
+                  <a:schemeClr val="accent6">
+                    <a:lumMod val="20000"/>
+                    <a:lumOff val="80000"/>
+                  </a:schemeClr>
+                </a:solidFill>
+              </a:rPr>
+              <a:t>・</a:t>
+            </a:r>
+            <a:r>
+              <a:rPr kumimoji="1" lang="en-US" altLang="ja-JP" sz="3200" b="1" dirty="0">
+                <a:ln>
+                  <a:solidFill>
+                    <a:schemeClr val="tx1">
+                      <a:lumMod val="95000"/>
+                      <a:lumOff val="5000"/>
+                    </a:schemeClr>
+                  </a:solidFill>
+                </a:ln>
+                <a:solidFill>
+                  <a:schemeClr val="accent6">
+                    <a:lumMod val="20000"/>
+                    <a:lumOff val="80000"/>
+                  </a:schemeClr>
+                </a:solidFill>
+              </a:rPr>
+              <a:t>Java</a:t>
+            </a:r>
+          </a:p>
+          <a:p>
+            <a:r>
+              <a:rPr kumimoji="1" lang="ja-JP" altLang="en-US" sz="3200" b="1" dirty="0">
+                <a:ln>
+                  <a:solidFill>
+                    <a:schemeClr val="tx1">
+                      <a:lumMod val="95000"/>
+                      <a:lumOff val="5000"/>
+                    </a:schemeClr>
+                  </a:solidFill>
+                </a:ln>
+                <a:solidFill>
+                  <a:schemeClr val="accent6">
+                    <a:lumMod val="20000"/>
+                    <a:lumOff val="80000"/>
+                  </a:schemeClr>
+                </a:solidFill>
+              </a:rPr>
+              <a:t>・</a:t>
+            </a:r>
+            <a:r>
+              <a:rPr kumimoji="1" lang="en-US" altLang="ja-JP" sz="3200" b="1" dirty="0">
+                <a:ln>
+                  <a:solidFill>
+                    <a:schemeClr val="tx1">
+                      <a:lumMod val="95000"/>
+                      <a:lumOff val="5000"/>
+                    </a:schemeClr>
+                  </a:solidFill>
+                </a:ln>
+                <a:solidFill>
+                  <a:schemeClr val="accent6">
+                    <a:lumMod val="20000"/>
+                    <a:lumOff val="80000"/>
+                  </a:schemeClr>
+                </a:solidFill>
+              </a:rPr>
+              <a:t>JavaScript</a:t>
+            </a:r>
+          </a:p>
+          <a:p>
+            <a:r>
+              <a:rPr kumimoji="1" lang="ja-JP" altLang="en-US" sz="3200" b="1" dirty="0">
+                <a:ln>
+                  <a:solidFill>
+                    <a:schemeClr val="tx1">
+                      <a:lumMod val="95000"/>
+                      <a:lumOff val="5000"/>
+                    </a:schemeClr>
+                  </a:solidFill>
+                </a:ln>
+                <a:solidFill>
+                  <a:schemeClr val="accent6">
+                    <a:lumMod val="20000"/>
+                    <a:lumOff val="80000"/>
+                  </a:schemeClr>
+                </a:solidFill>
+              </a:rPr>
+              <a:t>・</a:t>
+            </a:r>
+            <a:r>
+              <a:rPr kumimoji="1" lang="en-US" altLang="ja-JP" sz="3200" b="1" dirty="0">
+                <a:ln>
+                  <a:solidFill>
+                    <a:schemeClr val="tx1">
+                      <a:lumMod val="95000"/>
+                      <a:lumOff val="5000"/>
+                    </a:schemeClr>
+                  </a:solidFill>
+                </a:ln>
+                <a:solidFill>
+                  <a:schemeClr val="accent6">
+                    <a:lumMod val="20000"/>
+                    <a:lumOff val="80000"/>
+                  </a:schemeClr>
+                </a:solidFill>
+              </a:rPr>
+              <a:t>HTML</a:t>
+            </a:r>
+          </a:p>
+          <a:p>
+            <a:r>
+              <a:rPr kumimoji="1" lang="ja-JP" altLang="en-US" sz="3200" b="1" dirty="0">
+                <a:ln>
+                  <a:solidFill>
+                    <a:schemeClr val="tx1">
+                      <a:lumMod val="95000"/>
+                      <a:lumOff val="5000"/>
+                    </a:schemeClr>
+                  </a:solidFill>
+                </a:ln>
+                <a:solidFill>
+                  <a:schemeClr val="accent6">
+                    <a:lumMod val="20000"/>
+                    <a:lumOff val="80000"/>
+                  </a:schemeClr>
+                </a:solidFill>
+              </a:rPr>
+              <a:t>・</a:t>
+            </a:r>
+            <a:r>
+              <a:rPr kumimoji="1" lang="en-US" altLang="ja-JP" sz="3200" b="1" dirty="0">
+                <a:ln>
+                  <a:solidFill>
+                    <a:schemeClr val="tx1">
+                      <a:lumMod val="95000"/>
+                      <a:lumOff val="5000"/>
+                    </a:schemeClr>
+                  </a:solidFill>
+                </a:ln>
+                <a:solidFill>
+                  <a:schemeClr val="accent6">
+                    <a:lumMod val="20000"/>
+                    <a:lumOff val="80000"/>
+                  </a:schemeClr>
+                </a:solidFill>
+              </a:rPr>
+              <a:t>CSS</a:t>
+            </a:r>
+          </a:p>
+        </p:txBody>
+      </p:sp>
+      <p:sp>
+        <p:nvSpPr>
+          <p:cNvPr id="10" name="四角形: 角を丸くする 9">
+            <a:extLst>
+              <a:ext uri="{FF2B5EF4-FFF2-40B4-BE49-F238E27FC236}">
+                <a16:creationId xmlns:a16="http://schemas.microsoft.com/office/drawing/2014/main" id="{266BA7F1-D245-C0E7-839E-D7C291824996}"/>
+              </a:ext>
+            </a:extLst>
+          </p:cNvPr>
+          <p:cNvSpPr/>
+          <p:nvPr/>
+        </p:nvSpPr>
+        <p:spPr>
+          <a:xfrm>
+            <a:off x="532358" y="4531368"/>
+            <a:ext cx="4645698" cy="1039217"/>
+          </a:xfrm>
+          <a:prstGeom prst="roundRect">
+            <a:avLst>
+              <a:gd name="adj" fmla="val 50000"/>
+            </a:avLst>
+          </a:prstGeom>
+          <a:solidFill>
+            <a:schemeClr val="accent1">
+              <a:lumMod val="20000"/>
+              <a:lumOff val="80000"/>
+            </a:schemeClr>
+          </a:solidFill>
+          <a:ln>
+            <a:solidFill>
+              <a:srgbClr val="0070C0"/>
+            </a:solidFill>
+          </a:ln>
+        </p:spPr>
+        <p:style>
+          <a:lnRef idx="0">
+            <a:schemeClr val="accent1"/>
+          </a:lnRef>
+          <a:fillRef idx="3">
+            <a:schemeClr val="accent1"/>
+          </a:fillRef>
+          <a:effectRef idx="3">
+            <a:schemeClr val="accent1"/>
+          </a:effectRef>
+          <a:fontRef idx="minor">
+            <a:schemeClr val="lt1"/>
+          </a:fontRef>
+        </p:style>
+        <p:txBody>
+          <a:bodyPr rtlCol="0" anchor="ctr"/>
+          <a:lstStyle/>
+          <a:p>
+            <a:pPr algn="ctr"/>
+            <a:r>
+              <a:rPr lang="ja-JP" altLang="en-US" sz="3200" dirty="0">
+                <a:solidFill>
+                  <a:schemeClr val="tx1"/>
+                </a:solidFill>
+                <a:latin typeface="Arial" panose="020B0604020202020204" pitchFamily="34" charset="0"/>
+                <a:cs typeface="Arial" panose="020B0604020202020204" pitchFamily="34" charset="0"/>
+              </a:rPr>
+              <a:t>使用可能なレベル</a:t>
+            </a:r>
+          </a:p>
+        </p:txBody>
+      </p:sp>
+      <p:sp>
+        <p:nvSpPr>
+          <p:cNvPr id="11" name="四角形: 角を丸くする 10">
+            <a:extLst>
+              <a:ext uri="{FF2B5EF4-FFF2-40B4-BE49-F238E27FC236}">
+                <a16:creationId xmlns:a16="http://schemas.microsoft.com/office/drawing/2014/main" id="{D76248A4-0F9C-E600-68B4-B53B38EFA795}"/>
+              </a:ext>
+            </a:extLst>
+          </p:cNvPr>
+          <p:cNvSpPr/>
+          <p:nvPr/>
+        </p:nvSpPr>
+        <p:spPr>
+          <a:xfrm>
+            <a:off x="5736448" y="4531368"/>
+            <a:ext cx="5971588" cy="1039217"/>
+          </a:xfrm>
+          <a:prstGeom prst="roundRect">
+            <a:avLst>
+              <a:gd name="adj" fmla="val 50000"/>
+            </a:avLst>
+          </a:prstGeom>
+          <a:solidFill>
+            <a:schemeClr val="accent5">
+              <a:lumMod val="60000"/>
+              <a:lumOff val="40000"/>
+            </a:schemeClr>
+          </a:solidFill>
+          <a:ln>
+            <a:solidFill>
+              <a:schemeClr val="accent5">
+                <a:lumMod val="75000"/>
+              </a:schemeClr>
+            </a:solidFill>
+          </a:ln>
+        </p:spPr>
+        <p:style>
+          <a:lnRef idx="0">
+            <a:schemeClr val="accent1"/>
+          </a:lnRef>
+          <a:fillRef idx="3">
+            <a:schemeClr val="accent1"/>
+          </a:fillRef>
+          <a:effectRef idx="3">
+            <a:schemeClr val="accent1"/>
+          </a:effectRef>
+          <a:fontRef idx="minor">
+            <a:schemeClr val="lt1"/>
+          </a:fontRef>
+        </p:style>
+        <p:txBody>
+          <a:bodyPr rtlCol="0" anchor="ctr"/>
+          <a:lstStyle/>
+          <a:p>
+            <a:pPr algn="ctr"/>
+            <a:r>
+              <a:rPr lang="ja-JP" altLang="en-US" sz="3200" dirty="0">
+                <a:solidFill>
+                  <a:schemeClr val="tx1">
+                    <a:lumMod val="95000"/>
+                    <a:lumOff val="5000"/>
+                  </a:schemeClr>
+                </a:solidFill>
+                <a:latin typeface="Arial" panose="020B0604020202020204" pitchFamily="34" charset="0"/>
+                <a:cs typeface="Arial" panose="020B0604020202020204" pitchFamily="34" charset="0"/>
+              </a:rPr>
+              <a:t>イメージを実現できるレベル</a:t>
+            </a:r>
+          </a:p>
+        </p:txBody>
+      </p:sp>
+    </p:spTree>
+    <p:extLst>
+      <p:ext uri="{BB962C8B-B14F-4D97-AF65-F5344CB8AC3E}">
+        <p14:creationId xmlns:p14="http://schemas.microsoft.com/office/powerpoint/2010/main" val="3435474418"/>
+      </p:ext>
+    </p:extLst>
+  </p:cSld>
+  <p:clrMapOvr>
+    <a:masterClrMapping/>
+  </p:clrMapOvr>
+  <p:transition spd="med">
+    <p:pull/>
+  </p:transition>
+  <p:timing>
+    <p:tnLst>
+      <p:par>
+        <p:cTn id="1" dur="indefinite" restart="never" nodeType="tmRoot">
+          <p:childTnLst>
+            <p:seq concurrent="1" nextAc="seek">
+              <p:cTn id="2" dur="indefinite" nodeType="mainSeq">
+                <p:childTnLst>
+                  <p:par>
+                    <p:cTn id="3" fill="hold">
+                      <p:stCondLst>
+                        <p:cond delay="indefinite"/>
+                      </p:stCondLst>
+                      <p:childTnLst>
+                        <p:par>
+                          <p:cTn id="4" fill="hold">
+                            <p:stCondLst>
+                              <p:cond delay="0"/>
+                            </p:stCondLst>
+                            <p:childTnLst>
+                              <p:par>
+                                <p:cTn id="5" presetID="10" presetClass="entr" presetSubtype="0" fill="hold" grpId="0" nodeType="clickEffect">
+                                  <p:stCondLst>
+                                    <p:cond delay="0"/>
+                                  </p:stCondLst>
+                                  <p:childTnLst>
+                                    <p:set>
+                                      <p:cBhvr>
+                                        <p:cTn id="6" dur="1" fill="hold">
+                                          <p:stCondLst>
+                                            <p:cond delay="0"/>
+                                          </p:stCondLst>
+                                        </p:cTn>
+                                        <p:tgtEl>
+                                          <p:spTgt spid="8"/>
+                                        </p:tgtEl>
+                                        <p:attrNameLst>
+                                          <p:attrName>style.visibility</p:attrName>
+                                        </p:attrNameLst>
+                                      </p:cBhvr>
+                                      <p:to>
+                                        <p:strVal val="visible"/>
+                                      </p:to>
+                                    </p:set>
+                                    <p:animEffect transition="in" filter="fade">
+                                      <p:cBhvr>
+                                        <p:cTn id="7" dur="500"/>
+                                        <p:tgtEl>
+                                          <p:spTgt spid="8"/>
+                                        </p:tgtEl>
+                                      </p:cBhvr>
+                                    </p:animEffect>
+                                  </p:childTnLst>
+                                </p:cTn>
+                              </p:par>
+                            </p:childTnLst>
+                          </p:cTn>
+                        </p:par>
+                      </p:childTnLst>
+                    </p:cTn>
+                  </p:par>
+                  <p:par>
+                    <p:cTn id="8" fill="hold">
+                      <p:stCondLst>
+                        <p:cond delay="indefinite"/>
+                      </p:stCondLst>
+                      <p:childTnLst>
+                        <p:par>
+                          <p:cTn id="9" fill="hold">
+                            <p:stCondLst>
+                              <p:cond delay="0"/>
+                            </p:stCondLst>
+                            <p:childTnLst>
+                              <p:par>
+                                <p:cTn id="10" presetID="16" presetClass="entr" presetSubtype="21" fill="hold" grpId="0" nodeType="clickEffect">
+                                  <p:stCondLst>
+                                    <p:cond delay="0"/>
+                                  </p:stCondLst>
+                                  <p:childTnLst>
+                                    <p:set>
+                                      <p:cBhvr>
+                                        <p:cTn id="11" dur="1" fill="hold">
+                                          <p:stCondLst>
+                                            <p:cond delay="0"/>
+                                          </p:stCondLst>
+                                        </p:cTn>
+                                        <p:tgtEl>
+                                          <p:spTgt spid="10"/>
+                                        </p:tgtEl>
+                                        <p:attrNameLst>
+                                          <p:attrName>style.visibility</p:attrName>
+                                        </p:attrNameLst>
+                                      </p:cBhvr>
+                                      <p:to>
+                                        <p:strVal val="visible"/>
+                                      </p:to>
+                                    </p:set>
+                                    <p:animEffect transition="in" filter="barn(inVertical)">
+                                      <p:cBhvr>
+                                        <p:cTn id="12" dur="500"/>
+                                        <p:tgtEl>
+                                          <p:spTgt spid="10"/>
+                                        </p:tgtEl>
+                                      </p:cBhvr>
+                                    </p:animEffect>
+                                  </p:childTnLst>
+                                </p:cTn>
+                              </p:par>
+                            </p:childTnLst>
+                          </p:cTn>
+                        </p:par>
+                      </p:childTnLst>
+                    </p:cTn>
+                  </p:par>
+                  <p:par>
+                    <p:cTn id="13" fill="hold">
+                      <p:stCondLst>
+                        <p:cond delay="indefinite"/>
+                      </p:stCondLst>
+                      <p:childTnLst>
+                        <p:par>
+                          <p:cTn id="14" fill="hold">
+                            <p:stCondLst>
+                              <p:cond delay="0"/>
+                            </p:stCondLst>
+                            <p:childTnLst>
+                              <p:par>
+                                <p:cTn id="15" presetID="10" presetClass="entr" presetSubtype="0" fill="hold" grpId="0" nodeType="clickEffect">
+                                  <p:stCondLst>
+                                    <p:cond delay="0"/>
+                                  </p:stCondLst>
+                                  <p:childTnLst>
+                                    <p:set>
+                                      <p:cBhvr>
+                                        <p:cTn id="16" dur="1" fill="hold">
+                                          <p:stCondLst>
+                                            <p:cond delay="0"/>
+                                          </p:stCondLst>
+                                        </p:cTn>
+                                        <p:tgtEl>
+                                          <p:spTgt spid="9"/>
+                                        </p:tgtEl>
+                                        <p:attrNameLst>
+                                          <p:attrName>style.visibility</p:attrName>
+                                        </p:attrNameLst>
+                                      </p:cBhvr>
+                                      <p:to>
+                                        <p:strVal val="visible"/>
+                                      </p:to>
+                                    </p:set>
+                                    <p:animEffect transition="in" filter="fade">
+                                      <p:cBhvr>
+                                        <p:cTn id="17" dur="500"/>
+                                        <p:tgtEl>
+                                          <p:spTgt spid="9"/>
+                                        </p:tgtEl>
+                                      </p:cBhvr>
+                                    </p:animEffect>
+                                  </p:childTnLst>
+                                </p:cTn>
+                              </p:par>
+                            </p:childTnLst>
+                          </p:cTn>
+                        </p:par>
+                      </p:childTnLst>
+                    </p:cTn>
+                  </p:par>
+                  <p:par>
+                    <p:cTn id="18" fill="hold">
+                      <p:stCondLst>
+                        <p:cond delay="indefinite"/>
+                      </p:stCondLst>
+                      <p:childTnLst>
+                        <p:par>
+                          <p:cTn id="19" fill="hold">
+                            <p:stCondLst>
+                              <p:cond delay="0"/>
+                            </p:stCondLst>
+                            <p:childTnLst>
+                              <p:par>
+                                <p:cTn id="20" presetID="16" presetClass="entr" presetSubtype="21" fill="hold" grpId="0" nodeType="clickEffect">
+                                  <p:stCondLst>
+                                    <p:cond delay="0"/>
+                                  </p:stCondLst>
+                                  <p:childTnLst>
+                                    <p:set>
+                                      <p:cBhvr>
+                                        <p:cTn id="21" dur="1" fill="hold">
+                                          <p:stCondLst>
+                                            <p:cond delay="0"/>
+                                          </p:stCondLst>
+                                        </p:cTn>
+                                        <p:tgtEl>
+                                          <p:spTgt spid="11"/>
+                                        </p:tgtEl>
+                                        <p:attrNameLst>
+                                          <p:attrName>style.visibility</p:attrName>
+                                        </p:attrNameLst>
+                                      </p:cBhvr>
+                                      <p:to>
+                                        <p:strVal val="visible"/>
+                                      </p:to>
+                                    </p:set>
+                                    <p:animEffect transition="in" filter="barn(inVertical)">
+                                      <p:cBhvr>
+                                        <p:cTn id="22" dur="500"/>
+                                        <p:tgtEl>
+                                          <p:spTgt spid="11"/>
+                                        </p:tgtEl>
+                                      </p:cBhvr>
+                                    </p:animEffect>
+                                  </p:childTnLst>
+                                </p:cTn>
+                              </p:par>
+                            </p:childTnLst>
+                          </p:cTn>
+                        </p:par>
+                      </p:childTnLst>
+                    </p:cTn>
+                  </p:par>
+                </p:childTnLst>
+              </p:cTn>
+              <p:prevCondLst>
+                <p:cond evt="onPrev" delay="0">
+                  <p:tgtEl>
+                    <p:sldTgt/>
+                  </p:tgtEl>
+                </p:cond>
+              </p:prevCondLst>
+              <p:nextCondLst>
+                <p:cond evt="onNext" delay="0">
+                  <p:tgtEl>
+                    <p:sldTgt/>
+                  </p:tgtEl>
+                </p:cond>
+              </p:nextCondLst>
+            </p:seq>
+          </p:childTnLst>
+        </p:cTn>
+      </p:par>
+    </p:tnLst>
+    <p:bldLst>
+      <p:bldP spid="8" grpId="0"/>
+      <p:bldP spid="9" grpId="0"/>
+      <p:bldP spid="10" grpId="0" animBg="1"/>
+      <p:bldP spid="11" grpId="0" animBg="1"/>
+    </p:bldLst>
+  </p:timing>
+</p:sld>
+</file>
+
+<file path=ppt/slides/slide15.xml><?xml version="1.0" encoding="utf-8"?>
+<p:sld xmlns:a="http://schemas.openxmlformats.org/drawingml/2006/main" xmlns:r="http://schemas.openxmlformats.org/officeDocument/2006/relationships" xmlns:p="http://schemas.openxmlformats.org/presentationml/2006/main">
+  <p:cSld>
+    <p:spTree>
+      <p:nvGrpSpPr>
+        <p:cNvPr id="1" name="">
+          <a:extLst>
+            <a:ext uri="{FF2B5EF4-FFF2-40B4-BE49-F238E27FC236}">
               <a16:creationId xmlns:a16="http://schemas.microsoft.com/office/drawing/2014/main" id="{38DE4634-CDAC-0D80-C767-0518C027C3C1}"/>
             </a:ext>
           </a:extLst>
@@ -5879,13 +6969,13 @@
   <p:clrMapOvr>
     <a:masterClrMapping/>
   </p:clrMapOvr>
-  <p:transition spd="med">
-    <p:pull/>
+  <p:transition spd="slow">
+    <p:wipe/>
   </p:transition>
 </p:sld>
 </file>
 
-<file path=ppt/slides/slide15.xml><?xml version="1.0" encoding="utf-8"?>
+<file path=ppt/slides/slide16.xml><?xml version="1.0" encoding="utf-8"?>
 <p:sld xmlns:a="http://schemas.openxmlformats.org/drawingml/2006/main" xmlns:r="http://schemas.openxmlformats.org/officeDocument/2006/relationships" xmlns:p="http://schemas.openxmlformats.org/presentationml/2006/main">
   <p:cSld>
     <p:bg>
